--- a/Presentation1.pptx
+++ b/Presentation1.pptx
@@ -589,6 +589,90 @@
 </p:notes>
 </file>
 
+<file path=ppt/notesSlides/notesSlide10.xml><?xml version="1.0" encoding="utf-8"?>
+<p:notes xmlns:a="http://schemas.openxmlformats.org/drawingml/2006/main" xmlns:r="http://schemas.openxmlformats.org/officeDocument/2006/relationships" xmlns:p="http://schemas.openxmlformats.org/presentationml/2006/main">
+  <p:cSld>
+    <p:spTree>
+      <p:nvGrpSpPr>
+        <p:cNvPr id="1" name=""/>
+        <p:cNvGrpSpPr/>
+        <p:nvPr/>
+      </p:nvGrpSpPr>
+      <p:grpSpPr>
+        <a:xfrm>
+          <a:off x="0" y="0"/>
+          <a:ext cx="0" cy="0"/>
+          <a:chOff x="0" y="0"/>
+          <a:chExt cx="0" cy="0"/>
+        </a:xfrm>
+      </p:grpSpPr>
+      <p:sp>
+        <p:nvSpPr>
+          <p:cNvPr id="2" name="Slide Image Placeholder 1"/>
+          <p:cNvSpPr>
+            <a:spLocks noGrp="1" noRot="1" noChangeAspect="1"/>
+          </p:cNvSpPr>
+          <p:nvPr>
+            <p:ph type="sldImg"/>
+          </p:nvPr>
+        </p:nvSpPr>
+        <p:spPr/>
+      </p:sp>
+      <p:sp>
+        <p:nvSpPr>
+          <p:cNvPr id="3" name="Notes Placeholder 2"/>
+          <p:cNvSpPr>
+            <a:spLocks noGrp="1"/>
+          </p:cNvSpPr>
+          <p:nvPr>
+            <p:ph type="body" idx="1"/>
+          </p:nvPr>
+        </p:nvSpPr>
+        <p:spPr/>
+        <p:txBody>
+          <a:bodyPr/>
+          <a:lstStyle/>
+          <a:p>
+            <a:endParaRPr lang="en-US" dirty="0"/>
+          </a:p>
+        </p:txBody>
+      </p:sp>
+      <p:sp>
+        <p:nvSpPr>
+          <p:cNvPr id="4" name="Slide Number Placeholder 3"/>
+          <p:cNvSpPr>
+            <a:spLocks noGrp="1"/>
+          </p:cNvSpPr>
+          <p:nvPr>
+            <p:ph type="sldNum" sz="quarter" idx="5"/>
+          </p:nvPr>
+        </p:nvSpPr>
+        <p:spPr/>
+        <p:txBody>
+          <a:bodyPr/>
+          <a:lstStyle/>
+          <a:p>
+            <a:fld id="{189FE265-B130-124C-81B5-878EAE2641A8}" type="slidenum">
+              <a:rPr lang="en-US" smtClean="0"/>
+              <a:t>15</a:t>
+            </a:fld>
+            <a:endParaRPr lang="en-US"/>
+          </a:p>
+        </p:txBody>
+      </p:sp>
+    </p:spTree>
+    <p:extLst>
+      <p:ext uri="{BB962C8B-B14F-4D97-AF65-F5344CB8AC3E}">
+        <p14:creationId xmlns:p14="http://schemas.microsoft.com/office/powerpoint/2010/main" val="712181113"/>
+      </p:ext>
+    </p:extLst>
+  </p:cSld>
+  <p:clrMapOvr>
+    <a:masterClrMapping/>
+  </p:clrMapOvr>
+</p:notes>
+</file>
+
 <file path=ppt/notesSlides/notesSlide2.xml><?xml version="1.0" encoding="utf-8"?>
 <p:notes xmlns:a="http://schemas.openxmlformats.org/drawingml/2006/main" xmlns:r="http://schemas.openxmlformats.org/officeDocument/2006/relationships" xmlns:p="http://schemas.openxmlformats.org/presentationml/2006/main">
   <p:cSld>
@@ -722,7 +806,7 @@
           <a:p>
             <a:r>
               <a:rPr lang="en-US" dirty="0"/>
-              <a:t>5:30</a:t>
+              <a:t>5:30 Talk about how z=y/x ignores a single class of solutions where x=0, </a:t>
             </a:r>
           </a:p>
         </p:txBody>
@@ -896,7 +980,7 @@
           <a:p>
             <a:r>
               <a:rPr lang="en-US" dirty="0"/>
-              <a:t>7:00</a:t>
+              <a:t>7:30</a:t>
             </a:r>
           </a:p>
         </p:txBody>
@@ -983,7 +1067,7 @@
           <a:p>
             <a:r>
               <a:rPr lang="en-US" dirty="0"/>
-              <a:t>7:30</a:t>
+              <a:t>8:30</a:t>
             </a:r>
           </a:p>
         </p:txBody>
@@ -1070,7 +1154,7 @@
           <a:p>
             <a:r>
               <a:rPr lang="en-US" dirty="0"/>
-              <a:t>8:00</a:t>
+              <a:t>9:00</a:t>
             </a:r>
           </a:p>
         </p:txBody>
@@ -4723,7 +4807,18 @@
                     </m:acc>
                   </m:oMath>
                 </a14:m>
-                <a:endParaRPr lang="en-US" dirty="0"/>
+                <a:r>
+                  <a:rPr lang="en-US" dirty="0"/>
+                  <a:t> (</a:t>
+                </a:r>
+                <a:r>
+                  <a:rPr lang="en-US" dirty="0" err="1"/>
+                  <a:t>Riccati</a:t>
+                </a:r>
+                <a:r>
+                  <a:rPr lang="en-US" dirty="0"/>
+                  <a:t> Equation)</a:t>
+                </a:r>
               </a:p>
             </p:txBody>
           </p:sp>
@@ -5395,7 +5490,7 @@
             </p:nvSpPr>
             <p:spPr>
               <a:blipFill>
-                <a:blip r:embed="rId2"/>
+                <a:blip r:embed="rId3"/>
                 <a:stretch>
                   <a:fillRect l="-2292"/>
                 </a:stretch>
@@ -5851,6 +5946,27 @@
               <a:t>Describe the change of a quantum system over time, depending on its initial value, and a matrix that describes its motion</a:t>
             </a:r>
           </a:p>
+          <a:p>
+            <a:pPr marL="0" indent="0">
+              <a:buNone/>
+            </a:pPr>
+            <a:endParaRPr lang="en-US" dirty="0"/>
+          </a:p>
+          <a:p>
+            <a:pPr marL="0" indent="0">
+              <a:buNone/>
+            </a:pPr>
+            <a:endParaRPr lang="en-US" dirty="0"/>
+          </a:p>
+          <a:p>
+            <a:pPr marL="0" indent="0">
+              <a:buNone/>
+            </a:pPr>
+            <a:r>
+              <a:rPr lang="en-US" dirty="0"/>
+              <a:t>Add picture to emphasize trajectory and ode</a:t>
+            </a:r>
+          </a:p>
         </p:txBody>
       </p:sp>
     </p:spTree>
@@ -6012,7 +6128,7 @@
                               <a:rPr lang="en-US" b="0" i="1" smtClean="0">
                                 <a:latin typeface="Cambria Math" panose="02040503050406030204" pitchFamily="18" charset="0"/>
                               </a:rPr>
-                              <m:t>𝑥</m:t>
+                              <m:t>𝑦</m:t>
                             </m:r>
                           </m:e>
                           <m:e>
@@ -6020,7 +6136,7 @@
                               <a:rPr lang="en-US" b="0" i="1" smtClean="0">
                                 <a:latin typeface="Cambria Math" panose="02040503050406030204" pitchFamily="18" charset="0"/>
                               </a:rPr>
-                              <m:t>𝑦</m:t>
+                              <m:t>𝑥</m:t>
                             </m:r>
                           </m:e>
                         </m:eqArr>
@@ -6062,7 +6178,7 @@
                               <a:rPr lang="en-US" b="0" i="1" smtClean="0">
                                 <a:latin typeface="Cambria Math" panose="02040503050406030204" pitchFamily="18" charset="0"/>
                               </a:rPr>
-                              <m:t>𝑥</m:t>
+                              <m:t>𝑦</m:t>
                             </m:r>
                           </m:e>
                           <m:e>
@@ -6070,7 +6186,7 @@
                               <a:rPr lang="en-US" b="0" i="1" smtClean="0">
                                 <a:latin typeface="Cambria Math" panose="02040503050406030204" pitchFamily="18" charset="0"/>
                               </a:rPr>
-                              <m:t>𝑦</m:t>
+                              <m:t>𝑥</m:t>
                             </m:r>
                           </m:e>
                         </m:eqArr>
@@ -6106,7 +6222,7 @@
                         <a:rPr lang="en-US" b="0" i="1" smtClean="0">
                           <a:latin typeface="Cambria Math" panose="02040503050406030204" pitchFamily="18" charset="0"/>
                         </a:rPr>
-                        <m:t>𝑥</m:t>
+                        <m:t>𝑦</m:t>
                       </m:r>
                       <m:r>
                         <a:rPr lang="en-US" b="0" i="1" smtClean="0">
@@ -6118,7 +6234,7 @@
                         <a:rPr lang="en-US" b="0" i="1" smtClean="0">
                           <a:latin typeface="Cambria Math" panose="02040503050406030204" pitchFamily="18" charset="0"/>
                         </a:rPr>
-                        <m:t>𝑦</m:t>
+                        <m:t>𝑥</m:t>
                       </m:r>
                     </m:oMath>
                   </m:oMathPara>
@@ -6164,7 +6280,7 @@
                                   <a:rPr lang="en-US" b="0" i="1" smtClean="0">
                                     <a:latin typeface="Cambria Math" panose="02040503050406030204" pitchFamily="18" charset="0"/>
                                   </a:rPr>
-                                  <m:t>𝑥</m:t>
+                                  <m:t>𝑦</m:t>
                                 </m:r>
                               </m:e>
                               <m:e>
@@ -6172,7 +6288,7 @@
                                   <a:rPr lang="en-US" b="0" i="1" smtClean="0">
                                     <a:latin typeface="Cambria Math" panose="02040503050406030204" pitchFamily="18" charset="0"/>
                                   </a:rPr>
-                                  <m:t>𝑦</m:t>
+                                  <m:t>𝑥</m:t>
                                 </m:r>
                               </m:e>
                             </m:eqArr>
@@ -6214,7 +6330,7 @@
                               <a:rPr lang="en-US" b="0" i="1" smtClean="0">
                                 <a:latin typeface="Cambria Math" panose="02040503050406030204" pitchFamily="18" charset="0"/>
                               </a:rPr>
-                              <m:t>𝑥</m:t>
+                              <m:t>𝑦</m:t>
                             </m:r>
                           </m:e>
                           <m:e>
@@ -6222,7 +6338,7 @@
                               <a:rPr lang="en-US" b="0" i="1" smtClean="0">
                                 <a:latin typeface="Cambria Math" panose="02040503050406030204" pitchFamily="18" charset="0"/>
                               </a:rPr>
-                              <m:t>𝑦</m:t>
+                              <m:t>𝑥</m:t>
                             </m:r>
                           </m:e>
                         </m:eqArr>
@@ -6331,13 +6447,8 @@
           <a:p>
             <a:r>
               <a:rPr lang="en-US" dirty="0"/>
-              <a:t>Skew-Hermitian </a:t>
-            </a:r>
-            <a:r>
-              <a:rPr lang="en-US" dirty="0" err="1"/>
-              <a:t>Matricies</a:t>
-            </a:r>
-            <a:endParaRPr lang="en-US" dirty="0"/>
+              <a:t>Skew-Hermitian Matrices</a:t>
+            </a:r>
           </a:p>
         </p:txBody>
       </p:sp>
@@ -6417,22 +6528,8 @@
                 </a14:m>
                 <a:r>
                   <a:rPr lang="en-US" dirty="0"/>
-                  <a:t> </a:t>
+                  <a:t> matrices, which take the form</a:t>
                 </a:r>
-                <a:r>
-                  <a:rPr lang="en-US" dirty="0" err="1"/>
-                  <a:t>matricies</a:t>
-                </a:r>
-                <a:r>
-                  <a:rPr lang="en-US" dirty="0"/>
-                  <a:t>, which take the form</a:t>
-                </a:r>
-              </a:p>
-              <a:p>
-                <a:pPr marL="0" indent="0">
-                  <a:buNone/>
-                </a:pPr>
-                <a:endParaRPr lang="en-US" dirty="0"/>
               </a:p>
               <a:p>
                 <a:pPr marL="0" indent="0" algn="ctr">
@@ -6595,6 +6692,12 @@
                 </a14:m>
                 <a:endParaRPr lang="en-US" dirty="0"/>
               </a:p>
+              <a:p>
+                <a:r>
+                  <a:rPr lang="en-US" dirty="0"/>
+                  <a:t>Skew-Hermitian matrices are always diagonalizable</a:t>
+                </a:r>
+              </a:p>
             </p:txBody>
           </p:sp>
         </mc:Choice>
@@ -6717,7 +6820,10 @@
           <a:bodyPr/>
           <a:lstStyle/>
           <a:p>
-            <a:endParaRPr lang="en-US" dirty="0"/>
+            <a:r>
+              <a:rPr lang="en-US" dirty="0"/>
+              <a:t>Why a direct solution is complicated</a:t>
+            </a:r>
           </a:p>
         </p:txBody>
       </p:sp>

--- a/Presentation1.pptx
+++ b/Presentation1.pptx
@@ -5,7 +5,7 @@
     <p:sldMasterId id="2147483648" r:id="rId1"/>
   </p:sldMasterIdLst>
   <p:notesMasterIdLst>
-    <p:notesMasterId r:id="rId19"/>
+    <p:notesMasterId r:id="rId22"/>
   </p:notesMasterIdLst>
   <p:sldIdLst>
     <p:sldId id="256" r:id="rId2"/>
@@ -20,11 +20,14 @@
     <p:sldId id="266" r:id="rId11"/>
     <p:sldId id="267" r:id="rId12"/>
     <p:sldId id="269" r:id="rId13"/>
-    <p:sldId id="270" r:id="rId14"/>
-    <p:sldId id="271" r:id="rId15"/>
-    <p:sldId id="272" r:id="rId16"/>
-    <p:sldId id="273" r:id="rId17"/>
-    <p:sldId id="274" r:id="rId18"/>
+    <p:sldId id="275" r:id="rId14"/>
+    <p:sldId id="276" r:id="rId15"/>
+    <p:sldId id="277" r:id="rId16"/>
+    <p:sldId id="270" r:id="rId17"/>
+    <p:sldId id="278" r:id="rId18"/>
+    <p:sldId id="273" r:id="rId19"/>
+    <p:sldId id="279" r:id="rId20"/>
+    <p:sldId id="274" r:id="rId21"/>
   </p:sldIdLst>
   <p:sldSz cx="12192000" cy="6858000"/>
   <p:notesSz cx="6858000" cy="9144000"/>
@@ -140,14 +143,20 @@
             <p14:sldId id="266"/>
             <p14:sldId id="267"/>
             <p14:sldId id="269"/>
+            <p14:sldId id="275"/>
+            <p14:sldId id="276"/>
+            <p14:sldId id="277"/>
             <p14:sldId id="270"/>
-            <p14:sldId id="271"/>
-            <p14:sldId id="272"/>
+            <p14:sldId id="278"/>
             <p14:sldId id="273"/>
+            <p14:sldId id="279"/>
             <p14:sldId id="274"/>
           </p14:sldIdLst>
         </p14:section>
       </p14:sectionLst>
+    </p:ext>
+    <p:ext uri="{EFAFB233-063F-42B5-8137-9DF3F51BA10A}">
+      <p15:sldGuideLst xmlns:p15="http://schemas.microsoft.com/office/powerpoint/2012/main"/>
     </p:ext>
   </p:extLst>
 </p:presentation>
@@ -235,7 +244,7 @@
           <a:p>
             <a:fld id="{8C1AF027-6745-4D46-8E2B-37781D0CEB22}" type="datetimeFigureOut">
               <a:rPr lang="en-US" smtClean="0"/>
-              <a:t>4/18/20</a:t>
+              <a:t>4/19/2020</a:t>
             </a:fld>
             <a:endParaRPr lang="en-US"/>
           </a:p>
@@ -633,7 +642,10 @@
           <a:bodyPr/>
           <a:lstStyle/>
           <a:p>
-            <a:endParaRPr lang="en-US" dirty="0"/>
+            <a:r>
+              <a:rPr lang="en-US" dirty="0"/>
+              <a:t>I will show the graphs after interactively.</a:t>
+            </a:r>
           </a:p>
         </p:txBody>
       </p:sp>
@@ -654,7 +666,7 @@
           <a:p>
             <a:fld id="{189FE265-B130-124C-81B5-878EAE2641A8}" type="slidenum">
               <a:rPr lang="en-US" smtClean="0"/>
-              <a:t>15</a:t>
+              <a:t>12</a:t>
             </a:fld>
             <a:endParaRPr lang="en-US"/>
           </a:p>
@@ -663,7 +675,268 @@
     </p:spTree>
     <p:extLst>
       <p:ext uri="{BB962C8B-B14F-4D97-AF65-F5344CB8AC3E}">
-        <p14:creationId xmlns:p14="http://schemas.microsoft.com/office/powerpoint/2010/main" val="712181113"/>
+        <p14:creationId xmlns:p14="http://schemas.microsoft.com/office/powerpoint/2010/main" val="186890412"/>
+      </p:ext>
+    </p:extLst>
+  </p:cSld>
+  <p:clrMapOvr>
+    <a:masterClrMapping/>
+  </p:clrMapOvr>
+</p:notes>
+</file>
+
+<file path=ppt/notesSlides/notesSlide11.xml><?xml version="1.0" encoding="utf-8"?>
+<p:notes xmlns:a="http://schemas.openxmlformats.org/drawingml/2006/main" xmlns:r="http://schemas.openxmlformats.org/officeDocument/2006/relationships" xmlns:p="http://schemas.openxmlformats.org/presentationml/2006/main">
+  <p:cSld>
+    <p:spTree>
+      <p:nvGrpSpPr>
+        <p:cNvPr id="1" name=""/>
+        <p:cNvGrpSpPr/>
+        <p:nvPr/>
+      </p:nvGrpSpPr>
+      <p:grpSpPr>
+        <a:xfrm>
+          <a:off x="0" y="0"/>
+          <a:ext cx="0" cy="0"/>
+          <a:chOff x="0" y="0"/>
+          <a:chExt cx="0" cy="0"/>
+        </a:xfrm>
+      </p:grpSpPr>
+      <p:sp>
+        <p:nvSpPr>
+          <p:cNvPr id="2" name="Slide Image Placeholder 1"/>
+          <p:cNvSpPr>
+            <a:spLocks noGrp="1" noRot="1" noChangeAspect="1"/>
+          </p:cNvSpPr>
+          <p:nvPr>
+            <p:ph type="sldImg"/>
+          </p:nvPr>
+        </p:nvSpPr>
+        <p:spPr/>
+      </p:sp>
+      <p:sp>
+        <p:nvSpPr>
+          <p:cNvPr id="3" name="Notes Placeholder 2"/>
+          <p:cNvSpPr>
+            <a:spLocks noGrp="1"/>
+          </p:cNvSpPr>
+          <p:nvPr>
+            <p:ph type="body" idx="1"/>
+          </p:nvPr>
+        </p:nvSpPr>
+        <p:spPr/>
+        <p:txBody>
+          <a:bodyPr/>
+          <a:lstStyle/>
+          <a:p>
+            <a:r>
+              <a:rPr lang="en-US" dirty="0"/>
+              <a:t>Show the graphs again interactively here as well.</a:t>
+            </a:r>
+          </a:p>
+        </p:txBody>
+      </p:sp>
+      <p:sp>
+        <p:nvSpPr>
+          <p:cNvPr id="4" name="Slide Number Placeholder 3"/>
+          <p:cNvSpPr>
+            <a:spLocks noGrp="1"/>
+          </p:cNvSpPr>
+          <p:nvPr>
+            <p:ph type="sldNum" sz="quarter" idx="5"/>
+          </p:nvPr>
+        </p:nvSpPr>
+        <p:spPr/>
+        <p:txBody>
+          <a:bodyPr/>
+          <a:lstStyle/>
+          <a:p>
+            <a:fld id="{189FE265-B130-124C-81B5-878EAE2641A8}" type="slidenum">
+              <a:rPr lang="en-US" smtClean="0"/>
+              <a:t>17</a:t>
+            </a:fld>
+            <a:endParaRPr lang="en-US"/>
+          </a:p>
+        </p:txBody>
+      </p:sp>
+    </p:spTree>
+    <p:extLst>
+      <p:ext uri="{BB962C8B-B14F-4D97-AF65-F5344CB8AC3E}">
+        <p14:creationId xmlns:p14="http://schemas.microsoft.com/office/powerpoint/2010/main" val="4241418508"/>
+      </p:ext>
+    </p:extLst>
+  </p:cSld>
+  <p:clrMapOvr>
+    <a:masterClrMapping/>
+  </p:clrMapOvr>
+</p:notes>
+</file>
+
+<file path=ppt/notesSlides/notesSlide12.xml><?xml version="1.0" encoding="utf-8"?>
+<p:notes xmlns:a="http://schemas.openxmlformats.org/drawingml/2006/main" xmlns:r="http://schemas.openxmlformats.org/officeDocument/2006/relationships" xmlns:p="http://schemas.openxmlformats.org/presentationml/2006/main">
+  <p:cSld>
+    <p:spTree>
+      <p:nvGrpSpPr>
+        <p:cNvPr id="1" name=""/>
+        <p:cNvGrpSpPr/>
+        <p:nvPr/>
+      </p:nvGrpSpPr>
+      <p:grpSpPr>
+        <a:xfrm>
+          <a:off x="0" y="0"/>
+          <a:ext cx="0" cy="0"/>
+          <a:chOff x="0" y="0"/>
+          <a:chExt cx="0" cy="0"/>
+        </a:xfrm>
+      </p:grpSpPr>
+      <p:sp>
+        <p:nvSpPr>
+          <p:cNvPr id="2" name="Slide Image Placeholder 1"/>
+          <p:cNvSpPr>
+            <a:spLocks noGrp="1" noRot="1" noChangeAspect="1"/>
+          </p:cNvSpPr>
+          <p:nvPr>
+            <p:ph type="sldImg"/>
+          </p:nvPr>
+        </p:nvSpPr>
+        <p:spPr/>
+      </p:sp>
+      <p:sp>
+        <p:nvSpPr>
+          <p:cNvPr id="3" name="Notes Placeholder 2"/>
+          <p:cNvSpPr>
+            <a:spLocks noGrp="1"/>
+          </p:cNvSpPr>
+          <p:nvPr>
+            <p:ph type="body" idx="1"/>
+          </p:nvPr>
+        </p:nvSpPr>
+        <p:spPr/>
+        <p:txBody>
+          <a:bodyPr/>
+          <a:lstStyle/>
+          <a:p>
+            <a:r>
+              <a:rPr lang="en-US" dirty="0"/>
+              <a:t>Once again show the graphs here interactively</a:t>
+            </a:r>
+          </a:p>
+        </p:txBody>
+      </p:sp>
+      <p:sp>
+        <p:nvSpPr>
+          <p:cNvPr id="4" name="Slide Number Placeholder 3"/>
+          <p:cNvSpPr>
+            <a:spLocks noGrp="1"/>
+          </p:cNvSpPr>
+          <p:nvPr>
+            <p:ph type="sldNum" sz="quarter" idx="5"/>
+          </p:nvPr>
+        </p:nvSpPr>
+        <p:spPr/>
+        <p:txBody>
+          <a:bodyPr/>
+          <a:lstStyle/>
+          <a:p>
+            <a:fld id="{189FE265-B130-124C-81B5-878EAE2641A8}" type="slidenum">
+              <a:rPr lang="en-US" smtClean="0"/>
+              <a:t>19</a:t>
+            </a:fld>
+            <a:endParaRPr lang="en-US"/>
+          </a:p>
+        </p:txBody>
+      </p:sp>
+    </p:spTree>
+    <p:extLst>
+      <p:ext uri="{BB962C8B-B14F-4D97-AF65-F5344CB8AC3E}">
+        <p14:creationId xmlns:p14="http://schemas.microsoft.com/office/powerpoint/2010/main" val="1517966465"/>
+      </p:ext>
+    </p:extLst>
+  </p:cSld>
+  <p:clrMapOvr>
+    <a:masterClrMapping/>
+  </p:clrMapOvr>
+</p:notes>
+</file>
+
+<file path=ppt/notesSlides/notesSlide13.xml><?xml version="1.0" encoding="utf-8"?>
+<p:notes xmlns:a="http://schemas.openxmlformats.org/drawingml/2006/main" xmlns:r="http://schemas.openxmlformats.org/officeDocument/2006/relationships" xmlns:p="http://schemas.openxmlformats.org/presentationml/2006/main">
+  <p:cSld>
+    <p:spTree>
+      <p:nvGrpSpPr>
+        <p:cNvPr id="1" name=""/>
+        <p:cNvGrpSpPr/>
+        <p:nvPr/>
+      </p:nvGrpSpPr>
+      <p:grpSpPr>
+        <a:xfrm>
+          <a:off x="0" y="0"/>
+          <a:ext cx="0" cy="0"/>
+          <a:chOff x="0" y="0"/>
+          <a:chExt cx="0" cy="0"/>
+        </a:xfrm>
+      </p:grpSpPr>
+      <p:sp>
+        <p:nvSpPr>
+          <p:cNvPr id="2" name="Slide Image Placeholder 1"/>
+          <p:cNvSpPr>
+            <a:spLocks noGrp="1" noRot="1" noChangeAspect="1"/>
+          </p:cNvSpPr>
+          <p:nvPr>
+            <p:ph type="sldImg"/>
+          </p:nvPr>
+        </p:nvSpPr>
+        <p:spPr/>
+      </p:sp>
+      <p:sp>
+        <p:nvSpPr>
+          <p:cNvPr id="3" name="Notes Placeholder 2"/>
+          <p:cNvSpPr>
+            <a:spLocks noGrp="1"/>
+          </p:cNvSpPr>
+          <p:nvPr>
+            <p:ph type="body" idx="1"/>
+          </p:nvPr>
+        </p:nvSpPr>
+        <p:spPr/>
+        <p:txBody>
+          <a:bodyPr/>
+          <a:lstStyle/>
+          <a:p>
+            <a:r>
+              <a:rPr lang="en-US" dirty="0"/>
+              <a:t>Can add anything here you think fits well.</a:t>
+            </a:r>
+          </a:p>
+        </p:txBody>
+      </p:sp>
+      <p:sp>
+        <p:nvSpPr>
+          <p:cNvPr id="4" name="Slide Number Placeholder 3"/>
+          <p:cNvSpPr>
+            <a:spLocks noGrp="1"/>
+          </p:cNvSpPr>
+          <p:nvPr>
+            <p:ph type="sldNum" sz="quarter" idx="5"/>
+          </p:nvPr>
+        </p:nvSpPr>
+        <p:spPr/>
+        <p:txBody>
+          <a:bodyPr/>
+          <a:lstStyle/>
+          <a:p>
+            <a:fld id="{189FE265-B130-124C-81B5-878EAE2641A8}" type="slidenum">
+              <a:rPr lang="en-US" smtClean="0"/>
+              <a:t>20</a:t>
+            </a:fld>
+            <a:endParaRPr lang="en-US"/>
+          </a:p>
+        </p:txBody>
+      </p:sp>
+    </p:spTree>
+    <p:extLst>
+      <p:ext uri="{BB962C8B-B14F-4D97-AF65-F5344CB8AC3E}">
+        <p14:creationId xmlns:p14="http://schemas.microsoft.com/office/powerpoint/2010/main" val="444957467"/>
       </p:ext>
     </p:extLst>
   </p:cSld>
@@ -1516,7 +1789,7 @@
           <a:p>
             <a:fld id="{D4880492-2AE4-A845-89A9-1CF766BF2D5C}" type="datetimeFigureOut">
               <a:rPr lang="en-US" smtClean="0"/>
-              <a:t>4/18/20</a:t>
+              <a:t>4/19/2020</a:t>
             </a:fld>
             <a:endParaRPr lang="en-US"/>
           </a:p>
@@ -1714,7 +1987,7 @@
           <a:p>
             <a:fld id="{D4880492-2AE4-A845-89A9-1CF766BF2D5C}" type="datetimeFigureOut">
               <a:rPr lang="en-US" smtClean="0"/>
-              <a:t>4/18/20</a:t>
+              <a:t>4/19/2020</a:t>
             </a:fld>
             <a:endParaRPr lang="en-US"/>
           </a:p>
@@ -1922,7 +2195,7 @@
           <a:p>
             <a:fld id="{D4880492-2AE4-A845-89A9-1CF766BF2D5C}" type="datetimeFigureOut">
               <a:rPr lang="en-US" smtClean="0"/>
-              <a:t>4/18/20</a:t>
+              <a:t>4/19/2020</a:t>
             </a:fld>
             <a:endParaRPr lang="en-US"/>
           </a:p>
@@ -2120,7 +2393,7 @@
           <a:p>
             <a:fld id="{D4880492-2AE4-A845-89A9-1CF766BF2D5C}" type="datetimeFigureOut">
               <a:rPr lang="en-US" smtClean="0"/>
-              <a:t>4/18/20</a:t>
+              <a:t>4/19/2020</a:t>
             </a:fld>
             <a:endParaRPr lang="en-US"/>
           </a:p>
@@ -2395,7 +2668,7 @@
           <a:p>
             <a:fld id="{D4880492-2AE4-A845-89A9-1CF766BF2D5C}" type="datetimeFigureOut">
               <a:rPr lang="en-US" smtClean="0"/>
-              <a:t>4/18/20</a:t>
+              <a:t>4/19/2020</a:t>
             </a:fld>
             <a:endParaRPr lang="en-US"/>
           </a:p>
@@ -2660,7 +2933,7 @@
           <a:p>
             <a:fld id="{D4880492-2AE4-A845-89A9-1CF766BF2D5C}" type="datetimeFigureOut">
               <a:rPr lang="en-US" smtClean="0"/>
-              <a:t>4/18/20</a:t>
+              <a:t>4/19/2020</a:t>
             </a:fld>
             <a:endParaRPr lang="en-US"/>
           </a:p>
@@ -3072,7 +3345,7 @@
           <a:p>
             <a:fld id="{D4880492-2AE4-A845-89A9-1CF766BF2D5C}" type="datetimeFigureOut">
               <a:rPr lang="en-US" smtClean="0"/>
-              <a:t>4/18/20</a:t>
+              <a:t>4/19/2020</a:t>
             </a:fld>
             <a:endParaRPr lang="en-US"/>
           </a:p>
@@ -3213,7 +3486,7 @@
           <a:p>
             <a:fld id="{D4880492-2AE4-A845-89A9-1CF766BF2D5C}" type="datetimeFigureOut">
               <a:rPr lang="en-US" smtClean="0"/>
-              <a:t>4/18/20</a:t>
+              <a:t>4/19/2020</a:t>
             </a:fld>
             <a:endParaRPr lang="en-US"/>
           </a:p>
@@ -3326,7 +3599,7 @@
           <a:p>
             <a:fld id="{D4880492-2AE4-A845-89A9-1CF766BF2D5C}" type="datetimeFigureOut">
               <a:rPr lang="en-US" smtClean="0"/>
-              <a:t>4/18/20</a:t>
+              <a:t>4/19/2020</a:t>
             </a:fld>
             <a:endParaRPr lang="en-US"/>
           </a:p>
@@ -3637,7 +3910,7 @@
           <a:p>
             <a:fld id="{D4880492-2AE4-A845-89A9-1CF766BF2D5C}" type="datetimeFigureOut">
               <a:rPr lang="en-US" smtClean="0"/>
-              <a:t>4/18/20</a:t>
+              <a:t>4/19/2020</a:t>
             </a:fld>
             <a:endParaRPr lang="en-US"/>
           </a:p>
@@ -3925,7 +4198,7 @@
           <a:p>
             <a:fld id="{D4880492-2AE4-A845-89A9-1CF766BF2D5C}" type="datetimeFigureOut">
               <a:rPr lang="en-US" smtClean="0"/>
-              <a:t>4/18/20</a:t>
+              <a:t>4/19/2020</a:t>
             </a:fld>
             <a:endParaRPr lang="en-US"/>
           </a:p>
@@ -4166,7 +4439,7 @@
           <a:p>
             <a:fld id="{D4880492-2AE4-A845-89A9-1CF766BF2D5C}" type="datetimeFigureOut">
               <a:rPr lang="en-US" smtClean="0"/>
-              <a:t>4/18/20</a:t>
+              <a:t>4/19/2020</a:t>
             </a:fld>
             <a:endParaRPr lang="en-US"/>
           </a:p>
@@ -4758,8 +5031,8 @@
           <a:chExt cx="0" cy="0"/>
         </a:xfrm>
       </p:grpSpPr>
-      <mc:AlternateContent xmlns:mc="http://schemas.openxmlformats.org/markup-compatibility/2006">
-        <mc:Choice xmlns:a14="http://schemas.microsoft.com/office/drawing/2010/main" Requires="a14">
+      <mc:AlternateContent xmlns:mc="http://schemas.openxmlformats.org/markup-compatibility/2006" xmlns:a14="http://schemas.microsoft.com/office/drawing/2010/main">
+        <mc:Choice Requires="a14">
           <p:sp>
             <p:nvSpPr>
               <p:cNvPr id="4" name="Title 3">
@@ -4823,7 +5096,7 @@
             </p:txBody>
           </p:sp>
         </mc:Choice>
-        <mc:Fallback>
+        <mc:Fallback xmlns="">
           <p:sp>
             <p:nvSpPr>
               <p:cNvPr id="4" name="Title 3">
@@ -4863,34 +5136,465 @@
           </p:sp>
         </mc:Fallback>
       </mc:AlternateContent>
-      <p:sp>
-        <p:nvSpPr>
-          <p:cNvPr id="5" name="Content Placeholder 4">
-            <a:extLst>
-              <a:ext uri="{FF2B5EF4-FFF2-40B4-BE49-F238E27FC236}">
-                <a16:creationId xmlns:a16="http://schemas.microsoft.com/office/drawing/2014/main" id="{B709CB05-60BE-6D40-B316-41EE436546F8}"/>
-              </a:ext>
-            </a:extLst>
-          </p:cNvPr>
-          <p:cNvSpPr>
-            <a:spLocks noGrp="1"/>
-          </p:cNvSpPr>
-          <p:nvPr>
-            <p:ph idx="1"/>
-          </p:nvPr>
-        </p:nvSpPr>
-        <p:spPr/>
-        <p:txBody>
-          <a:bodyPr/>
-          <a:lstStyle/>
-          <a:p>
-            <a:r>
-              <a:rPr lang="en-US" dirty="0"/>
-              <a:t>TODO</a:t>
-            </a:r>
-          </a:p>
-        </p:txBody>
-      </p:sp>
+      <mc:AlternateContent xmlns:mc="http://schemas.openxmlformats.org/markup-compatibility/2006">
+        <mc:Choice xmlns:a14="http://schemas.microsoft.com/office/drawing/2010/main" Requires="a14">
+          <p:sp>
+            <p:nvSpPr>
+              <p:cNvPr id="5" name="Content Placeholder 4">
+                <a:extLst>
+                  <a:ext uri="{FF2B5EF4-FFF2-40B4-BE49-F238E27FC236}">
+                    <a16:creationId xmlns:a16="http://schemas.microsoft.com/office/drawing/2014/main" id="{B709CB05-60BE-6D40-B316-41EE436546F8}"/>
+                  </a:ext>
+                </a:extLst>
+              </p:cNvPr>
+              <p:cNvSpPr>
+                <a:spLocks noGrp="1"/>
+              </p:cNvSpPr>
+              <p:nvPr>
+                <p:ph idx="1"/>
+              </p:nvPr>
+            </p:nvSpPr>
+            <p:spPr/>
+            <p:txBody>
+              <a:bodyPr/>
+              <a:lstStyle/>
+              <a:p>
+                <a:r>
+                  <a:rPr lang="en-US" dirty="0"/>
+                  <a:t>We have the initial system:</a:t>
+                </a:r>
+              </a:p>
+              <a:p>
+                <a:pPr marL="3200400" lvl="7" indent="0">
+                  <a:buNone/>
+                </a:pPr>
+                <a14:m>
+                  <m:oMath xmlns:m="http://schemas.openxmlformats.org/officeDocument/2006/math">
+                    <m:acc>
+                      <m:accPr>
+                        <m:chr m:val="̇"/>
+                        <m:ctrlPr>
+                          <a:rPr lang="en-US" sz="2800" i="1" smtClean="0">
+                            <a:latin typeface="Cambria Math" panose="02040503050406030204" pitchFamily="18" charset="0"/>
+                          </a:rPr>
+                        </m:ctrlPr>
+                      </m:accPr>
+                      <m:e>
+                        <m:d>
+                          <m:dPr>
+                            <m:ctrlPr>
+                              <a:rPr lang="en-US" sz="2800" i="1" smtClean="0">
+                                <a:latin typeface="Cambria Math" panose="02040503050406030204" pitchFamily="18" charset="0"/>
+                              </a:rPr>
+                            </m:ctrlPr>
+                          </m:dPr>
+                          <m:e>
+                            <m:m>
+                              <m:mPr>
+                                <m:mcs>
+                                  <m:mc>
+                                    <m:mcPr>
+                                      <m:count m:val="1"/>
+                                      <m:mcJc m:val="center"/>
+                                    </m:mcPr>
+                                  </m:mc>
+                                </m:mcs>
+                                <m:ctrlPr>
+                                  <a:rPr lang="en-US" sz="2800" b="0" i="1" smtClean="0">
+                                    <a:latin typeface="Cambria Math" panose="02040503050406030204" pitchFamily="18" charset="0"/>
+                                  </a:rPr>
+                                </m:ctrlPr>
+                              </m:mPr>
+                              <m:mr>
+                                <m:e>
+                                  <m:r>
+                                    <m:rPr>
+                                      <m:brk m:alnAt="7"/>
+                                    </m:rPr>
+                                    <a:rPr lang="en-US" sz="2800" b="0" i="1" smtClean="0">
+                                      <a:latin typeface="Cambria Math" panose="02040503050406030204" pitchFamily="18" charset="0"/>
+                                    </a:rPr>
+                                    <m:t>𝑥</m:t>
+                                  </m:r>
+                                </m:e>
+                              </m:mr>
+                              <m:mr>
+                                <m:e>
+                                  <m:r>
+                                    <a:rPr lang="en-US" sz="2800" b="0" i="1" smtClean="0">
+                                      <a:latin typeface="Cambria Math" panose="02040503050406030204" pitchFamily="18" charset="0"/>
+                                    </a:rPr>
+                                    <m:t>𝑦</m:t>
+                                  </m:r>
+                                </m:e>
+                              </m:mr>
+                            </m:m>
+                          </m:e>
+                        </m:d>
+                      </m:e>
+                    </m:acc>
+                  </m:oMath>
+                </a14:m>
+                <a:r>
+                  <a:rPr lang="en-US" sz="2800" dirty="0"/>
+                  <a:t> = </a:t>
+                </a:r>
+                <a14:m>
+                  <m:oMath xmlns:m="http://schemas.openxmlformats.org/officeDocument/2006/math">
+                    <m:d>
+                      <m:dPr>
+                        <m:ctrlPr>
+                          <a:rPr lang="en-US" sz="2800" i="1" smtClean="0">
+                            <a:latin typeface="Cambria Math" panose="02040503050406030204" pitchFamily="18" charset="0"/>
+                          </a:rPr>
+                        </m:ctrlPr>
+                      </m:dPr>
+                      <m:e>
+                        <m:m>
+                          <m:mPr>
+                            <m:mcs>
+                              <m:mc>
+                                <m:mcPr>
+                                  <m:count m:val="2"/>
+                                  <m:mcJc m:val="center"/>
+                                </m:mcPr>
+                              </m:mc>
+                            </m:mcs>
+                            <m:ctrlPr>
+                              <a:rPr lang="en-US" sz="2800" i="1" smtClean="0">
+                                <a:latin typeface="Cambria Math" panose="02040503050406030204" pitchFamily="18" charset="0"/>
+                              </a:rPr>
+                            </m:ctrlPr>
+                          </m:mPr>
+                          <m:mr>
+                            <m:e>
+                              <m:r>
+                                <m:rPr>
+                                  <m:brk m:alnAt="7"/>
+                                </m:rPr>
+                                <a:rPr lang="en-US" sz="2800" b="0" i="1" smtClean="0">
+                                  <a:latin typeface="Cambria Math" panose="02040503050406030204" pitchFamily="18" charset="0"/>
+                                </a:rPr>
+                                <m:t>𝑎𝑖</m:t>
+                              </m:r>
+                            </m:e>
+                            <m:e>
+                              <m:r>
+                                <a:rPr lang="en-US" sz="2800" i="1" smtClean="0">
+                                  <a:latin typeface="Cambria Math" panose="02040503050406030204" pitchFamily="18" charset="0"/>
+                                  <a:ea typeface="Cambria Math" panose="02040503050406030204" pitchFamily="18" charset="0"/>
+                                </a:rPr>
+                                <m:t>𝛽</m:t>
+                              </m:r>
+                            </m:e>
+                          </m:mr>
+                          <m:mr>
+                            <m:e>
+                              <m:r>
+                                <a:rPr lang="en-US" sz="2800" b="0" i="1" smtClean="0">
+                                  <a:latin typeface="Cambria Math" panose="02040503050406030204" pitchFamily="18" charset="0"/>
+                                </a:rPr>
+                                <m:t>−</m:t>
+                              </m:r>
+                              <m:acc>
+                                <m:accPr>
+                                  <m:chr m:val="̅"/>
+                                  <m:ctrlPr>
+                                    <a:rPr lang="en-US" sz="2800" i="1" smtClean="0">
+                                      <a:latin typeface="Cambria Math" panose="02040503050406030204" pitchFamily="18" charset="0"/>
+                                    </a:rPr>
+                                  </m:ctrlPr>
+                                </m:accPr>
+                                <m:e>
+                                  <m:r>
+                                    <a:rPr lang="en-US" sz="2800" b="0" i="1" smtClean="0">
+                                      <a:latin typeface="Cambria Math" panose="02040503050406030204" pitchFamily="18" charset="0"/>
+                                      <a:ea typeface="Cambria Math" panose="02040503050406030204" pitchFamily="18" charset="0"/>
+                                    </a:rPr>
+                                    <m:t>𝛽</m:t>
+                                  </m:r>
+                                </m:e>
+                              </m:acc>
+                            </m:e>
+                            <m:e>
+                              <m:r>
+                                <a:rPr lang="en-US" sz="2800" b="0" i="1" smtClean="0">
+                                  <a:latin typeface="Cambria Math" panose="02040503050406030204" pitchFamily="18" charset="0"/>
+                                </a:rPr>
+                                <m:t>−</m:t>
+                              </m:r>
+                              <m:r>
+                                <a:rPr lang="en-US" sz="2800" b="0" i="1" smtClean="0">
+                                  <a:latin typeface="Cambria Math" panose="02040503050406030204" pitchFamily="18" charset="0"/>
+                                </a:rPr>
+                                <m:t>𝑎𝑖</m:t>
+                              </m:r>
+                            </m:e>
+                          </m:mr>
+                        </m:m>
+                      </m:e>
+                    </m:d>
+                    <m:d>
+                      <m:dPr>
+                        <m:ctrlPr>
+                          <a:rPr lang="en-US" sz="2800" i="1" smtClean="0">
+                            <a:latin typeface="Cambria Math" panose="02040503050406030204" pitchFamily="18" charset="0"/>
+                          </a:rPr>
+                        </m:ctrlPr>
+                      </m:dPr>
+                      <m:e>
+                        <m:m>
+                          <m:mPr>
+                            <m:mcs>
+                              <m:mc>
+                                <m:mcPr>
+                                  <m:count m:val="1"/>
+                                  <m:mcJc m:val="center"/>
+                                </m:mcPr>
+                              </m:mc>
+                            </m:mcs>
+                            <m:ctrlPr>
+                              <a:rPr lang="en-US" sz="2800" i="1" smtClean="0">
+                                <a:latin typeface="Cambria Math" panose="02040503050406030204" pitchFamily="18" charset="0"/>
+                              </a:rPr>
+                            </m:ctrlPr>
+                          </m:mPr>
+                          <m:mr>
+                            <m:e>
+                              <m:r>
+                                <m:rPr>
+                                  <m:brk m:alnAt="7"/>
+                                </m:rPr>
+                                <a:rPr lang="en-US" sz="2800" b="0" i="1" smtClean="0">
+                                  <a:latin typeface="Cambria Math" panose="02040503050406030204" pitchFamily="18" charset="0"/>
+                                </a:rPr>
+                                <m:t>𝑥</m:t>
+                              </m:r>
+                            </m:e>
+                          </m:mr>
+                          <m:mr>
+                            <m:e>
+                              <m:r>
+                                <a:rPr lang="en-US" sz="2800" b="0" i="1" smtClean="0">
+                                  <a:latin typeface="Cambria Math" panose="02040503050406030204" pitchFamily="18" charset="0"/>
+                                </a:rPr>
+                                <m:t>𝑦</m:t>
+                              </m:r>
+                            </m:e>
+                          </m:mr>
+                        </m:m>
+                      </m:e>
+                    </m:d>
+                  </m:oMath>
+                </a14:m>
+                <a:r>
+                  <a:rPr lang="en-US" sz="2800" dirty="0"/>
+                  <a:t> </a:t>
+                </a:r>
+              </a:p>
+              <a:p>
+                <a:r>
+                  <a:rPr lang="en-US" dirty="0"/>
+                  <a:t>Consider </a:t>
+                </a:r>
+                <a14:m>
+                  <m:oMath xmlns:m="http://schemas.openxmlformats.org/officeDocument/2006/math">
+                    <m:r>
+                      <a:rPr lang="en-US" b="0" i="1" smtClean="0">
+                        <a:latin typeface="Cambria Math" panose="02040503050406030204" pitchFamily="18" charset="0"/>
+                      </a:rPr>
+                      <m:t>𝑧</m:t>
+                    </m:r>
+                    <m:r>
+                      <a:rPr lang="en-US" b="0" i="1" smtClean="0">
+                        <a:latin typeface="Cambria Math" panose="02040503050406030204" pitchFamily="18" charset="0"/>
+                      </a:rPr>
+                      <m:t>=</m:t>
+                    </m:r>
+                    <m:f>
+                      <m:fPr>
+                        <m:ctrlPr>
+                          <a:rPr lang="en-US" b="0" i="1" smtClean="0">
+                            <a:latin typeface="Cambria Math" panose="02040503050406030204" pitchFamily="18" charset="0"/>
+                          </a:rPr>
+                        </m:ctrlPr>
+                      </m:fPr>
+                      <m:num>
+                        <m:r>
+                          <a:rPr lang="en-US" b="0" i="1" smtClean="0">
+                            <a:latin typeface="Cambria Math" panose="02040503050406030204" pitchFamily="18" charset="0"/>
+                          </a:rPr>
+                          <m:t>𝑦</m:t>
+                        </m:r>
+                      </m:num>
+                      <m:den>
+                        <m:r>
+                          <a:rPr lang="en-US" b="0" i="1" smtClean="0">
+                            <a:latin typeface="Cambria Math" panose="02040503050406030204" pitchFamily="18" charset="0"/>
+                          </a:rPr>
+                          <m:t>𝑥</m:t>
+                        </m:r>
+                      </m:den>
+                    </m:f>
+                  </m:oMath>
+                </a14:m>
+                <a:r>
+                  <a:rPr lang="en-US" dirty="0"/>
+                  <a:t>, taking its derivative, and using the above system gives:</a:t>
+                </a:r>
+              </a:p>
+              <a:p>
+                <a:pPr marL="0" indent="0" algn="ctr">
+                  <a:buNone/>
+                </a:pPr>
+                <a14:m>
+                  <m:oMathPara xmlns:m="http://schemas.openxmlformats.org/officeDocument/2006/math">
+                    <m:oMathParaPr>
+                      <m:jc m:val="centerGroup"/>
+                    </m:oMathParaPr>
+                    <m:oMath xmlns:m="http://schemas.openxmlformats.org/officeDocument/2006/math">
+                      <m:acc>
+                        <m:accPr>
+                          <m:chr m:val="̇"/>
+                          <m:ctrlPr>
+                            <a:rPr lang="en-US" i="1" smtClean="0">
+                              <a:latin typeface="Cambria Math" panose="02040503050406030204" pitchFamily="18" charset="0"/>
+                            </a:rPr>
+                          </m:ctrlPr>
+                        </m:accPr>
+                        <m:e>
+                          <m:r>
+                            <a:rPr lang="en-US" b="0" i="1" smtClean="0">
+                              <a:latin typeface="Cambria Math" panose="02040503050406030204" pitchFamily="18" charset="0"/>
+                            </a:rPr>
+                            <m:t>𝑧</m:t>
+                          </m:r>
+                        </m:e>
+                      </m:acc>
+                      <m:r>
+                        <a:rPr lang="en-US" i="1">
+                          <a:latin typeface="Cambria Math" panose="02040503050406030204" pitchFamily="18" charset="0"/>
+                        </a:rPr>
+                        <m:t>=−</m:t>
+                      </m:r>
+                      <m:acc>
+                        <m:accPr>
+                          <m:chr m:val="̅"/>
+                          <m:ctrlPr>
+                            <a:rPr lang="en-US" i="1">
+                              <a:latin typeface="Cambria Math" panose="02040503050406030204" pitchFamily="18" charset="0"/>
+                            </a:rPr>
+                          </m:ctrlPr>
+                        </m:accPr>
+                        <m:e>
+                          <m:r>
+                            <a:rPr lang="en-US" i="1">
+                              <a:latin typeface="Cambria Math" panose="02040503050406030204" pitchFamily="18" charset="0"/>
+                            </a:rPr>
+                            <m:t>𝛽</m:t>
+                          </m:r>
+                        </m:e>
+                      </m:acc>
+                      <m:r>
+                        <a:rPr lang="en-US" i="1">
+                          <a:latin typeface="Cambria Math" panose="02040503050406030204" pitchFamily="18" charset="0"/>
+                        </a:rPr>
+                        <m:t>−2</m:t>
+                      </m:r>
+                      <m:r>
+                        <a:rPr lang="en-US" i="1">
+                          <a:latin typeface="Cambria Math" panose="02040503050406030204" pitchFamily="18" charset="0"/>
+                        </a:rPr>
+                        <m:t>𝑎𝑖𝑧</m:t>
+                      </m:r>
+                      <m:r>
+                        <a:rPr lang="en-US" i="1">
+                          <a:latin typeface="Cambria Math" panose="02040503050406030204" pitchFamily="18" charset="0"/>
+                        </a:rPr>
+                        <m:t> −</m:t>
+                      </m:r>
+                      <m:r>
+                        <a:rPr lang="en-US" i="1">
+                          <a:latin typeface="Cambria Math" panose="02040503050406030204" pitchFamily="18" charset="0"/>
+                        </a:rPr>
+                        <m:t>𝛽</m:t>
+                      </m:r>
+                      <m:sSup>
+                        <m:sSupPr>
+                          <m:ctrlPr>
+                            <a:rPr lang="en-US" i="1">
+                              <a:latin typeface="Cambria Math" panose="02040503050406030204" pitchFamily="18" charset="0"/>
+                            </a:rPr>
+                          </m:ctrlPr>
+                        </m:sSupPr>
+                        <m:e>
+                          <m:r>
+                            <a:rPr lang="en-US" i="1">
+                              <a:latin typeface="Cambria Math" panose="02040503050406030204" pitchFamily="18" charset="0"/>
+                            </a:rPr>
+                            <m:t>𝑧</m:t>
+                          </m:r>
+                        </m:e>
+                        <m:sup>
+                          <m:r>
+                            <a:rPr lang="en-US" i="1">
+                              <a:latin typeface="Cambria Math" panose="02040503050406030204" pitchFamily="18" charset="0"/>
+                            </a:rPr>
+                            <m:t>2</m:t>
+                          </m:r>
+                        </m:sup>
+                      </m:sSup>
+                    </m:oMath>
+                  </m:oMathPara>
+                </a14:m>
+                <a:endParaRPr lang="en-US" dirty="0"/>
+              </a:p>
+              <a:p>
+                <a:endParaRPr lang="en-US" dirty="0"/>
+              </a:p>
+            </p:txBody>
+          </p:sp>
+        </mc:Choice>
+        <mc:Fallback>
+          <p:sp>
+            <p:nvSpPr>
+              <p:cNvPr id="5" name="Content Placeholder 4">
+                <a:extLst>
+                  <a:ext uri="{FF2B5EF4-FFF2-40B4-BE49-F238E27FC236}">
+                    <a16:creationId xmlns:a16="http://schemas.microsoft.com/office/drawing/2014/main" id="{B709CB05-60BE-6D40-B316-41EE436546F8}"/>
+                  </a:ext>
+                </a:extLst>
+              </p:cNvPr>
+              <p:cNvSpPr>
+                <a:spLocks noGrp="1" noRot="1" noChangeAspect="1" noMove="1" noResize="1" noEditPoints="1" noAdjustHandles="1" noChangeArrowheads="1" noChangeShapeType="1" noTextEdit="1"/>
+              </p:cNvSpPr>
+              <p:nvPr>
+                <p:ph idx="1"/>
+              </p:nvPr>
+            </p:nvSpPr>
+            <p:spPr>
+              <a:blipFill>
+                <a:blip r:embed="rId3"/>
+                <a:stretch>
+                  <a:fillRect l="-1043" t="-2241"/>
+                </a:stretch>
+              </a:blipFill>
+            </p:spPr>
+            <p:txBody>
+              <a:bodyPr/>
+              <a:lstStyle/>
+              <a:p>
+                <a:r>
+                  <a:rPr lang="en-US">
+                    <a:noFill/>
+                  </a:rPr>
+                  <a:t> </a:t>
+                </a:r>
+              </a:p>
+            </p:txBody>
+          </p:sp>
+        </mc:Fallback>
+      </mc:AlternateContent>
     </p:spTree>
     <p:extLst>
       <p:ext uri="{BB962C8B-B14F-4D97-AF65-F5344CB8AC3E}">
@@ -4964,32 +5668,6 @@
                     </m:r>
                   </m:oMath>
                 </a14:m>
-                <a:r>
-                  <a:rPr lang="en-US" dirty="0"/>
-                  <a:t> and </a:t>
-                </a:r>
-                <a14:m>
-                  <m:oMath xmlns:m="http://schemas.openxmlformats.org/officeDocument/2006/math">
-                    <m:r>
-                      <a:rPr lang="en-US" b="0" i="1" smtClean="0">
-                        <a:latin typeface="Cambria Math" panose="02040503050406030204" pitchFamily="18" charset="0"/>
-                      </a:rPr>
-                      <m:t>𝑑</m:t>
-                    </m:r>
-                    <m:r>
-                      <a:rPr lang="en-US" b="0" i="1" smtClean="0">
-                        <a:latin typeface="Cambria Math" panose="02040503050406030204" pitchFamily="18" charset="0"/>
-                      </a:rPr>
-                      <m:t>=−</m:t>
-                    </m:r>
-                    <m:r>
-                      <a:rPr lang="en-US" b="0" i="1" smtClean="0">
-                        <a:latin typeface="Cambria Math" panose="02040503050406030204" pitchFamily="18" charset="0"/>
-                      </a:rPr>
-                      <m:t>𝑎</m:t>
-                    </m:r>
-                  </m:oMath>
-                </a14:m>
                 <a:endParaRPr lang="en-US" dirty="0"/>
               </a:p>
             </p:txBody>
@@ -5014,9 +5692,9 @@
             </p:nvSpPr>
             <p:spPr>
               <a:blipFill>
-                <a:blip r:embed="rId2"/>
+                <a:blip r:embed="rId3"/>
                 <a:stretch>
-                  <a:fillRect l="-2292"/>
+                  <a:fillRect l="-2377"/>
                 </a:stretch>
               </a:blipFill>
             </p:spPr>
@@ -5035,40 +5713,830 @@
           </p:sp>
         </mc:Fallback>
       </mc:AlternateContent>
-      <p:sp>
-        <p:nvSpPr>
-          <p:cNvPr id="3" name="Content Placeholder 2">
-            <a:extLst>
-              <a:ext uri="{FF2B5EF4-FFF2-40B4-BE49-F238E27FC236}">
-                <a16:creationId xmlns:a16="http://schemas.microsoft.com/office/drawing/2014/main" id="{2A50F980-5E56-1E40-A00B-A5A0996352FE}"/>
-              </a:ext>
-            </a:extLst>
-          </p:cNvPr>
-          <p:cNvSpPr>
-            <a:spLocks noGrp="1"/>
-          </p:cNvSpPr>
-          <p:nvPr>
-            <p:ph idx="1"/>
-          </p:nvPr>
-        </p:nvSpPr>
-        <p:spPr/>
-        <p:txBody>
-          <a:bodyPr/>
-          <a:lstStyle/>
-          <a:p>
-            <a:r>
-              <a:rPr lang="en-US" dirty="0"/>
-              <a:t>Some intermediate steps</a:t>
-            </a:r>
-          </a:p>
-          <a:p>
-            <a:r>
-              <a:rPr lang="en-US" dirty="0"/>
-              <a:t>Look at plot interactively</a:t>
-            </a:r>
-          </a:p>
-        </p:txBody>
-      </p:sp>
+      <mc:AlternateContent xmlns:mc="http://schemas.openxmlformats.org/markup-compatibility/2006">
+        <mc:Choice xmlns:a14="http://schemas.microsoft.com/office/drawing/2010/main" Requires="a14">
+          <p:sp>
+            <p:nvSpPr>
+              <p:cNvPr id="3" name="Content Placeholder 2">
+                <a:extLst>
+                  <a:ext uri="{FF2B5EF4-FFF2-40B4-BE49-F238E27FC236}">
+                    <a16:creationId xmlns:a16="http://schemas.microsoft.com/office/drawing/2014/main" id="{2A50F980-5E56-1E40-A00B-A5A0996352FE}"/>
+                  </a:ext>
+                </a:extLst>
+              </p:cNvPr>
+              <p:cNvSpPr>
+                <a:spLocks noGrp="1"/>
+              </p:cNvSpPr>
+              <p:nvPr>
+                <p:ph idx="1"/>
+              </p:nvPr>
+            </p:nvSpPr>
+            <p:spPr/>
+            <p:txBody>
+              <a:bodyPr>
+                <a:normAutofit fontScale="85000" lnSpcReduction="20000"/>
+              </a:bodyPr>
+              <a:lstStyle/>
+              <a:p>
+                <a:r>
+                  <a:rPr lang="en-US" dirty="0"/>
+                  <a:t>We have the equation:</a:t>
+                </a:r>
+              </a:p>
+              <a:p>
+                <a:pPr marL="0" indent="0" algn="ctr">
+                  <a:buNone/>
+                </a:pPr>
+                <a14:m>
+                  <m:oMathPara xmlns:m="http://schemas.openxmlformats.org/officeDocument/2006/math">
+                    <m:oMathParaPr>
+                      <m:jc m:val="center"/>
+                    </m:oMathParaPr>
+                    <m:oMath xmlns:m="http://schemas.openxmlformats.org/officeDocument/2006/math">
+                      <m:acc>
+                        <m:accPr>
+                          <m:chr m:val="̇"/>
+                          <m:ctrlPr>
+                            <a:rPr lang="en-US" i="1">
+                              <a:latin typeface="Cambria Math" panose="02040503050406030204" pitchFamily="18" charset="0"/>
+                            </a:rPr>
+                          </m:ctrlPr>
+                        </m:accPr>
+                        <m:e>
+                          <m:r>
+                            <a:rPr lang="en-US" i="1">
+                              <a:latin typeface="Cambria Math" panose="02040503050406030204" pitchFamily="18" charset="0"/>
+                            </a:rPr>
+                            <m:t>𝑧</m:t>
+                          </m:r>
+                        </m:e>
+                      </m:acc>
+                      <m:r>
+                        <a:rPr lang="en-US" i="1">
+                          <a:latin typeface="Cambria Math" panose="02040503050406030204" pitchFamily="18" charset="0"/>
+                        </a:rPr>
+                        <m:t>=−2</m:t>
+                      </m:r>
+                      <m:r>
+                        <a:rPr lang="en-US" i="1">
+                          <a:latin typeface="Cambria Math" panose="02040503050406030204" pitchFamily="18" charset="0"/>
+                        </a:rPr>
+                        <m:t>𝑎𝑖𝑧</m:t>
+                      </m:r>
+                    </m:oMath>
+                  </m:oMathPara>
+                </a14:m>
+                <a:endParaRPr lang="en-US" dirty="0"/>
+              </a:p>
+              <a:p>
+                <a:pPr/>
+                <a:r>
+                  <a:rPr lang="en-US" dirty="0"/>
+                  <a:t>Letting </a:t>
+                </a:r>
+                <a14:m>
+                  <m:oMath xmlns:m="http://schemas.openxmlformats.org/officeDocument/2006/math">
+                    <m:r>
+                      <a:rPr lang="en-US" b="0" i="1" smtClean="0">
+                        <a:latin typeface="Cambria Math" panose="02040503050406030204" pitchFamily="18" charset="0"/>
+                      </a:rPr>
+                      <m:t>𝑧</m:t>
+                    </m:r>
+                    <m:r>
+                      <a:rPr lang="en-US" b="0" i="1" smtClean="0">
+                        <a:latin typeface="Cambria Math" panose="02040503050406030204" pitchFamily="18" charset="0"/>
+                      </a:rPr>
+                      <m:t>=</m:t>
+                    </m:r>
+                    <m:r>
+                      <a:rPr lang="en-US" b="0" i="1" smtClean="0">
+                        <a:latin typeface="Cambria Math" panose="02040503050406030204" pitchFamily="18" charset="0"/>
+                      </a:rPr>
+                      <m:t>𝑓</m:t>
+                    </m:r>
+                    <m:r>
+                      <a:rPr lang="en-US" b="0" i="1" smtClean="0">
+                        <a:latin typeface="Cambria Math" panose="02040503050406030204" pitchFamily="18" charset="0"/>
+                      </a:rPr>
+                      <m:t>+</m:t>
+                    </m:r>
+                    <m:r>
+                      <a:rPr lang="en-US" b="0" i="1" smtClean="0">
+                        <a:latin typeface="Cambria Math" panose="02040503050406030204" pitchFamily="18" charset="0"/>
+                      </a:rPr>
+                      <m:t>𝑖𝑔</m:t>
+                    </m:r>
+                  </m:oMath>
+                </a14:m>
+                <a:r>
+                  <a:rPr lang="en-US" dirty="0"/>
+                  <a:t>, we get system:</a:t>
+                </a:r>
+              </a:p>
+              <a:p>
+                <a:pPr/>
+                <a:endParaRPr lang="en-US" dirty="0"/>
+              </a:p>
+              <a:p>
+                <a:pPr marL="0" indent="0" algn="ctr">
+                  <a:buNone/>
+                </a:pPr>
+                <a14:m>
+                  <m:oMathPara xmlns:m="http://schemas.openxmlformats.org/officeDocument/2006/math">
+                    <m:oMathParaPr>
+                      <m:jc m:val="center"/>
+                    </m:oMathParaPr>
+                    <m:oMath xmlns:m="http://schemas.openxmlformats.org/officeDocument/2006/math">
+                      <m:acc>
+                        <m:accPr>
+                          <m:chr m:val="̇"/>
+                          <m:ctrlPr>
+                            <a:rPr lang="en-US" i="1" smtClean="0">
+                              <a:latin typeface="Cambria Math" panose="02040503050406030204" pitchFamily="18" charset="0"/>
+                            </a:rPr>
+                          </m:ctrlPr>
+                        </m:accPr>
+                        <m:e>
+                          <m:d>
+                            <m:dPr>
+                              <m:ctrlPr>
+                                <a:rPr lang="en-US" i="1">
+                                  <a:latin typeface="Cambria Math" panose="02040503050406030204" pitchFamily="18" charset="0"/>
+                                </a:rPr>
+                              </m:ctrlPr>
+                            </m:dPr>
+                            <m:e>
+                              <m:m>
+                                <m:mPr>
+                                  <m:mcs>
+                                    <m:mc>
+                                      <m:mcPr>
+                                        <m:count m:val="1"/>
+                                        <m:mcJc m:val="center"/>
+                                      </m:mcPr>
+                                    </m:mc>
+                                  </m:mcs>
+                                  <m:ctrlPr>
+                                    <a:rPr lang="en-US" i="1">
+                                      <a:latin typeface="Cambria Math" panose="02040503050406030204" pitchFamily="18" charset="0"/>
+                                    </a:rPr>
+                                  </m:ctrlPr>
+                                </m:mPr>
+                                <m:mr>
+                                  <m:e>
+                                    <m:r>
+                                      <m:rPr>
+                                        <m:brk m:alnAt="7"/>
+                                      </m:rPr>
+                                      <a:rPr lang="en-US" i="1">
+                                        <a:latin typeface="Cambria Math" panose="02040503050406030204" pitchFamily="18" charset="0"/>
+                                      </a:rPr>
+                                      <m:t>𝑓</m:t>
+                                    </m:r>
+                                  </m:e>
+                                </m:mr>
+                                <m:mr>
+                                  <m:e>
+                                    <m:r>
+                                      <a:rPr lang="en-US" i="1">
+                                        <a:latin typeface="Cambria Math" panose="02040503050406030204" pitchFamily="18" charset="0"/>
+                                      </a:rPr>
+                                      <m:t>𝑔</m:t>
+                                    </m:r>
+                                  </m:e>
+                                </m:mr>
+                              </m:m>
+                            </m:e>
+                          </m:d>
+                        </m:e>
+                      </m:acc>
+                      <m:r>
+                        <a:rPr lang="en-US" b="0" i="1" smtClean="0">
+                          <a:latin typeface="Cambria Math" panose="02040503050406030204" pitchFamily="18" charset="0"/>
+                        </a:rPr>
+                        <m:t>= </m:t>
+                      </m:r>
+                      <m:d>
+                        <m:dPr>
+                          <m:ctrlPr>
+                            <a:rPr lang="en-US" b="0" i="1" smtClean="0">
+                              <a:latin typeface="Cambria Math" panose="02040503050406030204" pitchFamily="18" charset="0"/>
+                            </a:rPr>
+                          </m:ctrlPr>
+                        </m:dPr>
+                        <m:e>
+                          <m:m>
+                            <m:mPr>
+                              <m:mcs>
+                                <m:mc>
+                                  <m:mcPr>
+                                    <m:count m:val="1"/>
+                                    <m:mcJc m:val="center"/>
+                                  </m:mcPr>
+                                </m:mc>
+                              </m:mcs>
+                              <m:ctrlPr>
+                                <a:rPr lang="en-US" b="0" i="1" smtClean="0">
+                                  <a:latin typeface="Cambria Math" panose="02040503050406030204" pitchFamily="18" charset="0"/>
+                                </a:rPr>
+                              </m:ctrlPr>
+                            </m:mPr>
+                            <m:mr>
+                              <m:e>
+                                <m:r>
+                                  <m:rPr>
+                                    <m:brk m:alnAt="7"/>
+                                  </m:rPr>
+                                  <a:rPr lang="en-US" b="0" i="1" smtClean="0">
+                                    <a:latin typeface="Cambria Math" panose="02040503050406030204" pitchFamily="18" charset="0"/>
+                                  </a:rPr>
+                                  <m:t>2</m:t>
+                                </m:r>
+                                <m:r>
+                                  <a:rPr lang="en-US" b="0" i="1" smtClean="0">
+                                    <a:latin typeface="Cambria Math" panose="02040503050406030204" pitchFamily="18" charset="0"/>
+                                  </a:rPr>
+                                  <m:t>𝑎</m:t>
+                                </m:r>
+                              </m:e>
+                            </m:mr>
+                            <m:mr>
+                              <m:e>
+                                <m:r>
+                                  <a:rPr lang="en-US" b="0" i="1" smtClean="0">
+                                    <a:latin typeface="Cambria Math" panose="02040503050406030204" pitchFamily="18" charset="0"/>
+                                  </a:rPr>
+                                  <m:t>−2</m:t>
+                                </m:r>
+                                <m:r>
+                                  <a:rPr lang="en-US" b="0" i="1" smtClean="0">
+                                    <a:latin typeface="Cambria Math" panose="02040503050406030204" pitchFamily="18" charset="0"/>
+                                  </a:rPr>
+                                  <m:t>𝑎</m:t>
+                                </m:r>
+                              </m:e>
+                            </m:mr>
+                          </m:m>
+                        </m:e>
+                      </m:d>
+                      <m:d>
+                        <m:dPr>
+                          <m:ctrlPr>
+                            <a:rPr lang="en-US" b="0" i="1" smtClean="0">
+                              <a:latin typeface="Cambria Math" panose="02040503050406030204" pitchFamily="18" charset="0"/>
+                            </a:rPr>
+                          </m:ctrlPr>
+                        </m:dPr>
+                        <m:e>
+                          <m:m>
+                            <m:mPr>
+                              <m:mcs>
+                                <m:mc>
+                                  <m:mcPr>
+                                    <m:count m:val="1"/>
+                                    <m:mcJc m:val="center"/>
+                                  </m:mcPr>
+                                </m:mc>
+                              </m:mcs>
+                              <m:ctrlPr>
+                                <a:rPr lang="en-US" b="0" i="1" smtClean="0">
+                                  <a:latin typeface="Cambria Math" panose="02040503050406030204" pitchFamily="18" charset="0"/>
+                                </a:rPr>
+                              </m:ctrlPr>
+                            </m:mPr>
+                            <m:mr>
+                              <m:e>
+                                <m:r>
+                                  <m:rPr>
+                                    <m:brk m:alnAt="7"/>
+                                  </m:rPr>
+                                  <a:rPr lang="en-US" b="0" i="1" smtClean="0">
+                                    <a:latin typeface="Cambria Math" panose="02040503050406030204" pitchFamily="18" charset="0"/>
+                                  </a:rPr>
+                                  <m:t>𝑔</m:t>
+                                </m:r>
+                              </m:e>
+                            </m:mr>
+                            <m:mr>
+                              <m:e>
+                                <m:r>
+                                  <a:rPr lang="en-US" b="0" i="1" smtClean="0">
+                                    <a:latin typeface="Cambria Math" panose="02040503050406030204" pitchFamily="18" charset="0"/>
+                                  </a:rPr>
+                                  <m:t>𝑓</m:t>
+                                </m:r>
+                              </m:e>
+                            </m:mr>
+                          </m:m>
+                        </m:e>
+                      </m:d>
+                    </m:oMath>
+                  </m:oMathPara>
+                </a14:m>
+                <a:endParaRPr lang="en-US" dirty="0"/>
+              </a:p>
+              <a:p>
+                <a:pPr marL="0" indent="0" algn="ctr">
+                  <a:buNone/>
+                </a:pPr>
+                <a:endParaRPr lang="en-US" dirty="0"/>
+              </a:p>
+              <a:p>
+                <a:pPr/>
+                <a:r>
+                  <a:rPr lang="en-US" dirty="0"/>
+                  <a:t>Where </a:t>
+                </a:r>
+                <a14:m>
+                  <m:oMath xmlns:m="http://schemas.openxmlformats.org/officeDocument/2006/math">
+                    <m:r>
+                      <a:rPr lang="en-US" b="0" i="1" smtClean="0">
+                        <a:latin typeface="Cambria Math" panose="02040503050406030204" pitchFamily="18" charset="0"/>
+                      </a:rPr>
+                      <m:t>𝑓</m:t>
+                    </m:r>
+                  </m:oMath>
+                </a14:m>
+                <a:r>
+                  <a:rPr lang="en-US" dirty="0"/>
+                  <a:t> is the real part of </a:t>
+                </a:r>
+                <a14:m>
+                  <m:oMath xmlns:m="http://schemas.openxmlformats.org/officeDocument/2006/math">
+                    <m:r>
+                      <a:rPr lang="en-US" b="0" i="1" smtClean="0">
+                        <a:latin typeface="Cambria Math" panose="02040503050406030204" pitchFamily="18" charset="0"/>
+                      </a:rPr>
+                      <m:t>𝑧</m:t>
+                    </m:r>
+                  </m:oMath>
+                </a14:m>
+                <a:r>
+                  <a:rPr lang="en-US" dirty="0"/>
+                  <a:t>, and </a:t>
+                </a:r>
+                <a14:m>
+                  <m:oMath xmlns:m="http://schemas.openxmlformats.org/officeDocument/2006/math">
+                    <m:r>
+                      <a:rPr lang="en-US" b="0" i="1" smtClean="0">
+                        <a:latin typeface="Cambria Math" panose="02040503050406030204" pitchFamily="18" charset="0"/>
+                      </a:rPr>
+                      <m:t>𝑔</m:t>
+                    </m:r>
+                  </m:oMath>
+                </a14:m>
+                <a:r>
+                  <a:rPr lang="en-US" dirty="0"/>
+                  <a:t> is the imaginary part</a:t>
+                </a:r>
+              </a:p>
+              <a:p>
+                <a:pPr/>
+                <a:r>
+                  <a:rPr lang="en-US" dirty="0"/>
+                  <a:t>Solving this differential system of equations gives us:</a:t>
+                </a:r>
+              </a:p>
+              <a:p>
+                <a:pPr/>
+                <a:endParaRPr lang="en-US" dirty="0"/>
+              </a:p>
+              <a:p>
+                <a:pPr marL="0" indent="0" algn="ctr">
+                  <a:buNone/>
+                </a:pPr>
+                <a14:m>
+                  <m:oMathPara xmlns:m="http://schemas.openxmlformats.org/officeDocument/2006/math">
+                    <m:oMathParaPr>
+                      <m:jc m:val="center"/>
+                    </m:oMathParaPr>
+                    <m:oMath xmlns:m="http://schemas.openxmlformats.org/officeDocument/2006/math">
+                      <m:d>
+                        <m:dPr>
+                          <m:ctrlPr>
+                            <a:rPr lang="en-US" i="1" smtClean="0">
+                              <a:latin typeface="Cambria Math" panose="02040503050406030204" pitchFamily="18" charset="0"/>
+                            </a:rPr>
+                          </m:ctrlPr>
+                        </m:dPr>
+                        <m:e>
+                          <m:m>
+                            <m:mPr>
+                              <m:mcs>
+                                <m:mc>
+                                  <m:mcPr>
+                                    <m:count m:val="1"/>
+                                    <m:mcJc m:val="center"/>
+                                  </m:mcPr>
+                                </m:mc>
+                              </m:mcs>
+                              <m:ctrlPr>
+                                <a:rPr lang="en-US" i="1" smtClean="0">
+                                  <a:latin typeface="Cambria Math" panose="02040503050406030204" pitchFamily="18" charset="0"/>
+                                </a:rPr>
+                              </m:ctrlPr>
+                            </m:mPr>
+                            <m:mr>
+                              <m:e>
+                                <m:r>
+                                  <m:rPr>
+                                    <m:brk m:alnAt="7"/>
+                                  </m:rPr>
+                                  <a:rPr lang="en-US" b="0" i="1" smtClean="0">
+                                    <a:latin typeface="Cambria Math" panose="02040503050406030204" pitchFamily="18" charset="0"/>
+                                  </a:rPr>
+                                  <m:t>𝑓</m:t>
+                                </m:r>
+                              </m:e>
+                            </m:mr>
+                            <m:mr>
+                              <m:e>
+                                <m:r>
+                                  <a:rPr lang="en-US" b="0" i="1" smtClean="0">
+                                    <a:latin typeface="Cambria Math" panose="02040503050406030204" pitchFamily="18" charset="0"/>
+                                  </a:rPr>
+                                  <m:t>𝑔</m:t>
+                                </m:r>
+                              </m:e>
+                            </m:mr>
+                          </m:m>
+                        </m:e>
+                      </m:d>
+                      <m:r>
+                        <a:rPr lang="en-US" b="0" i="1" smtClean="0">
+                          <a:latin typeface="Cambria Math" panose="02040503050406030204" pitchFamily="18" charset="0"/>
+                        </a:rPr>
+                        <m:t>= </m:t>
+                      </m:r>
+                      <m:d>
+                        <m:dPr>
+                          <m:ctrlPr>
+                            <a:rPr lang="en-US" b="0" i="1" smtClean="0">
+                              <a:latin typeface="Cambria Math" panose="02040503050406030204" pitchFamily="18" charset="0"/>
+                            </a:rPr>
+                          </m:ctrlPr>
+                        </m:dPr>
+                        <m:e>
+                          <m:m>
+                            <m:mPr>
+                              <m:mcs>
+                                <m:mc>
+                                  <m:mcPr>
+                                    <m:count m:val="1"/>
+                                    <m:mcJc m:val="center"/>
+                                  </m:mcPr>
+                                </m:mc>
+                              </m:mcs>
+                              <m:ctrlPr>
+                                <a:rPr lang="en-US" b="0" i="1" smtClean="0">
+                                  <a:latin typeface="Cambria Math" panose="02040503050406030204" pitchFamily="18" charset="0"/>
+                                </a:rPr>
+                              </m:ctrlPr>
+                            </m:mPr>
+                            <m:mr>
+                              <m:e>
+                                <m:sSub>
+                                  <m:sSubPr>
+                                    <m:ctrlPr>
+                                      <a:rPr lang="en-US" b="0" i="1" smtClean="0">
+                                        <a:latin typeface="Cambria Math" panose="02040503050406030204" pitchFamily="18" charset="0"/>
+                                      </a:rPr>
+                                    </m:ctrlPr>
+                                  </m:sSubPr>
+                                  <m:e>
+                                    <m:r>
+                                      <m:rPr>
+                                        <m:brk m:alnAt="7"/>
+                                      </m:rPr>
+                                      <a:rPr lang="en-US" b="0" i="1" smtClean="0">
+                                        <a:latin typeface="Cambria Math" panose="02040503050406030204" pitchFamily="18" charset="0"/>
+                                      </a:rPr>
+                                      <m:t>𝑐</m:t>
+                                    </m:r>
+                                  </m:e>
+                                  <m:sub>
+                                    <m:r>
+                                      <m:rPr>
+                                        <m:brk m:alnAt="7"/>
+                                      </m:rPr>
+                                      <a:rPr lang="en-US" b="0" i="1" smtClean="0">
+                                        <a:latin typeface="Cambria Math" panose="02040503050406030204" pitchFamily="18" charset="0"/>
+                                      </a:rPr>
+                                      <m:t>1</m:t>
+                                    </m:r>
+                                  </m:sub>
+                                </m:sSub>
+                                <m:func>
+                                  <m:funcPr>
+                                    <m:ctrlPr>
+                                      <a:rPr lang="en-US" b="0" i="1" smtClean="0">
+                                        <a:latin typeface="Cambria Math" panose="02040503050406030204" pitchFamily="18" charset="0"/>
+                                      </a:rPr>
+                                    </m:ctrlPr>
+                                  </m:funcPr>
+                                  <m:fName>
+                                    <m:r>
+                                      <m:rPr>
+                                        <m:sty m:val="p"/>
+                                        <m:brk m:alnAt="7"/>
+                                      </m:rPr>
+                                      <a:rPr lang="en-US" b="0" i="0" smtClean="0">
+                                        <a:latin typeface="Cambria Math" panose="02040503050406030204" pitchFamily="18" charset="0"/>
+                                      </a:rPr>
+                                      <m:t>cos</m:t>
+                                    </m:r>
+                                  </m:fName>
+                                  <m:e>
+                                    <m:d>
+                                      <m:dPr>
+                                        <m:ctrlPr>
+                                          <a:rPr lang="en-US" b="0" i="1" smtClean="0">
+                                            <a:latin typeface="Cambria Math" panose="02040503050406030204" pitchFamily="18" charset="0"/>
+                                          </a:rPr>
+                                        </m:ctrlPr>
+                                      </m:dPr>
+                                      <m:e>
+                                        <m:r>
+                                          <m:rPr>
+                                            <m:brk m:alnAt="7"/>
+                                          </m:rPr>
+                                          <a:rPr lang="en-US" b="0" i="1" smtClean="0">
+                                            <a:latin typeface="Cambria Math" panose="02040503050406030204" pitchFamily="18" charset="0"/>
+                                          </a:rPr>
+                                          <m:t>2</m:t>
+                                        </m:r>
+                                        <m:r>
+                                          <a:rPr lang="en-US" b="0" i="1" smtClean="0">
+                                            <a:latin typeface="Cambria Math" panose="02040503050406030204" pitchFamily="18" charset="0"/>
+                                          </a:rPr>
+                                          <m:t>𝑎𝑡</m:t>
+                                        </m:r>
+                                      </m:e>
+                                    </m:d>
+                                  </m:e>
+                                </m:func>
+                                <m:r>
+                                  <m:rPr>
+                                    <m:brk m:alnAt="7"/>
+                                  </m:rPr>
+                                  <a:rPr lang="en-US" b="0" i="1" smtClean="0">
+                                    <a:latin typeface="Cambria Math" panose="02040503050406030204" pitchFamily="18" charset="0"/>
+                                  </a:rPr>
+                                  <m:t>+</m:t>
+                                </m:r>
+                                <m:sSub>
+                                  <m:sSubPr>
+                                    <m:ctrlPr>
+                                      <a:rPr lang="en-US" b="0" i="1" smtClean="0">
+                                        <a:latin typeface="Cambria Math" panose="02040503050406030204" pitchFamily="18" charset="0"/>
+                                      </a:rPr>
+                                    </m:ctrlPr>
+                                  </m:sSubPr>
+                                  <m:e>
+                                    <m:r>
+                                      <m:rPr>
+                                        <m:brk m:alnAt="7"/>
+                                      </m:rPr>
+                                      <a:rPr lang="en-US" b="0" i="1" smtClean="0">
+                                        <a:latin typeface="Cambria Math" panose="02040503050406030204" pitchFamily="18" charset="0"/>
+                                      </a:rPr>
+                                      <m:t>𝑐</m:t>
+                                    </m:r>
+                                  </m:e>
+                                  <m:sub>
+                                    <m:r>
+                                      <m:rPr>
+                                        <m:brk m:alnAt="7"/>
+                                      </m:rPr>
+                                      <a:rPr lang="en-US" b="0" i="1" smtClean="0">
+                                        <a:latin typeface="Cambria Math" panose="02040503050406030204" pitchFamily="18" charset="0"/>
+                                      </a:rPr>
+                                      <m:t>2</m:t>
+                                    </m:r>
+                                  </m:sub>
+                                </m:sSub>
+                                <m:r>
+                                  <m:rPr>
+                                    <m:sty m:val="p"/>
+                                    <m:brk m:alnAt="7"/>
+                                  </m:rPr>
+                                  <a:rPr lang="en-US" b="0" i="0" smtClean="0">
+                                    <a:latin typeface="Cambria Math" panose="02040503050406030204" pitchFamily="18" charset="0"/>
+                                  </a:rPr>
+                                  <m:t>sin</m:t>
+                                </m:r>
+                                <m:r>
+                                  <m:rPr>
+                                    <m:brk m:alnAt="7"/>
+                                  </m:rPr>
+                                  <a:rPr lang="en-US" b="0" i="1" smtClean="0">
+                                    <a:latin typeface="Cambria Math" panose="02040503050406030204" pitchFamily="18" charset="0"/>
+                                  </a:rPr>
+                                  <m:t>⁡(2</m:t>
+                                </m:r>
+                                <m:r>
+                                  <a:rPr lang="en-US" b="0" i="1" smtClean="0">
+                                    <a:latin typeface="Cambria Math" panose="02040503050406030204" pitchFamily="18" charset="0"/>
+                                  </a:rPr>
+                                  <m:t>𝑎𝑡</m:t>
+                                </m:r>
+                                <m:r>
+                                  <a:rPr lang="en-US" b="0" i="1" smtClean="0">
+                                    <a:latin typeface="Cambria Math" panose="02040503050406030204" pitchFamily="18" charset="0"/>
+                                  </a:rPr>
+                                  <m:t>)</m:t>
+                                </m:r>
+                              </m:e>
+                            </m:mr>
+                            <m:mr>
+                              <m:e>
+                                <m:r>
+                                  <a:rPr lang="en-US" b="0" i="1" smtClean="0">
+                                    <a:latin typeface="Cambria Math" panose="02040503050406030204" pitchFamily="18" charset="0"/>
+                                  </a:rPr>
+                                  <m:t>−</m:t>
+                                </m:r>
+                                <m:sSub>
+                                  <m:sSubPr>
+                                    <m:ctrlPr>
+                                      <a:rPr lang="en-US" b="0" i="1" smtClean="0">
+                                        <a:latin typeface="Cambria Math" panose="02040503050406030204" pitchFamily="18" charset="0"/>
+                                      </a:rPr>
+                                    </m:ctrlPr>
+                                  </m:sSubPr>
+                                  <m:e>
+                                    <m:r>
+                                      <a:rPr lang="en-US" b="0" i="1" smtClean="0">
+                                        <a:latin typeface="Cambria Math" panose="02040503050406030204" pitchFamily="18" charset="0"/>
+                                      </a:rPr>
+                                      <m:t>𝑐</m:t>
+                                    </m:r>
+                                  </m:e>
+                                  <m:sub>
+                                    <m:r>
+                                      <a:rPr lang="en-US" b="0" i="1" smtClean="0">
+                                        <a:latin typeface="Cambria Math" panose="02040503050406030204" pitchFamily="18" charset="0"/>
+                                      </a:rPr>
+                                      <m:t>1</m:t>
+                                    </m:r>
+                                  </m:sub>
+                                </m:sSub>
+                                <m:func>
+                                  <m:funcPr>
+                                    <m:ctrlPr>
+                                      <a:rPr lang="en-US" b="0" i="1" smtClean="0">
+                                        <a:latin typeface="Cambria Math" panose="02040503050406030204" pitchFamily="18" charset="0"/>
+                                      </a:rPr>
+                                    </m:ctrlPr>
+                                  </m:funcPr>
+                                  <m:fName>
+                                    <m:r>
+                                      <m:rPr>
+                                        <m:sty m:val="p"/>
+                                      </m:rPr>
+                                      <a:rPr lang="en-US" b="0" i="0" smtClean="0">
+                                        <a:latin typeface="Cambria Math" panose="02040503050406030204" pitchFamily="18" charset="0"/>
+                                      </a:rPr>
+                                      <m:t>sin</m:t>
+                                    </m:r>
+                                  </m:fName>
+                                  <m:e>
+                                    <m:d>
+                                      <m:dPr>
+                                        <m:ctrlPr>
+                                          <a:rPr lang="en-US" b="0" i="1" smtClean="0">
+                                            <a:latin typeface="Cambria Math" panose="02040503050406030204" pitchFamily="18" charset="0"/>
+                                          </a:rPr>
+                                        </m:ctrlPr>
+                                      </m:dPr>
+                                      <m:e>
+                                        <m:r>
+                                          <a:rPr lang="en-US" b="0" i="1" smtClean="0">
+                                            <a:latin typeface="Cambria Math" panose="02040503050406030204" pitchFamily="18" charset="0"/>
+                                          </a:rPr>
+                                          <m:t>2</m:t>
+                                        </m:r>
+                                        <m:r>
+                                          <a:rPr lang="en-US" b="0" i="1" smtClean="0">
+                                            <a:latin typeface="Cambria Math" panose="02040503050406030204" pitchFamily="18" charset="0"/>
+                                          </a:rPr>
+                                          <m:t>𝑎𝑡</m:t>
+                                        </m:r>
+                                      </m:e>
+                                    </m:d>
+                                  </m:e>
+                                </m:func>
+                                <m:r>
+                                  <a:rPr lang="en-US" b="0" i="1" smtClean="0">
+                                    <a:latin typeface="Cambria Math" panose="02040503050406030204" pitchFamily="18" charset="0"/>
+                                  </a:rPr>
+                                  <m:t>+</m:t>
+                                </m:r>
+                                <m:sSub>
+                                  <m:sSubPr>
+                                    <m:ctrlPr>
+                                      <a:rPr lang="en-US" b="0" i="1" smtClean="0">
+                                        <a:latin typeface="Cambria Math" panose="02040503050406030204" pitchFamily="18" charset="0"/>
+                                      </a:rPr>
+                                    </m:ctrlPr>
+                                  </m:sSubPr>
+                                  <m:e>
+                                    <m:r>
+                                      <a:rPr lang="en-US" b="0" i="1" smtClean="0">
+                                        <a:latin typeface="Cambria Math" panose="02040503050406030204" pitchFamily="18" charset="0"/>
+                                      </a:rPr>
+                                      <m:t>𝑐</m:t>
+                                    </m:r>
+                                  </m:e>
+                                  <m:sub>
+                                    <m:r>
+                                      <a:rPr lang="en-US" b="0" i="1" smtClean="0">
+                                        <a:latin typeface="Cambria Math" panose="02040503050406030204" pitchFamily="18" charset="0"/>
+                                      </a:rPr>
+                                      <m:t>2</m:t>
+                                    </m:r>
+                                  </m:sub>
+                                </m:sSub>
+                                <m:r>
+                                  <m:rPr>
+                                    <m:sty m:val="p"/>
+                                  </m:rPr>
+                                  <a:rPr lang="en-US" b="0" i="0" smtClean="0">
+                                    <a:latin typeface="Cambria Math" panose="02040503050406030204" pitchFamily="18" charset="0"/>
+                                  </a:rPr>
+                                  <m:t>cos</m:t>
+                                </m:r>
+                                <m:r>
+                                  <a:rPr lang="en-US" b="0" i="1" smtClean="0">
+                                    <a:latin typeface="Cambria Math" panose="02040503050406030204" pitchFamily="18" charset="0"/>
+                                  </a:rPr>
+                                  <m:t>⁡(2</m:t>
+                                </m:r>
+                                <m:r>
+                                  <a:rPr lang="en-US" b="0" i="1" smtClean="0">
+                                    <a:latin typeface="Cambria Math" panose="02040503050406030204" pitchFamily="18" charset="0"/>
+                                  </a:rPr>
+                                  <m:t>𝑎𝑡</m:t>
+                                </m:r>
+                                <m:r>
+                                  <a:rPr lang="en-US" b="0" i="1" smtClean="0">
+                                    <a:latin typeface="Cambria Math" panose="02040503050406030204" pitchFamily="18" charset="0"/>
+                                  </a:rPr>
+                                  <m:t>)</m:t>
+                                </m:r>
+                              </m:e>
+                            </m:mr>
+                          </m:m>
+                        </m:e>
+                      </m:d>
+                    </m:oMath>
+                  </m:oMathPara>
+                </a14:m>
+                <a:endParaRPr lang="en-US" dirty="0"/>
+              </a:p>
+            </p:txBody>
+          </p:sp>
+        </mc:Choice>
+        <mc:Fallback>
+          <p:sp>
+            <p:nvSpPr>
+              <p:cNvPr id="3" name="Content Placeholder 2">
+                <a:extLst>
+                  <a:ext uri="{FF2B5EF4-FFF2-40B4-BE49-F238E27FC236}">
+                    <a16:creationId xmlns:a16="http://schemas.microsoft.com/office/drawing/2014/main" id="{2A50F980-5E56-1E40-A00B-A5A0996352FE}"/>
+                  </a:ext>
+                </a:extLst>
+              </p:cNvPr>
+              <p:cNvSpPr>
+                <a:spLocks noGrp="1" noRot="1" noChangeAspect="1" noMove="1" noResize="1" noEditPoints="1" noAdjustHandles="1" noChangeArrowheads="1" noChangeShapeType="1" noTextEdit="1"/>
+              </p:cNvSpPr>
+              <p:nvPr>
+                <p:ph idx="1"/>
+              </p:nvPr>
+            </p:nvSpPr>
+            <p:spPr>
+              <a:blipFill>
+                <a:blip r:embed="rId4"/>
+                <a:stretch>
+                  <a:fillRect l="-812" t="-3221"/>
+                </a:stretch>
+              </a:blipFill>
+            </p:spPr>
+            <p:txBody>
+              <a:bodyPr/>
+              <a:lstStyle/>
+              <a:p>
+                <a:r>
+                  <a:rPr lang="en-US">
+                    <a:noFill/>
+                  </a:rPr>
+                  <a:t> </a:t>
+                </a:r>
+              </a:p>
+            </p:txBody>
+          </p:sp>
+        </mc:Fallback>
+      </mc:AlternateContent>
     </p:spTree>
     <p:extLst>
       <p:ext uri="{BB962C8B-B14F-4D97-AF65-F5344CB8AC3E}">
@@ -5099,8 +6567,2931 @@
           <a:chExt cx="0" cy="0"/>
         </a:xfrm>
       </p:grpSpPr>
+      <p:sp>
+        <p:nvSpPr>
+          <p:cNvPr id="2" name="Title 1">
+            <a:extLst>
+              <a:ext uri="{FF2B5EF4-FFF2-40B4-BE49-F238E27FC236}">
+                <a16:creationId xmlns:a16="http://schemas.microsoft.com/office/drawing/2014/main" id="{B3969548-51A9-4220-860D-73CB94B19F74}"/>
+              </a:ext>
+            </a:extLst>
+          </p:cNvPr>
+          <p:cNvSpPr>
+            <a:spLocks noGrp="1"/>
+          </p:cNvSpPr>
+          <p:nvPr>
+            <p:ph type="title"/>
+          </p:nvPr>
+        </p:nvSpPr>
+        <p:spPr/>
+        <p:txBody>
+          <a:bodyPr/>
+          <a:lstStyle/>
+          <a:p>
+            <a:r>
+              <a:rPr lang="en-US" dirty="0"/>
+              <a:t>Observation</a:t>
+            </a:r>
+          </a:p>
+        </p:txBody>
+      </p:sp>
       <mc:AlternateContent xmlns:mc="http://schemas.openxmlformats.org/markup-compatibility/2006">
         <mc:Choice xmlns:a14="http://schemas.microsoft.com/office/drawing/2010/main" Requires="a14">
+          <p:sp>
+            <p:nvSpPr>
+              <p:cNvPr id="3" name="Content Placeholder 2">
+                <a:extLst>
+                  <a:ext uri="{FF2B5EF4-FFF2-40B4-BE49-F238E27FC236}">
+                    <a16:creationId xmlns:a16="http://schemas.microsoft.com/office/drawing/2014/main" id="{6BBE3982-8844-4BC9-AB75-019745ED5E32}"/>
+                  </a:ext>
+                </a:extLst>
+              </p:cNvPr>
+              <p:cNvSpPr>
+                <a:spLocks noGrp="1"/>
+              </p:cNvSpPr>
+              <p:nvPr>
+                <p:ph idx="1"/>
+              </p:nvPr>
+            </p:nvSpPr>
+            <p:spPr/>
+            <p:txBody>
+              <a:bodyPr>
+                <a:normAutofit fontScale="77500" lnSpcReduction="20000"/>
+              </a:bodyPr>
+              <a:lstStyle/>
+              <a:p>
+                <a:r>
+                  <a:rPr lang="en-US" dirty="0"/>
+                  <a:t>When we had a matrix like: </a:t>
+                </a:r>
+              </a:p>
+              <a:p>
+                <a:endParaRPr lang="en-US" dirty="0"/>
+              </a:p>
+              <a:p>
+                <a:pPr marL="0" indent="0" algn="ctr">
+                  <a:buNone/>
+                </a:pPr>
+                <a14:m>
+                  <m:oMath xmlns:m="http://schemas.openxmlformats.org/officeDocument/2006/math">
+                    <m:acc>
+                      <m:accPr>
+                        <m:chr m:val="̇"/>
+                        <m:ctrlPr>
+                          <a:rPr lang="en-US" i="1">
+                            <a:latin typeface="Cambria Math" panose="02040503050406030204" pitchFamily="18" charset="0"/>
+                          </a:rPr>
+                        </m:ctrlPr>
+                      </m:accPr>
+                      <m:e>
+                        <m:d>
+                          <m:dPr>
+                            <m:ctrlPr>
+                              <a:rPr lang="en-US" i="1">
+                                <a:latin typeface="Cambria Math" panose="02040503050406030204" pitchFamily="18" charset="0"/>
+                              </a:rPr>
+                            </m:ctrlPr>
+                          </m:dPr>
+                          <m:e>
+                            <m:m>
+                              <m:mPr>
+                                <m:mcs>
+                                  <m:mc>
+                                    <m:mcPr>
+                                      <m:count m:val="1"/>
+                                      <m:mcJc m:val="center"/>
+                                    </m:mcPr>
+                                  </m:mc>
+                                </m:mcs>
+                                <m:ctrlPr>
+                                  <a:rPr lang="en-US" i="1">
+                                    <a:latin typeface="Cambria Math" panose="02040503050406030204" pitchFamily="18" charset="0"/>
+                                  </a:rPr>
+                                </m:ctrlPr>
+                              </m:mPr>
+                              <m:mr>
+                                <m:e>
+                                  <m:r>
+                                    <m:rPr>
+                                      <m:brk m:alnAt="7"/>
+                                    </m:rPr>
+                                    <a:rPr lang="en-US" b="0" i="1" smtClean="0">
+                                      <a:latin typeface="Cambria Math" panose="02040503050406030204" pitchFamily="18" charset="0"/>
+                                    </a:rPr>
+                                    <m:t>𝑥</m:t>
+                                  </m:r>
+                                </m:e>
+                              </m:mr>
+                              <m:mr>
+                                <m:e>
+                                  <m:r>
+                                    <a:rPr lang="en-US" b="0" i="1" smtClean="0">
+                                      <a:latin typeface="Cambria Math" panose="02040503050406030204" pitchFamily="18" charset="0"/>
+                                    </a:rPr>
+                                    <m:t>𝑦</m:t>
+                                  </m:r>
+                                </m:e>
+                              </m:mr>
+                            </m:m>
+                          </m:e>
+                        </m:d>
+                      </m:e>
+                    </m:acc>
+                  </m:oMath>
+                </a14:m>
+                <a:r>
+                  <a:rPr lang="en-US" dirty="0"/>
+                  <a:t> = </a:t>
+                </a:r>
+                <a14:m>
+                  <m:oMath xmlns:m="http://schemas.openxmlformats.org/officeDocument/2006/math">
+                    <m:d>
+                      <m:dPr>
+                        <m:ctrlPr>
+                          <a:rPr lang="en-US" i="1">
+                            <a:latin typeface="Cambria Math" panose="02040503050406030204" pitchFamily="18" charset="0"/>
+                          </a:rPr>
+                        </m:ctrlPr>
+                      </m:dPr>
+                      <m:e>
+                        <m:m>
+                          <m:mPr>
+                            <m:mcs>
+                              <m:mc>
+                                <m:mcPr>
+                                  <m:count m:val="2"/>
+                                  <m:mcJc m:val="center"/>
+                                </m:mcPr>
+                              </m:mc>
+                            </m:mcs>
+                            <m:ctrlPr>
+                              <a:rPr lang="en-US" i="1" smtClean="0">
+                                <a:latin typeface="Cambria Math" panose="02040503050406030204" pitchFamily="18" charset="0"/>
+                              </a:rPr>
+                            </m:ctrlPr>
+                          </m:mPr>
+                          <m:mr>
+                            <m:e>
+                              <m:r>
+                                <m:rPr>
+                                  <m:brk m:alnAt="7"/>
+                                </m:rPr>
+                                <a:rPr lang="en-US" i="1">
+                                  <a:latin typeface="Cambria Math" panose="02040503050406030204" pitchFamily="18" charset="0"/>
+                                </a:rPr>
+                                <m:t>𝑎</m:t>
+                              </m:r>
+                              <m:r>
+                                <a:rPr lang="en-US" i="1">
+                                  <a:latin typeface="Cambria Math" panose="02040503050406030204" pitchFamily="18" charset="0"/>
+                                </a:rPr>
+                                <m:t>𝑖</m:t>
+                              </m:r>
+                            </m:e>
+                            <m:e>
+                              <m:r>
+                                <a:rPr lang="en-US" b="0" i="1" smtClean="0">
+                                  <a:latin typeface="Cambria Math" panose="02040503050406030204" pitchFamily="18" charset="0"/>
+                                  <a:ea typeface="Cambria Math" panose="02040503050406030204" pitchFamily="18" charset="0"/>
+                                </a:rPr>
+                                <m:t>0</m:t>
+                              </m:r>
+                            </m:e>
+                          </m:mr>
+                          <m:mr>
+                            <m:e>
+                              <m:r>
+                                <a:rPr lang="en-US" b="0" i="1" smtClean="0">
+                                  <a:latin typeface="Cambria Math" panose="02040503050406030204" pitchFamily="18" charset="0"/>
+                                  <a:ea typeface="Cambria Math" panose="02040503050406030204" pitchFamily="18" charset="0"/>
+                                </a:rPr>
+                                <m:t>0</m:t>
+                              </m:r>
+                            </m:e>
+                            <m:e>
+                              <m:r>
+                                <a:rPr lang="en-US" i="1">
+                                  <a:latin typeface="Cambria Math" panose="02040503050406030204" pitchFamily="18" charset="0"/>
+                                </a:rPr>
+                                <m:t>−</m:t>
+                              </m:r>
+                              <m:r>
+                                <a:rPr lang="en-US" i="1">
+                                  <a:latin typeface="Cambria Math" panose="02040503050406030204" pitchFamily="18" charset="0"/>
+                                </a:rPr>
+                                <m:t>𝑎𝑖</m:t>
+                              </m:r>
+                            </m:e>
+                          </m:mr>
+                        </m:m>
+                      </m:e>
+                    </m:d>
+                    <m:d>
+                      <m:dPr>
+                        <m:ctrlPr>
+                          <a:rPr lang="en-US" i="1">
+                            <a:latin typeface="Cambria Math" panose="02040503050406030204" pitchFamily="18" charset="0"/>
+                          </a:rPr>
+                        </m:ctrlPr>
+                      </m:dPr>
+                      <m:e>
+                        <m:m>
+                          <m:mPr>
+                            <m:mcs>
+                              <m:mc>
+                                <m:mcPr>
+                                  <m:count m:val="1"/>
+                                  <m:mcJc m:val="center"/>
+                                </m:mcPr>
+                              </m:mc>
+                            </m:mcs>
+                            <m:ctrlPr>
+                              <a:rPr lang="en-US" i="1">
+                                <a:latin typeface="Cambria Math" panose="02040503050406030204" pitchFamily="18" charset="0"/>
+                              </a:rPr>
+                            </m:ctrlPr>
+                          </m:mPr>
+                          <m:mr>
+                            <m:e>
+                              <m:r>
+                                <m:rPr>
+                                  <m:brk m:alnAt="7"/>
+                                </m:rPr>
+                                <a:rPr lang="en-US" b="0" i="1" smtClean="0">
+                                  <a:latin typeface="Cambria Math" panose="02040503050406030204" pitchFamily="18" charset="0"/>
+                                </a:rPr>
+                                <m:t>𝑥</m:t>
+                              </m:r>
+                            </m:e>
+                          </m:mr>
+                          <m:mr>
+                            <m:e>
+                              <m:r>
+                                <a:rPr lang="en-US" b="0" i="1" smtClean="0">
+                                  <a:latin typeface="Cambria Math" panose="02040503050406030204" pitchFamily="18" charset="0"/>
+                                </a:rPr>
+                                <m:t>𝑦</m:t>
+                              </m:r>
+                            </m:e>
+                          </m:mr>
+                        </m:m>
+                      </m:e>
+                    </m:d>
+                  </m:oMath>
+                </a14:m>
+                <a:r>
+                  <a:rPr lang="en-US" dirty="0"/>
+                  <a:t> </a:t>
+                </a:r>
+              </a:p>
+              <a:p>
+                <a:pPr marL="0" indent="0" algn="ctr">
+                  <a:buNone/>
+                </a:pPr>
+                <a:endParaRPr lang="en-US" dirty="0"/>
+              </a:p>
+              <a:p>
+                <a:r>
+                  <a:rPr lang="en-US" dirty="0"/>
+                  <a:t>We got circles, thus when </a:t>
+                </a:r>
+                <a14:m>
+                  <m:oMath xmlns:m="http://schemas.openxmlformats.org/officeDocument/2006/math">
+                    <m:acc>
+                      <m:accPr>
+                        <m:chr m:val="̇"/>
+                        <m:ctrlPr>
+                          <a:rPr lang="en-US" i="1">
+                            <a:latin typeface="Cambria Math" panose="02040503050406030204" pitchFamily="18" charset="0"/>
+                          </a:rPr>
+                        </m:ctrlPr>
+                      </m:accPr>
+                      <m:e>
+                        <m:r>
+                          <a:rPr lang="en-US" i="1">
+                            <a:latin typeface="Cambria Math" panose="02040503050406030204" pitchFamily="18" charset="0"/>
+                          </a:rPr>
+                          <m:t>𝑧</m:t>
+                        </m:r>
+                      </m:e>
+                    </m:acc>
+                    <m:r>
+                      <a:rPr lang="en-US" i="1">
+                        <a:latin typeface="Cambria Math" panose="02040503050406030204" pitchFamily="18" charset="0"/>
+                      </a:rPr>
+                      <m:t>=−2</m:t>
+                    </m:r>
+                    <m:r>
+                      <a:rPr lang="en-US" i="1">
+                        <a:latin typeface="Cambria Math" panose="02040503050406030204" pitchFamily="18" charset="0"/>
+                      </a:rPr>
+                      <m:t>𝑎𝑖𝑧</m:t>
+                    </m:r>
+                  </m:oMath>
+                </a14:m>
+                <a:r>
+                  <a:rPr lang="en-US" dirty="0"/>
+                  <a:t>, we can see also that</a:t>
+                </a:r>
+              </a:p>
+              <a:p>
+                <a:endParaRPr lang="en-US" dirty="0"/>
+              </a:p>
+              <a:p>
+                <a:pPr marL="0" indent="0" algn="ctr">
+                  <a:buNone/>
+                </a:pPr>
+                <a14:m>
+                  <m:oMath xmlns:m="http://schemas.openxmlformats.org/officeDocument/2006/math">
+                    <m:f>
+                      <m:fPr>
+                        <m:ctrlPr>
+                          <a:rPr lang="en-US" b="0" i="1" smtClean="0">
+                            <a:latin typeface="Cambria Math" panose="02040503050406030204" pitchFamily="18" charset="0"/>
+                          </a:rPr>
+                        </m:ctrlPr>
+                      </m:fPr>
+                      <m:num>
+                        <m:r>
+                          <a:rPr lang="en-US" b="0" i="1" smtClean="0">
+                            <a:latin typeface="Cambria Math" panose="02040503050406030204" pitchFamily="18" charset="0"/>
+                          </a:rPr>
+                          <m:t>𝑑</m:t>
+                        </m:r>
+                      </m:num>
+                      <m:den>
+                        <m:r>
+                          <a:rPr lang="en-US" b="0" i="1" smtClean="0">
+                            <a:latin typeface="Cambria Math" panose="02040503050406030204" pitchFamily="18" charset="0"/>
+                          </a:rPr>
+                          <m:t>𝑑𝑡</m:t>
+                        </m:r>
+                      </m:den>
+                    </m:f>
+                    <m:d>
+                      <m:dPr>
+                        <m:ctrlPr>
+                          <a:rPr lang="en-US" b="0" i="1" smtClean="0">
+                            <a:latin typeface="Cambria Math" panose="02040503050406030204" pitchFamily="18" charset="0"/>
+                          </a:rPr>
+                        </m:ctrlPr>
+                      </m:dPr>
+                      <m:e>
+                        <m:d>
+                          <m:dPr>
+                            <m:begChr m:val="|"/>
+                            <m:endChr m:val="|"/>
+                            <m:ctrlPr>
+                              <a:rPr lang="en-US" b="0" i="1" smtClean="0">
+                                <a:latin typeface="Cambria Math" panose="02040503050406030204" pitchFamily="18" charset="0"/>
+                              </a:rPr>
+                            </m:ctrlPr>
+                          </m:dPr>
+                          <m:e>
+                            <m:r>
+                              <a:rPr lang="en-US" b="0" i="1" smtClean="0">
+                                <a:latin typeface="Cambria Math" panose="02040503050406030204" pitchFamily="18" charset="0"/>
+                              </a:rPr>
+                              <m:t>𝑧</m:t>
+                            </m:r>
+                          </m:e>
+                        </m:d>
+                      </m:e>
+                    </m:d>
+                    <m:r>
+                      <a:rPr lang="en-US" b="0" i="1" smtClean="0">
+                        <a:latin typeface="Cambria Math" panose="02040503050406030204" pitchFamily="18" charset="0"/>
+                      </a:rPr>
+                      <m:t>=</m:t>
+                    </m:r>
+                    <m:f>
+                      <m:fPr>
+                        <m:ctrlPr>
+                          <a:rPr lang="en-US" b="0" i="1" smtClean="0">
+                            <a:latin typeface="Cambria Math" panose="02040503050406030204" pitchFamily="18" charset="0"/>
+                          </a:rPr>
+                        </m:ctrlPr>
+                      </m:fPr>
+                      <m:num>
+                        <m:r>
+                          <a:rPr lang="en-US" b="0" i="1" smtClean="0">
+                            <a:latin typeface="Cambria Math" panose="02040503050406030204" pitchFamily="18" charset="0"/>
+                          </a:rPr>
+                          <m:t>𝑑</m:t>
+                        </m:r>
+                      </m:num>
+                      <m:den>
+                        <m:r>
+                          <a:rPr lang="en-US" b="0" i="1" smtClean="0">
+                            <a:latin typeface="Cambria Math" panose="02040503050406030204" pitchFamily="18" charset="0"/>
+                          </a:rPr>
+                          <m:t>𝑑𝑡</m:t>
+                        </m:r>
+                      </m:den>
+                    </m:f>
+                    <m:r>
+                      <a:rPr lang="en-US" b="0" i="1" smtClean="0">
+                        <a:latin typeface="Cambria Math" panose="02040503050406030204" pitchFamily="18" charset="0"/>
+                      </a:rPr>
+                      <m:t>(</m:t>
+                    </m:r>
+                    <m:r>
+                      <a:rPr lang="en-US" b="0" i="1" smtClean="0">
+                        <a:latin typeface="Cambria Math" panose="02040503050406030204" pitchFamily="18" charset="0"/>
+                      </a:rPr>
+                      <m:t>𝑧</m:t>
+                    </m:r>
+                    <m:acc>
+                      <m:accPr>
+                        <m:chr m:val="̅"/>
+                        <m:ctrlPr>
+                          <a:rPr lang="en-US" b="0" i="1" smtClean="0">
+                            <a:latin typeface="Cambria Math" panose="02040503050406030204" pitchFamily="18" charset="0"/>
+                          </a:rPr>
+                        </m:ctrlPr>
+                      </m:accPr>
+                      <m:e>
+                        <m:r>
+                          <a:rPr lang="en-US" b="0" i="1" smtClean="0">
+                            <a:latin typeface="Cambria Math" panose="02040503050406030204" pitchFamily="18" charset="0"/>
+                          </a:rPr>
+                          <m:t>𝑧</m:t>
+                        </m:r>
+                      </m:e>
+                    </m:acc>
+                  </m:oMath>
+                </a14:m>
+                <a:r>
+                  <a:rPr lang="en-US" dirty="0"/>
+                  <a:t>) = </a:t>
+                </a:r>
+                <a14:m>
+                  <m:oMath xmlns:m="http://schemas.openxmlformats.org/officeDocument/2006/math">
+                    <m:acc>
+                      <m:accPr>
+                        <m:chr m:val="̇"/>
+                        <m:ctrlPr>
+                          <a:rPr lang="en-US" i="1" smtClean="0">
+                            <a:latin typeface="Cambria Math" panose="02040503050406030204" pitchFamily="18" charset="0"/>
+                          </a:rPr>
+                        </m:ctrlPr>
+                      </m:accPr>
+                      <m:e>
+                        <m:r>
+                          <a:rPr lang="en-US" b="0" i="1" smtClean="0">
+                            <a:latin typeface="Cambria Math" panose="02040503050406030204" pitchFamily="18" charset="0"/>
+                          </a:rPr>
+                          <m:t>𝑧</m:t>
+                        </m:r>
+                      </m:e>
+                    </m:acc>
+                    <m:acc>
+                      <m:accPr>
+                        <m:chr m:val="̅"/>
+                        <m:ctrlPr>
+                          <a:rPr lang="en-US" i="1" smtClean="0">
+                            <a:latin typeface="Cambria Math" panose="02040503050406030204" pitchFamily="18" charset="0"/>
+                          </a:rPr>
+                        </m:ctrlPr>
+                      </m:accPr>
+                      <m:e>
+                        <m:r>
+                          <a:rPr lang="en-US" b="0" i="1" smtClean="0">
+                            <a:latin typeface="Cambria Math" panose="02040503050406030204" pitchFamily="18" charset="0"/>
+                          </a:rPr>
+                          <m:t>𝑧</m:t>
+                        </m:r>
+                      </m:e>
+                    </m:acc>
+                    <m:r>
+                      <a:rPr lang="en-US" b="0" i="1" smtClean="0">
+                        <a:latin typeface="Cambria Math" panose="02040503050406030204" pitchFamily="18" charset="0"/>
+                      </a:rPr>
+                      <m:t>+</m:t>
+                    </m:r>
+                    <m:r>
+                      <a:rPr lang="en-US" b="0" i="1" smtClean="0">
+                        <a:latin typeface="Cambria Math" panose="02040503050406030204" pitchFamily="18" charset="0"/>
+                      </a:rPr>
+                      <m:t>𝑧</m:t>
+                    </m:r>
+                    <m:acc>
+                      <m:accPr>
+                        <m:chr m:val="̇"/>
+                        <m:ctrlPr>
+                          <a:rPr lang="en-US" b="0" i="1" smtClean="0">
+                            <a:latin typeface="Cambria Math" panose="02040503050406030204" pitchFamily="18" charset="0"/>
+                          </a:rPr>
+                        </m:ctrlPr>
+                      </m:accPr>
+                      <m:e>
+                        <m:acc>
+                          <m:accPr>
+                            <m:chr m:val="̅"/>
+                            <m:ctrlPr>
+                              <a:rPr lang="en-US" b="0" i="1" smtClean="0">
+                                <a:latin typeface="Cambria Math" panose="02040503050406030204" pitchFamily="18" charset="0"/>
+                              </a:rPr>
+                            </m:ctrlPr>
+                          </m:accPr>
+                          <m:e>
+                            <m:r>
+                              <a:rPr lang="en-US" b="0" i="1" smtClean="0">
+                                <a:latin typeface="Cambria Math" panose="02040503050406030204" pitchFamily="18" charset="0"/>
+                              </a:rPr>
+                              <m:t>𝑧</m:t>
+                            </m:r>
+                          </m:e>
+                        </m:acc>
+                      </m:e>
+                    </m:acc>
+                  </m:oMath>
+                </a14:m>
+                <a:r>
+                  <a:rPr lang="en-US" dirty="0"/>
+                  <a:t> = 0</a:t>
+                </a:r>
+              </a:p>
+              <a:p>
+                <a:pPr marL="0" indent="0" algn="ctr">
+                  <a:buNone/>
+                </a:pPr>
+                <a:endParaRPr lang="en-US" dirty="0"/>
+              </a:p>
+              <a:p>
+                <a:r>
+                  <a:rPr lang="en-US" dirty="0"/>
+                  <a:t>Thus </a:t>
+                </a:r>
+                <a14:m>
+                  <m:oMath xmlns:m="http://schemas.openxmlformats.org/officeDocument/2006/math">
+                    <m:d>
+                      <m:dPr>
+                        <m:begChr m:val="|"/>
+                        <m:endChr m:val="|"/>
+                        <m:ctrlPr>
+                          <a:rPr lang="en-US" b="0" i="1" smtClean="0">
+                            <a:latin typeface="Cambria Math" panose="02040503050406030204" pitchFamily="18" charset="0"/>
+                          </a:rPr>
+                        </m:ctrlPr>
+                      </m:dPr>
+                      <m:e>
+                        <m:r>
+                          <a:rPr lang="en-US" b="0" i="1" smtClean="0">
+                            <a:latin typeface="Cambria Math" panose="02040503050406030204" pitchFamily="18" charset="0"/>
+                          </a:rPr>
+                          <m:t>𝑧</m:t>
+                        </m:r>
+                      </m:e>
+                    </m:d>
+                    <m:r>
+                      <a:rPr lang="en-US" b="0" i="1" smtClean="0">
+                        <a:latin typeface="Cambria Math" panose="02040503050406030204" pitchFamily="18" charset="0"/>
+                      </a:rPr>
+                      <m:t>=</m:t>
+                    </m:r>
+                    <m:d>
+                      <m:dPr>
+                        <m:begChr m:val="|"/>
+                        <m:endChr m:val="|"/>
+                        <m:ctrlPr>
+                          <a:rPr lang="en-US" b="0" i="1" smtClean="0">
+                            <a:latin typeface="Cambria Math" panose="02040503050406030204" pitchFamily="18" charset="0"/>
+                          </a:rPr>
+                        </m:ctrlPr>
+                      </m:dPr>
+                      <m:e>
+                        <m:r>
+                          <a:rPr lang="en-US" b="0" i="1" smtClean="0">
+                            <a:latin typeface="Cambria Math" panose="02040503050406030204" pitchFamily="18" charset="0"/>
+                          </a:rPr>
+                          <m:t>𝑦</m:t>
+                        </m:r>
+                        <m:sSup>
+                          <m:sSupPr>
+                            <m:ctrlPr>
+                              <a:rPr lang="en-US" b="0" i="1" smtClean="0">
+                                <a:latin typeface="Cambria Math" panose="02040503050406030204" pitchFamily="18" charset="0"/>
+                              </a:rPr>
+                            </m:ctrlPr>
+                          </m:sSupPr>
+                          <m:e>
+                            <m:r>
+                              <a:rPr lang="en-US" b="0" i="1" smtClean="0">
+                                <a:latin typeface="Cambria Math" panose="02040503050406030204" pitchFamily="18" charset="0"/>
+                              </a:rPr>
+                              <m:t>𝑥</m:t>
+                            </m:r>
+                          </m:e>
+                          <m:sup>
+                            <m:r>
+                              <a:rPr lang="en-US" b="0" i="1" smtClean="0">
+                                <a:latin typeface="Cambria Math" panose="02040503050406030204" pitchFamily="18" charset="0"/>
+                              </a:rPr>
+                              <m:t>−1</m:t>
+                            </m:r>
+                          </m:sup>
+                        </m:sSup>
+                      </m:e>
+                    </m:d>
+                    <m:r>
+                      <a:rPr lang="en-US" b="0" i="1" smtClean="0">
+                        <a:latin typeface="Cambria Math" panose="02040503050406030204" pitchFamily="18" charset="0"/>
+                      </a:rPr>
+                      <m:t>=</m:t>
+                    </m:r>
+                    <m:r>
+                      <a:rPr lang="en-US" b="0" i="1" smtClean="0">
+                        <a:latin typeface="Cambria Math" panose="02040503050406030204" pitchFamily="18" charset="0"/>
+                      </a:rPr>
+                      <m:t>𝑐𝑜𝑛𝑠𝑡𝑎𝑛𝑡</m:t>
+                    </m:r>
+                  </m:oMath>
+                </a14:m>
+                <a:br>
+                  <a:rPr lang="en-US" b="0" dirty="0"/>
+                </a:br>
+                <a:endParaRPr lang="en-US" dirty="0"/>
+              </a:p>
+              <a:p>
+                <a:pPr marL="0" indent="0">
+                  <a:buNone/>
+                </a:pPr>
+                <a:r>
+                  <a:rPr lang="en-US" dirty="0"/>
+                  <a:t> </a:t>
+                </a:r>
+              </a:p>
+              <a:p>
+                <a:endParaRPr lang="en-US" dirty="0"/>
+              </a:p>
+            </p:txBody>
+          </p:sp>
+        </mc:Choice>
+        <mc:Fallback>
+          <p:sp>
+            <p:nvSpPr>
+              <p:cNvPr id="3" name="Content Placeholder 2">
+                <a:extLst>
+                  <a:ext uri="{FF2B5EF4-FFF2-40B4-BE49-F238E27FC236}">
+                    <a16:creationId xmlns:a16="http://schemas.microsoft.com/office/drawing/2014/main" id="{6BBE3982-8844-4BC9-AB75-019745ED5E32}"/>
+                  </a:ext>
+                </a:extLst>
+              </p:cNvPr>
+              <p:cNvSpPr>
+                <a:spLocks noGrp="1" noRot="1" noChangeAspect="1" noMove="1" noResize="1" noEditPoints="1" noAdjustHandles="1" noChangeArrowheads="1" noChangeShapeType="1" noTextEdit="1"/>
+              </p:cNvSpPr>
+              <p:nvPr>
+                <p:ph idx="1"/>
+              </p:nvPr>
+            </p:nvSpPr>
+            <p:spPr>
+              <a:blipFill>
+                <a:blip r:embed="rId2"/>
+                <a:stretch>
+                  <a:fillRect l="-696" t="-2801"/>
+                </a:stretch>
+              </a:blipFill>
+            </p:spPr>
+            <p:txBody>
+              <a:bodyPr/>
+              <a:lstStyle/>
+              <a:p>
+                <a:r>
+                  <a:rPr lang="en-US">
+                    <a:noFill/>
+                  </a:rPr>
+                  <a:t> </a:t>
+                </a:r>
+              </a:p>
+            </p:txBody>
+          </p:sp>
+        </mc:Fallback>
+      </mc:AlternateContent>
+    </p:spTree>
+    <p:extLst>
+      <p:ext uri="{BB962C8B-B14F-4D97-AF65-F5344CB8AC3E}">
+        <p14:creationId xmlns:p14="http://schemas.microsoft.com/office/powerpoint/2010/main" val="704584386"/>
+      </p:ext>
+    </p:extLst>
+  </p:cSld>
+  <p:clrMapOvr>
+    <a:masterClrMapping/>
+  </p:clrMapOvr>
+</p:sld>
+</file>
+
+<file path=ppt/slides/slide14.xml><?xml version="1.0" encoding="utf-8"?>
+<p:sld xmlns:a="http://schemas.openxmlformats.org/drawingml/2006/main" xmlns:r="http://schemas.openxmlformats.org/officeDocument/2006/relationships" xmlns:p="http://schemas.openxmlformats.org/presentationml/2006/main">
+  <p:cSld>
+    <p:spTree>
+      <p:nvGrpSpPr>
+        <p:cNvPr id="1" name=""/>
+        <p:cNvGrpSpPr/>
+        <p:nvPr/>
+      </p:nvGrpSpPr>
+      <p:grpSpPr>
+        <a:xfrm>
+          <a:off x="0" y="0"/>
+          <a:ext cx="0" cy="0"/>
+          <a:chOff x="0" y="0"/>
+          <a:chExt cx="0" cy="0"/>
+        </a:xfrm>
+      </p:grpSpPr>
+      <p:sp>
+        <p:nvSpPr>
+          <p:cNvPr id="2" name="Title 1">
+            <a:extLst>
+              <a:ext uri="{FF2B5EF4-FFF2-40B4-BE49-F238E27FC236}">
+                <a16:creationId xmlns:a16="http://schemas.microsoft.com/office/drawing/2014/main" id="{AFE97056-4F5C-423D-BF91-50BB5E779932}"/>
+              </a:ext>
+            </a:extLst>
+          </p:cNvPr>
+          <p:cNvSpPr>
+            <a:spLocks noGrp="1"/>
+          </p:cNvSpPr>
+          <p:nvPr>
+            <p:ph type="title"/>
+          </p:nvPr>
+        </p:nvSpPr>
+        <p:spPr/>
+        <p:txBody>
+          <a:bodyPr/>
+          <a:lstStyle/>
+          <a:p>
+            <a:r>
+              <a:rPr lang="en-US" dirty="0"/>
+              <a:t>Generalized diagonalization</a:t>
+            </a:r>
+          </a:p>
+        </p:txBody>
+      </p:sp>
+      <mc:AlternateContent xmlns:mc="http://schemas.openxmlformats.org/markup-compatibility/2006">
+        <mc:Choice xmlns:a14="http://schemas.microsoft.com/office/drawing/2010/main" Requires="a14">
+          <p:sp>
+            <p:nvSpPr>
+              <p:cNvPr id="3" name="Content Placeholder 2">
+                <a:extLst>
+                  <a:ext uri="{FF2B5EF4-FFF2-40B4-BE49-F238E27FC236}">
+                    <a16:creationId xmlns:a16="http://schemas.microsoft.com/office/drawing/2014/main" id="{5761FD5D-0995-48A4-BCD1-15AD939B98CE}"/>
+                  </a:ext>
+                </a:extLst>
+              </p:cNvPr>
+              <p:cNvSpPr>
+                <a:spLocks noGrp="1"/>
+              </p:cNvSpPr>
+              <p:nvPr>
+                <p:ph idx="1"/>
+              </p:nvPr>
+            </p:nvSpPr>
+            <p:spPr/>
+            <p:txBody>
+              <a:bodyPr>
+                <a:normAutofit fontScale="92500" lnSpcReduction="10000"/>
+              </a:bodyPr>
+              <a:lstStyle/>
+              <a:p>
+                <a:r>
+                  <a:rPr lang="en-US" dirty="0"/>
+                  <a:t>Starting with</a:t>
+                </a:r>
+              </a:p>
+              <a:p>
+                <a:endParaRPr lang="en-US" dirty="0"/>
+              </a:p>
+              <a:p>
+                <a:pPr marL="0" indent="0" algn="ctr">
+                  <a:buNone/>
+                </a:pPr>
+                <a14:m>
+                  <m:oMath xmlns:m="http://schemas.openxmlformats.org/officeDocument/2006/math">
+                    <m:acc>
+                      <m:accPr>
+                        <m:chr m:val="̇"/>
+                        <m:ctrlPr>
+                          <a:rPr lang="en-US" i="1">
+                            <a:latin typeface="Cambria Math" panose="02040503050406030204" pitchFamily="18" charset="0"/>
+                          </a:rPr>
+                        </m:ctrlPr>
+                      </m:accPr>
+                      <m:e>
+                        <m:d>
+                          <m:dPr>
+                            <m:ctrlPr>
+                              <a:rPr lang="en-US" i="1">
+                                <a:latin typeface="Cambria Math" panose="02040503050406030204" pitchFamily="18" charset="0"/>
+                              </a:rPr>
+                            </m:ctrlPr>
+                          </m:dPr>
+                          <m:e>
+                            <m:m>
+                              <m:mPr>
+                                <m:mcs>
+                                  <m:mc>
+                                    <m:mcPr>
+                                      <m:count m:val="1"/>
+                                      <m:mcJc m:val="center"/>
+                                    </m:mcPr>
+                                  </m:mc>
+                                </m:mcs>
+                                <m:ctrlPr>
+                                  <a:rPr lang="en-US" i="1">
+                                    <a:latin typeface="Cambria Math" panose="02040503050406030204" pitchFamily="18" charset="0"/>
+                                  </a:rPr>
+                                </m:ctrlPr>
+                              </m:mPr>
+                              <m:mr>
+                                <m:e>
+                                  <m:r>
+                                    <m:rPr>
+                                      <m:brk m:alnAt="7"/>
+                                    </m:rPr>
+                                    <a:rPr lang="en-US" b="0" i="1" smtClean="0">
+                                      <a:latin typeface="Cambria Math" panose="02040503050406030204" pitchFamily="18" charset="0"/>
+                                    </a:rPr>
+                                    <m:t>𝑥</m:t>
+                                  </m:r>
+                                </m:e>
+                              </m:mr>
+                              <m:mr>
+                                <m:e>
+                                  <m:r>
+                                    <a:rPr lang="en-US" b="0" i="1" smtClean="0">
+                                      <a:latin typeface="Cambria Math" panose="02040503050406030204" pitchFamily="18" charset="0"/>
+                                    </a:rPr>
+                                    <m:t>𝑦</m:t>
+                                  </m:r>
+                                </m:e>
+                              </m:mr>
+                            </m:m>
+                          </m:e>
+                        </m:d>
+                      </m:e>
+                    </m:acc>
+                  </m:oMath>
+                </a14:m>
+                <a:r>
+                  <a:rPr lang="en-US" dirty="0"/>
+                  <a:t> = </a:t>
+                </a:r>
+                <a14:m>
+                  <m:oMath xmlns:m="http://schemas.openxmlformats.org/officeDocument/2006/math">
+                    <m:d>
+                      <m:dPr>
+                        <m:ctrlPr>
+                          <a:rPr lang="en-US" i="1">
+                            <a:latin typeface="Cambria Math" panose="02040503050406030204" pitchFamily="18" charset="0"/>
+                          </a:rPr>
+                        </m:ctrlPr>
+                      </m:dPr>
+                      <m:e>
+                        <m:m>
+                          <m:mPr>
+                            <m:mcs>
+                              <m:mc>
+                                <m:mcPr>
+                                  <m:count m:val="2"/>
+                                  <m:mcJc m:val="center"/>
+                                </m:mcPr>
+                              </m:mc>
+                            </m:mcs>
+                            <m:ctrlPr>
+                              <a:rPr lang="en-US" i="1">
+                                <a:latin typeface="Cambria Math" panose="02040503050406030204" pitchFamily="18" charset="0"/>
+                              </a:rPr>
+                            </m:ctrlPr>
+                          </m:mPr>
+                          <m:mr>
+                            <m:e>
+                              <m:r>
+                                <a:rPr lang="en-US" i="1">
+                                  <a:latin typeface="Cambria Math" panose="02040503050406030204" pitchFamily="18" charset="0"/>
+                                </a:rPr>
+                                <m:t>0</m:t>
+                              </m:r>
+                            </m:e>
+                            <m:e>
+                              <m:r>
+                                <a:rPr lang="en-US" i="1">
+                                  <a:latin typeface="Cambria Math" panose="02040503050406030204" pitchFamily="18" charset="0"/>
+                                  <a:ea typeface="Cambria Math" panose="02040503050406030204" pitchFamily="18" charset="0"/>
+                                </a:rPr>
+                                <m:t>𝑏</m:t>
+                              </m:r>
+                            </m:e>
+                          </m:mr>
+                          <m:mr>
+                            <m:e>
+                              <m:r>
+                                <a:rPr lang="en-US" i="1">
+                                  <a:latin typeface="Cambria Math" panose="02040503050406030204" pitchFamily="18" charset="0"/>
+                                </a:rPr>
+                                <m:t>−</m:t>
+                              </m:r>
+                              <m:r>
+                                <a:rPr lang="en-US" i="1">
+                                  <a:latin typeface="Cambria Math" panose="02040503050406030204" pitchFamily="18" charset="0"/>
+                                </a:rPr>
+                                <m:t>𝑏</m:t>
+                              </m:r>
+                            </m:e>
+                            <m:e>
+                              <m:r>
+                                <a:rPr lang="en-US" i="1">
+                                  <a:latin typeface="Cambria Math" panose="02040503050406030204" pitchFamily="18" charset="0"/>
+                                </a:rPr>
+                                <m:t>0</m:t>
+                              </m:r>
+                            </m:e>
+                          </m:mr>
+                        </m:m>
+                      </m:e>
+                    </m:d>
+                    <m:d>
+                      <m:dPr>
+                        <m:ctrlPr>
+                          <a:rPr lang="en-US" i="1">
+                            <a:latin typeface="Cambria Math" panose="02040503050406030204" pitchFamily="18" charset="0"/>
+                          </a:rPr>
+                        </m:ctrlPr>
+                      </m:dPr>
+                      <m:e>
+                        <m:m>
+                          <m:mPr>
+                            <m:mcs>
+                              <m:mc>
+                                <m:mcPr>
+                                  <m:count m:val="1"/>
+                                  <m:mcJc m:val="center"/>
+                                </m:mcPr>
+                              </m:mc>
+                            </m:mcs>
+                            <m:ctrlPr>
+                              <a:rPr lang="en-US" i="1">
+                                <a:latin typeface="Cambria Math" panose="02040503050406030204" pitchFamily="18" charset="0"/>
+                              </a:rPr>
+                            </m:ctrlPr>
+                          </m:mPr>
+                          <m:mr>
+                            <m:e>
+                              <m:r>
+                                <m:rPr>
+                                  <m:brk m:alnAt="7"/>
+                                </m:rPr>
+                                <a:rPr lang="en-US" b="0" i="1" smtClean="0">
+                                  <a:latin typeface="Cambria Math" panose="02040503050406030204" pitchFamily="18" charset="0"/>
+                                </a:rPr>
+                                <m:t>𝑥</m:t>
+                              </m:r>
+                            </m:e>
+                          </m:mr>
+                          <m:mr>
+                            <m:e>
+                              <m:r>
+                                <a:rPr lang="en-US" b="0" i="1" smtClean="0">
+                                  <a:latin typeface="Cambria Math" panose="02040503050406030204" pitchFamily="18" charset="0"/>
+                                </a:rPr>
+                                <m:t>𝑦</m:t>
+                              </m:r>
+                            </m:e>
+                          </m:mr>
+                        </m:m>
+                      </m:e>
+                    </m:d>
+                  </m:oMath>
+                </a14:m>
+                <a:r>
+                  <a:rPr lang="en-US" dirty="0"/>
+                  <a:t>, let </a:t>
+                </a:r>
+                <a14:m>
+                  <m:oMath xmlns:m="http://schemas.openxmlformats.org/officeDocument/2006/math">
+                    <m:r>
+                      <a:rPr lang="en-US" b="0" i="1" smtClean="0">
+                        <a:latin typeface="Cambria Math" panose="02040503050406030204" pitchFamily="18" charset="0"/>
+                      </a:rPr>
+                      <m:t>𝐴</m:t>
+                    </m:r>
+                    <m:r>
+                      <a:rPr lang="en-US" b="0" i="1" smtClean="0">
+                        <a:latin typeface="Cambria Math" panose="02040503050406030204" pitchFamily="18" charset="0"/>
+                      </a:rPr>
+                      <m:t>=</m:t>
+                    </m:r>
+                  </m:oMath>
+                </a14:m>
+                <a:r>
+                  <a:rPr lang="en-US" dirty="0"/>
+                  <a:t> </a:t>
+                </a:r>
+                <a14:m>
+                  <m:oMath xmlns:m="http://schemas.openxmlformats.org/officeDocument/2006/math">
+                    <m:d>
+                      <m:dPr>
+                        <m:ctrlPr>
+                          <a:rPr lang="en-US" i="1">
+                            <a:latin typeface="Cambria Math" panose="02040503050406030204" pitchFamily="18" charset="0"/>
+                          </a:rPr>
+                        </m:ctrlPr>
+                      </m:dPr>
+                      <m:e>
+                        <m:m>
+                          <m:mPr>
+                            <m:mcs>
+                              <m:mc>
+                                <m:mcPr>
+                                  <m:count m:val="2"/>
+                                  <m:mcJc m:val="center"/>
+                                </m:mcPr>
+                              </m:mc>
+                            </m:mcs>
+                            <m:ctrlPr>
+                              <a:rPr lang="en-US" i="1">
+                                <a:latin typeface="Cambria Math" panose="02040503050406030204" pitchFamily="18" charset="0"/>
+                              </a:rPr>
+                            </m:ctrlPr>
+                          </m:mPr>
+                          <m:mr>
+                            <m:e>
+                              <m:r>
+                                <a:rPr lang="en-US" i="1">
+                                  <a:latin typeface="Cambria Math" panose="02040503050406030204" pitchFamily="18" charset="0"/>
+                                </a:rPr>
+                                <m:t>0</m:t>
+                              </m:r>
+                            </m:e>
+                            <m:e>
+                              <m:r>
+                                <a:rPr lang="en-US" i="1">
+                                  <a:latin typeface="Cambria Math" panose="02040503050406030204" pitchFamily="18" charset="0"/>
+                                  <a:ea typeface="Cambria Math" panose="02040503050406030204" pitchFamily="18" charset="0"/>
+                                </a:rPr>
+                                <m:t>𝑏</m:t>
+                              </m:r>
+                            </m:e>
+                          </m:mr>
+                          <m:mr>
+                            <m:e>
+                              <m:r>
+                                <a:rPr lang="en-US" i="1">
+                                  <a:latin typeface="Cambria Math" panose="02040503050406030204" pitchFamily="18" charset="0"/>
+                                </a:rPr>
+                                <m:t>−</m:t>
+                              </m:r>
+                              <m:r>
+                                <a:rPr lang="en-US" i="1">
+                                  <a:latin typeface="Cambria Math" panose="02040503050406030204" pitchFamily="18" charset="0"/>
+                                </a:rPr>
+                                <m:t>𝑏</m:t>
+                              </m:r>
+                            </m:e>
+                            <m:e>
+                              <m:r>
+                                <a:rPr lang="en-US" i="1">
+                                  <a:latin typeface="Cambria Math" panose="02040503050406030204" pitchFamily="18" charset="0"/>
+                                </a:rPr>
+                                <m:t>0</m:t>
+                              </m:r>
+                            </m:e>
+                          </m:mr>
+                        </m:m>
+                      </m:e>
+                    </m:d>
+                  </m:oMath>
+                </a14:m>
+                <a:endParaRPr lang="en-US" dirty="0"/>
+              </a:p>
+              <a:p>
+                <a:pPr marL="0" indent="0" algn="ctr">
+                  <a:buNone/>
+                </a:pPr>
+                <a:endParaRPr lang="en-US" dirty="0"/>
+              </a:p>
+              <a:p>
+                <a:r>
+                  <a:rPr lang="en-US" dirty="0"/>
+                  <a:t>We want </a:t>
+                </a:r>
+                <a14:m>
+                  <m:oMath xmlns:m="http://schemas.openxmlformats.org/officeDocument/2006/math">
+                    <m:r>
+                      <a:rPr lang="en-US" b="0" i="1" smtClean="0">
+                        <a:latin typeface="Cambria Math" panose="02040503050406030204" pitchFamily="18" charset="0"/>
+                      </a:rPr>
+                      <m:t>𝐷</m:t>
+                    </m:r>
+                    <m:r>
+                      <a:rPr lang="en-US" b="0" i="1" smtClean="0">
+                        <a:latin typeface="Cambria Math" panose="02040503050406030204" pitchFamily="18" charset="0"/>
+                      </a:rPr>
+                      <m:t>=</m:t>
+                    </m:r>
+                    <m:r>
+                      <a:rPr lang="en-US" b="0" i="1" smtClean="0">
+                        <a:latin typeface="Cambria Math" panose="02040503050406030204" pitchFamily="18" charset="0"/>
+                      </a:rPr>
+                      <m:t>𝑇𝐴</m:t>
+                    </m:r>
+                    <m:sSup>
+                      <m:sSupPr>
+                        <m:ctrlPr>
+                          <a:rPr lang="en-US" b="0" i="1" smtClean="0">
+                            <a:latin typeface="Cambria Math" panose="02040503050406030204" pitchFamily="18" charset="0"/>
+                          </a:rPr>
+                        </m:ctrlPr>
+                      </m:sSupPr>
+                      <m:e>
+                        <m:r>
+                          <a:rPr lang="en-US" b="0" i="1" smtClean="0">
+                            <a:latin typeface="Cambria Math" panose="02040503050406030204" pitchFamily="18" charset="0"/>
+                          </a:rPr>
+                          <m:t>𝑇</m:t>
+                        </m:r>
+                      </m:e>
+                      <m:sup>
+                        <m:r>
+                          <a:rPr lang="en-US" b="0" i="1" smtClean="0">
+                            <a:latin typeface="Cambria Math" panose="02040503050406030204" pitchFamily="18" charset="0"/>
+                          </a:rPr>
+                          <m:t>−1</m:t>
+                        </m:r>
+                      </m:sup>
+                    </m:sSup>
+                  </m:oMath>
+                </a14:m>
+                <a:r>
+                  <a:rPr lang="en-US" dirty="0"/>
+                  <a:t>, where </a:t>
+                </a:r>
+                <a14:m>
+                  <m:oMath xmlns:m="http://schemas.openxmlformats.org/officeDocument/2006/math">
+                    <m:r>
+                      <a:rPr lang="en-US" b="0" i="1" smtClean="0">
+                        <a:latin typeface="Cambria Math" panose="02040503050406030204" pitchFamily="18" charset="0"/>
+                      </a:rPr>
+                      <m:t>𝐷</m:t>
+                    </m:r>
+                  </m:oMath>
+                </a14:m>
+                <a:r>
+                  <a:rPr lang="en-US" dirty="0"/>
+                  <a:t> </a:t>
+                </a:r>
+                <a14:m>
+                  <m:oMath xmlns:m="http://schemas.openxmlformats.org/officeDocument/2006/math">
+                    <m:r>
+                      <m:rPr>
+                        <m:sty m:val="p"/>
+                      </m:rPr>
+                      <a:rPr lang="en-US" i="0">
+                        <a:latin typeface="Cambria Math" panose="02040503050406030204" pitchFamily="18" charset="0"/>
+                      </a:rPr>
+                      <m:t>is</m:t>
+                    </m:r>
+                    <m:r>
+                      <a:rPr lang="en-US" i="0">
+                        <a:latin typeface="Cambria Math" panose="02040503050406030204" pitchFamily="18" charset="0"/>
+                      </a:rPr>
+                      <m:t> </m:t>
+                    </m:r>
+                    <m:r>
+                      <m:rPr>
+                        <m:sty m:val="p"/>
+                      </m:rPr>
+                      <a:rPr lang="en-US" i="0">
+                        <a:latin typeface="Cambria Math" panose="02040503050406030204" pitchFamily="18" charset="0"/>
+                      </a:rPr>
+                      <m:t>a</m:t>
+                    </m:r>
+                    <m:r>
+                      <a:rPr lang="en-US" i="0">
+                        <a:latin typeface="Cambria Math" panose="02040503050406030204" pitchFamily="18" charset="0"/>
+                      </a:rPr>
+                      <m:t> </m:t>
+                    </m:r>
+                    <m:r>
+                      <m:rPr>
+                        <m:sty m:val="p"/>
+                      </m:rPr>
+                      <a:rPr lang="en-US" i="0">
+                        <a:latin typeface="Cambria Math" panose="02040503050406030204" pitchFamily="18" charset="0"/>
+                      </a:rPr>
+                      <m:t>diagonal</m:t>
+                    </m:r>
+                    <m:r>
+                      <a:rPr lang="en-US" i="0">
+                        <a:latin typeface="Cambria Math" panose="02040503050406030204" pitchFamily="18" charset="0"/>
+                      </a:rPr>
+                      <m:t> </m:t>
+                    </m:r>
+                    <m:r>
+                      <m:rPr>
+                        <m:sty m:val="p"/>
+                      </m:rPr>
+                      <a:rPr lang="en-US" i="0">
+                        <a:latin typeface="Cambria Math" panose="02040503050406030204" pitchFamily="18" charset="0"/>
+                      </a:rPr>
+                      <m:t>matrix</m:t>
+                    </m:r>
+                  </m:oMath>
+                </a14:m>
+                <a:r>
+                  <a:rPr lang="en-US" dirty="0"/>
+                  <a:t>.</a:t>
+                </a:r>
+              </a:p>
+              <a:p>
+                <a:r>
+                  <a:rPr lang="en-US" dirty="0"/>
+                  <a:t>We can then do:</a:t>
+                </a:r>
+              </a:p>
+              <a:p>
+                <a:endParaRPr lang="en-US" dirty="0"/>
+              </a:p>
+              <a:p>
+                <a:pPr marL="0" indent="0" algn="ctr">
+                  <a:buNone/>
+                </a:pPr>
+                <a14:m>
+                  <m:oMath xmlns:m="http://schemas.openxmlformats.org/officeDocument/2006/math">
+                    <m:r>
+                      <a:rPr lang="en-US" b="0" i="1" smtClean="0">
+                        <a:latin typeface="Cambria Math" panose="02040503050406030204" pitchFamily="18" charset="0"/>
+                      </a:rPr>
+                      <m:t>𝑇</m:t>
+                    </m:r>
+                    <m:acc>
+                      <m:accPr>
+                        <m:chr m:val="̇"/>
+                        <m:ctrlPr>
+                          <a:rPr lang="en-US" i="1">
+                            <a:latin typeface="Cambria Math" panose="02040503050406030204" pitchFamily="18" charset="0"/>
+                          </a:rPr>
+                        </m:ctrlPr>
+                      </m:accPr>
+                      <m:e>
+                        <m:d>
+                          <m:dPr>
+                            <m:ctrlPr>
+                              <a:rPr lang="en-US" i="1">
+                                <a:latin typeface="Cambria Math" panose="02040503050406030204" pitchFamily="18" charset="0"/>
+                              </a:rPr>
+                            </m:ctrlPr>
+                          </m:dPr>
+                          <m:e>
+                            <m:m>
+                              <m:mPr>
+                                <m:mcs>
+                                  <m:mc>
+                                    <m:mcPr>
+                                      <m:count m:val="1"/>
+                                      <m:mcJc m:val="center"/>
+                                    </m:mcPr>
+                                  </m:mc>
+                                </m:mcs>
+                                <m:ctrlPr>
+                                  <a:rPr lang="en-US" i="1">
+                                    <a:latin typeface="Cambria Math" panose="02040503050406030204" pitchFamily="18" charset="0"/>
+                                  </a:rPr>
+                                </m:ctrlPr>
+                              </m:mPr>
+                              <m:mr>
+                                <m:e>
+                                  <m:r>
+                                    <m:rPr>
+                                      <m:brk m:alnAt="7"/>
+                                    </m:rPr>
+                                    <a:rPr lang="en-US" b="0" i="1" smtClean="0">
+                                      <a:latin typeface="Cambria Math" panose="02040503050406030204" pitchFamily="18" charset="0"/>
+                                    </a:rPr>
+                                    <m:t>𝑥</m:t>
+                                  </m:r>
+                                </m:e>
+                              </m:mr>
+                              <m:mr>
+                                <m:e>
+                                  <m:r>
+                                    <a:rPr lang="en-US" b="0" i="1" smtClean="0">
+                                      <a:latin typeface="Cambria Math" panose="02040503050406030204" pitchFamily="18" charset="0"/>
+                                    </a:rPr>
+                                    <m:t>𝑦</m:t>
+                                  </m:r>
+                                </m:e>
+                              </m:mr>
+                            </m:m>
+                          </m:e>
+                        </m:d>
+                      </m:e>
+                    </m:acc>
+                    <m:r>
+                      <a:rPr lang="en-US" b="0" i="1" smtClean="0">
+                        <a:latin typeface="Cambria Math" panose="02040503050406030204" pitchFamily="18" charset="0"/>
+                      </a:rPr>
+                      <m:t>=</m:t>
+                    </m:r>
+                  </m:oMath>
+                </a14:m>
+                <a:r>
+                  <a:rPr lang="en-US" dirty="0"/>
+                  <a:t> </a:t>
+                </a:r>
+                <a:r>
+                  <a:rPr lang="en-US" i="1" dirty="0"/>
+                  <a:t> </a:t>
+                </a:r>
+                <a14:m>
+                  <m:oMath xmlns:m="http://schemas.openxmlformats.org/officeDocument/2006/math">
+                    <m:r>
+                      <a:rPr lang="en-US" b="0" i="1" smtClean="0">
+                        <a:latin typeface="Cambria Math" panose="02040503050406030204" pitchFamily="18" charset="0"/>
+                      </a:rPr>
+                      <m:t>𝑇</m:t>
+                    </m:r>
+                    <m:d>
+                      <m:dPr>
+                        <m:ctrlPr>
+                          <a:rPr lang="en-US" i="1">
+                            <a:latin typeface="Cambria Math" panose="02040503050406030204" pitchFamily="18" charset="0"/>
+                          </a:rPr>
+                        </m:ctrlPr>
+                      </m:dPr>
+                      <m:e>
+                        <m:m>
+                          <m:mPr>
+                            <m:mcs>
+                              <m:mc>
+                                <m:mcPr>
+                                  <m:count m:val="2"/>
+                                  <m:mcJc m:val="center"/>
+                                </m:mcPr>
+                              </m:mc>
+                            </m:mcs>
+                            <m:ctrlPr>
+                              <a:rPr lang="en-US" i="1">
+                                <a:latin typeface="Cambria Math" panose="02040503050406030204" pitchFamily="18" charset="0"/>
+                              </a:rPr>
+                            </m:ctrlPr>
+                          </m:mPr>
+                          <m:mr>
+                            <m:e>
+                              <m:r>
+                                <a:rPr lang="en-US" i="1">
+                                  <a:latin typeface="Cambria Math" panose="02040503050406030204" pitchFamily="18" charset="0"/>
+                                </a:rPr>
+                                <m:t>0</m:t>
+                              </m:r>
+                            </m:e>
+                            <m:e>
+                              <m:r>
+                                <a:rPr lang="en-US" i="1">
+                                  <a:latin typeface="Cambria Math" panose="02040503050406030204" pitchFamily="18" charset="0"/>
+                                  <a:ea typeface="Cambria Math" panose="02040503050406030204" pitchFamily="18" charset="0"/>
+                                </a:rPr>
+                                <m:t>𝑏</m:t>
+                              </m:r>
+                            </m:e>
+                          </m:mr>
+                          <m:mr>
+                            <m:e>
+                              <m:r>
+                                <a:rPr lang="en-US" i="1">
+                                  <a:latin typeface="Cambria Math" panose="02040503050406030204" pitchFamily="18" charset="0"/>
+                                </a:rPr>
+                                <m:t>−</m:t>
+                              </m:r>
+                              <m:r>
+                                <a:rPr lang="en-US" i="1">
+                                  <a:latin typeface="Cambria Math" panose="02040503050406030204" pitchFamily="18" charset="0"/>
+                                </a:rPr>
+                                <m:t>𝑏</m:t>
+                              </m:r>
+                            </m:e>
+                            <m:e>
+                              <m:r>
+                                <a:rPr lang="en-US" i="1">
+                                  <a:latin typeface="Cambria Math" panose="02040503050406030204" pitchFamily="18" charset="0"/>
+                                </a:rPr>
+                                <m:t>0</m:t>
+                              </m:r>
+                            </m:e>
+                          </m:mr>
+                        </m:m>
+                      </m:e>
+                    </m:d>
+                    <m:sSup>
+                      <m:sSupPr>
+                        <m:ctrlPr>
+                          <a:rPr lang="en-US" b="0" i="1" smtClean="0">
+                            <a:latin typeface="Cambria Math" panose="02040503050406030204" pitchFamily="18" charset="0"/>
+                          </a:rPr>
+                        </m:ctrlPr>
+                      </m:sSupPr>
+                      <m:e>
+                        <m:r>
+                          <a:rPr lang="en-US" b="0" i="1" smtClean="0">
+                            <a:latin typeface="Cambria Math" panose="02040503050406030204" pitchFamily="18" charset="0"/>
+                          </a:rPr>
+                          <m:t>𝑇</m:t>
+                        </m:r>
+                      </m:e>
+                      <m:sup>
+                        <m:r>
+                          <a:rPr lang="en-US" b="0" i="1" smtClean="0">
+                            <a:latin typeface="Cambria Math" panose="02040503050406030204" pitchFamily="18" charset="0"/>
+                          </a:rPr>
+                          <m:t>−1</m:t>
+                        </m:r>
+                      </m:sup>
+                    </m:sSup>
+                    <m:r>
+                      <a:rPr lang="en-US" b="0" i="1" smtClean="0">
+                        <a:latin typeface="Cambria Math" panose="02040503050406030204" pitchFamily="18" charset="0"/>
+                      </a:rPr>
+                      <m:t>𝑇</m:t>
+                    </m:r>
+                    <m:d>
+                      <m:dPr>
+                        <m:ctrlPr>
+                          <a:rPr lang="en-US" i="1">
+                            <a:latin typeface="Cambria Math" panose="02040503050406030204" pitchFamily="18" charset="0"/>
+                          </a:rPr>
+                        </m:ctrlPr>
+                      </m:dPr>
+                      <m:e>
+                        <m:m>
+                          <m:mPr>
+                            <m:mcs>
+                              <m:mc>
+                                <m:mcPr>
+                                  <m:count m:val="1"/>
+                                  <m:mcJc m:val="center"/>
+                                </m:mcPr>
+                              </m:mc>
+                            </m:mcs>
+                            <m:ctrlPr>
+                              <a:rPr lang="en-US" i="1">
+                                <a:latin typeface="Cambria Math" panose="02040503050406030204" pitchFamily="18" charset="0"/>
+                              </a:rPr>
+                            </m:ctrlPr>
+                          </m:mPr>
+                          <m:mr>
+                            <m:e>
+                              <m:r>
+                                <m:rPr>
+                                  <m:brk m:alnAt="7"/>
+                                </m:rPr>
+                                <a:rPr lang="en-US" b="0" i="1" smtClean="0">
+                                  <a:latin typeface="Cambria Math" panose="02040503050406030204" pitchFamily="18" charset="0"/>
+                                </a:rPr>
+                                <m:t>𝑥</m:t>
+                              </m:r>
+                            </m:e>
+                          </m:mr>
+                          <m:mr>
+                            <m:e>
+                              <m:r>
+                                <a:rPr lang="en-US" b="0" i="1" smtClean="0">
+                                  <a:latin typeface="Cambria Math" panose="02040503050406030204" pitchFamily="18" charset="0"/>
+                                </a:rPr>
+                                <m:t>𝑦</m:t>
+                              </m:r>
+                            </m:e>
+                          </m:mr>
+                        </m:m>
+                      </m:e>
+                    </m:d>
+                    <m:r>
+                      <a:rPr lang="en-US" i="1">
+                        <a:latin typeface="Cambria Math" panose="02040503050406030204" pitchFamily="18" charset="0"/>
+                        <a:ea typeface="Cambria Math" panose="02040503050406030204" pitchFamily="18" charset="0"/>
+                      </a:rPr>
+                      <m:t>↔</m:t>
+                    </m:r>
+                  </m:oMath>
+                </a14:m>
+                <a:r>
+                  <a:rPr lang="en-US" dirty="0"/>
+                  <a:t> </a:t>
+                </a:r>
+                <a14:m>
+                  <m:oMath xmlns:m="http://schemas.openxmlformats.org/officeDocument/2006/math">
+                    <m:r>
+                      <a:rPr lang="en-US" i="1" dirty="0">
+                        <a:latin typeface="Cambria Math" panose="02040503050406030204" pitchFamily="18" charset="0"/>
+                      </a:rPr>
+                      <m:t>𝑇</m:t>
+                    </m:r>
+                    <m:acc>
+                      <m:accPr>
+                        <m:chr m:val="̇"/>
+                        <m:ctrlPr>
+                          <a:rPr lang="en-US" i="1">
+                            <a:latin typeface="Cambria Math" panose="02040503050406030204" pitchFamily="18" charset="0"/>
+                          </a:rPr>
+                        </m:ctrlPr>
+                      </m:accPr>
+                      <m:e>
+                        <m:d>
+                          <m:dPr>
+                            <m:ctrlPr>
+                              <a:rPr lang="en-US" i="1">
+                                <a:latin typeface="Cambria Math" panose="02040503050406030204" pitchFamily="18" charset="0"/>
+                              </a:rPr>
+                            </m:ctrlPr>
+                          </m:dPr>
+                          <m:e>
+                            <m:m>
+                              <m:mPr>
+                                <m:mcs>
+                                  <m:mc>
+                                    <m:mcPr>
+                                      <m:count m:val="1"/>
+                                      <m:mcJc m:val="center"/>
+                                    </m:mcPr>
+                                  </m:mc>
+                                </m:mcs>
+                                <m:ctrlPr>
+                                  <a:rPr lang="en-US" i="1">
+                                    <a:latin typeface="Cambria Math" panose="02040503050406030204" pitchFamily="18" charset="0"/>
+                                  </a:rPr>
+                                </m:ctrlPr>
+                              </m:mPr>
+                              <m:mr>
+                                <m:e>
+                                  <m:r>
+                                    <m:rPr>
+                                      <m:brk m:alnAt="7"/>
+                                    </m:rPr>
+                                    <a:rPr lang="en-US" b="0" i="1" smtClean="0">
+                                      <a:latin typeface="Cambria Math" panose="02040503050406030204" pitchFamily="18" charset="0"/>
+                                    </a:rPr>
+                                    <m:t>𝑥</m:t>
+                                  </m:r>
+                                </m:e>
+                              </m:mr>
+                              <m:mr>
+                                <m:e>
+                                  <m:r>
+                                    <a:rPr lang="en-US" b="0" i="1" smtClean="0">
+                                      <a:latin typeface="Cambria Math" panose="02040503050406030204" pitchFamily="18" charset="0"/>
+                                    </a:rPr>
+                                    <m:t>𝑦</m:t>
+                                  </m:r>
+                                </m:e>
+                              </m:mr>
+                            </m:m>
+                          </m:e>
+                        </m:d>
+                      </m:e>
+                    </m:acc>
+                    <m:r>
+                      <a:rPr lang="en-US" b="0" i="1" smtClean="0">
+                        <a:latin typeface="Cambria Math" panose="02040503050406030204" pitchFamily="18" charset="0"/>
+                      </a:rPr>
+                      <m:t>=</m:t>
+                    </m:r>
+                    <m:r>
+                      <a:rPr lang="en-US" b="0" i="1" smtClean="0">
+                        <a:latin typeface="Cambria Math" panose="02040503050406030204" pitchFamily="18" charset="0"/>
+                      </a:rPr>
+                      <m:t>𝐷𝑇</m:t>
+                    </m:r>
+                    <m:d>
+                      <m:dPr>
+                        <m:ctrlPr>
+                          <a:rPr lang="en-US" i="1">
+                            <a:latin typeface="Cambria Math" panose="02040503050406030204" pitchFamily="18" charset="0"/>
+                          </a:rPr>
+                        </m:ctrlPr>
+                      </m:dPr>
+                      <m:e>
+                        <m:m>
+                          <m:mPr>
+                            <m:mcs>
+                              <m:mc>
+                                <m:mcPr>
+                                  <m:count m:val="1"/>
+                                  <m:mcJc m:val="center"/>
+                                </m:mcPr>
+                              </m:mc>
+                            </m:mcs>
+                            <m:ctrlPr>
+                              <a:rPr lang="en-US" i="1">
+                                <a:latin typeface="Cambria Math" panose="02040503050406030204" pitchFamily="18" charset="0"/>
+                              </a:rPr>
+                            </m:ctrlPr>
+                          </m:mPr>
+                          <m:mr>
+                            <m:e>
+                              <m:r>
+                                <m:rPr>
+                                  <m:brk m:alnAt="7"/>
+                                </m:rPr>
+                                <a:rPr lang="en-US" b="0" i="1" smtClean="0">
+                                  <a:latin typeface="Cambria Math" panose="02040503050406030204" pitchFamily="18" charset="0"/>
+                                </a:rPr>
+                                <m:t>𝑥</m:t>
+                              </m:r>
+                            </m:e>
+                          </m:mr>
+                          <m:mr>
+                            <m:e>
+                              <m:r>
+                                <a:rPr lang="en-US" b="0" i="1" smtClean="0">
+                                  <a:latin typeface="Cambria Math" panose="02040503050406030204" pitchFamily="18" charset="0"/>
+                                </a:rPr>
+                                <m:t>𝑦</m:t>
+                              </m:r>
+                            </m:e>
+                          </m:mr>
+                        </m:m>
+                      </m:e>
+                    </m:d>
+                  </m:oMath>
+                </a14:m>
+                <a:endParaRPr lang="en-US" dirty="0"/>
+              </a:p>
+            </p:txBody>
+          </p:sp>
+        </mc:Choice>
+        <mc:Fallback>
+          <p:sp>
+            <p:nvSpPr>
+              <p:cNvPr id="3" name="Content Placeholder 2">
+                <a:extLst>
+                  <a:ext uri="{FF2B5EF4-FFF2-40B4-BE49-F238E27FC236}">
+                    <a16:creationId xmlns:a16="http://schemas.microsoft.com/office/drawing/2014/main" id="{5761FD5D-0995-48A4-BCD1-15AD939B98CE}"/>
+                  </a:ext>
+                </a:extLst>
+              </p:cNvPr>
+              <p:cNvSpPr>
+                <a:spLocks noGrp="1" noRot="1" noChangeAspect="1" noMove="1" noResize="1" noEditPoints="1" noAdjustHandles="1" noChangeArrowheads="1" noChangeShapeType="1" noTextEdit="1"/>
+              </p:cNvSpPr>
+              <p:nvPr>
+                <p:ph idx="1"/>
+              </p:nvPr>
+            </p:nvSpPr>
+            <p:spPr>
+              <a:blipFill>
+                <a:blip r:embed="rId2"/>
+                <a:stretch>
+                  <a:fillRect l="-928" t="-2801"/>
+                </a:stretch>
+              </a:blipFill>
+            </p:spPr>
+            <p:txBody>
+              <a:bodyPr/>
+              <a:lstStyle/>
+              <a:p>
+                <a:r>
+                  <a:rPr lang="en-US">
+                    <a:noFill/>
+                  </a:rPr>
+                  <a:t> </a:t>
+                </a:r>
+              </a:p>
+            </p:txBody>
+          </p:sp>
+        </mc:Fallback>
+      </mc:AlternateContent>
+    </p:spTree>
+    <p:extLst>
+      <p:ext uri="{BB962C8B-B14F-4D97-AF65-F5344CB8AC3E}">
+        <p14:creationId xmlns:p14="http://schemas.microsoft.com/office/powerpoint/2010/main" val="1794047556"/>
+      </p:ext>
+    </p:extLst>
+  </p:cSld>
+  <p:clrMapOvr>
+    <a:masterClrMapping/>
+  </p:clrMapOvr>
+</p:sld>
+</file>
+
+<file path=ppt/slides/slide15.xml><?xml version="1.0" encoding="utf-8"?>
+<p:sld xmlns:a="http://schemas.openxmlformats.org/drawingml/2006/main" xmlns:r="http://schemas.openxmlformats.org/officeDocument/2006/relationships" xmlns:p="http://schemas.openxmlformats.org/presentationml/2006/main">
+  <p:cSld>
+    <p:spTree>
+      <p:nvGrpSpPr>
+        <p:cNvPr id="1" name=""/>
+        <p:cNvGrpSpPr/>
+        <p:nvPr/>
+      </p:nvGrpSpPr>
+      <p:grpSpPr>
+        <a:xfrm>
+          <a:off x="0" y="0"/>
+          <a:ext cx="0" cy="0"/>
+          <a:chOff x="0" y="0"/>
+          <a:chExt cx="0" cy="0"/>
+        </a:xfrm>
+      </p:grpSpPr>
+      <p:sp>
+        <p:nvSpPr>
+          <p:cNvPr id="2" name="Title 1">
+            <a:extLst>
+              <a:ext uri="{FF2B5EF4-FFF2-40B4-BE49-F238E27FC236}">
+                <a16:creationId xmlns:a16="http://schemas.microsoft.com/office/drawing/2014/main" id="{1BE25A26-7B97-4EE6-A01F-088BD7CC0951}"/>
+              </a:ext>
+            </a:extLst>
+          </p:cNvPr>
+          <p:cNvSpPr>
+            <a:spLocks noGrp="1"/>
+          </p:cNvSpPr>
+          <p:nvPr>
+            <p:ph type="title"/>
+          </p:nvPr>
+        </p:nvSpPr>
+        <p:spPr/>
+        <p:txBody>
+          <a:bodyPr/>
+          <a:lstStyle/>
+          <a:p>
+            <a:r>
+              <a:rPr lang="en-US" dirty="0"/>
+              <a:t>Generalize Diagonalization cont.</a:t>
+            </a:r>
+          </a:p>
+        </p:txBody>
+      </p:sp>
+      <mc:AlternateContent xmlns:mc="http://schemas.openxmlformats.org/markup-compatibility/2006">
+        <mc:Choice xmlns:a14="http://schemas.microsoft.com/office/drawing/2010/main" Requires="a14">
+          <p:sp>
+            <p:nvSpPr>
+              <p:cNvPr id="3" name="Content Placeholder 2">
+                <a:extLst>
+                  <a:ext uri="{FF2B5EF4-FFF2-40B4-BE49-F238E27FC236}">
+                    <a16:creationId xmlns:a16="http://schemas.microsoft.com/office/drawing/2014/main" id="{13437F14-7C44-48F1-BCE7-63B28135DE1C}"/>
+                  </a:ext>
+                </a:extLst>
+              </p:cNvPr>
+              <p:cNvSpPr>
+                <a:spLocks noGrp="1"/>
+              </p:cNvSpPr>
+              <p:nvPr>
+                <p:ph idx="1"/>
+              </p:nvPr>
+            </p:nvSpPr>
+            <p:spPr/>
+            <p:txBody>
+              <a:bodyPr/>
+              <a:lstStyle/>
+              <a:p>
+                <a:pPr marL="0" indent="0">
+                  <a:buNone/>
+                </a:pPr>
+                <a14:m>
+                  <m:oMathPara xmlns:m="http://schemas.openxmlformats.org/officeDocument/2006/math">
+                    <m:oMathParaPr>
+                      <m:jc m:val="centerGroup"/>
+                    </m:oMathParaPr>
+                    <m:oMath xmlns:m="http://schemas.openxmlformats.org/officeDocument/2006/math">
+                      <m:r>
+                        <a:rPr lang="en-US" b="0" i="1" smtClean="0">
+                          <a:latin typeface="Cambria Math" panose="02040503050406030204" pitchFamily="18" charset="0"/>
+                        </a:rPr>
+                        <m:t>𝑇</m:t>
+                      </m:r>
+                      <m:acc>
+                        <m:accPr>
+                          <m:chr m:val="̇"/>
+                          <m:ctrlPr>
+                            <a:rPr lang="en-US" i="1" smtClean="0">
+                              <a:latin typeface="Cambria Math" panose="02040503050406030204" pitchFamily="18" charset="0"/>
+                            </a:rPr>
+                          </m:ctrlPr>
+                        </m:accPr>
+                        <m:e>
+                          <m:d>
+                            <m:dPr>
+                              <m:ctrlPr>
+                                <a:rPr lang="en-US" i="1">
+                                  <a:latin typeface="Cambria Math" panose="02040503050406030204" pitchFamily="18" charset="0"/>
+                                </a:rPr>
+                              </m:ctrlPr>
+                            </m:dPr>
+                            <m:e>
+                              <m:m>
+                                <m:mPr>
+                                  <m:mcs>
+                                    <m:mc>
+                                      <m:mcPr>
+                                        <m:count m:val="1"/>
+                                        <m:mcJc m:val="center"/>
+                                      </m:mcPr>
+                                    </m:mc>
+                                  </m:mcs>
+                                  <m:ctrlPr>
+                                    <a:rPr lang="en-US" i="1">
+                                      <a:latin typeface="Cambria Math" panose="02040503050406030204" pitchFamily="18" charset="0"/>
+                                    </a:rPr>
+                                  </m:ctrlPr>
+                                </m:mPr>
+                                <m:mr>
+                                  <m:e>
+                                    <m:r>
+                                      <m:rPr>
+                                        <m:brk m:alnAt="7"/>
+                                      </m:rPr>
+                                      <a:rPr lang="en-US" i="1">
+                                        <a:latin typeface="Cambria Math" panose="02040503050406030204" pitchFamily="18" charset="0"/>
+                                      </a:rPr>
+                                      <m:t>𝑦</m:t>
+                                    </m:r>
+                                  </m:e>
+                                </m:mr>
+                                <m:mr>
+                                  <m:e>
+                                    <m:r>
+                                      <a:rPr lang="en-US" i="1">
+                                        <a:latin typeface="Cambria Math" panose="02040503050406030204" pitchFamily="18" charset="0"/>
+                                      </a:rPr>
+                                      <m:t>𝑥</m:t>
+                                    </m:r>
+                                  </m:e>
+                                </m:mr>
+                              </m:m>
+                            </m:e>
+                          </m:d>
+                        </m:e>
+                      </m:acc>
+                      <m:r>
+                        <a:rPr lang="en-US" b="0" i="1" smtClean="0">
+                          <a:latin typeface="Cambria Math" panose="02040503050406030204" pitchFamily="18" charset="0"/>
+                        </a:rPr>
+                        <m:t>=</m:t>
+                      </m:r>
+                      <m:r>
+                        <a:rPr lang="en-US" b="0" i="1" smtClean="0">
+                          <a:latin typeface="Cambria Math" panose="02040503050406030204" pitchFamily="18" charset="0"/>
+                        </a:rPr>
+                        <m:t>𝐷𝑇</m:t>
+                      </m:r>
+                      <m:d>
+                        <m:dPr>
+                          <m:ctrlPr>
+                            <a:rPr lang="en-US" i="1">
+                              <a:latin typeface="Cambria Math" panose="02040503050406030204" pitchFamily="18" charset="0"/>
+                            </a:rPr>
+                          </m:ctrlPr>
+                        </m:dPr>
+                        <m:e>
+                          <m:m>
+                            <m:mPr>
+                              <m:mcs>
+                                <m:mc>
+                                  <m:mcPr>
+                                    <m:count m:val="1"/>
+                                    <m:mcJc m:val="center"/>
+                                  </m:mcPr>
+                                </m:mc>
+                              </m:mcs>
+                              <m:ctrlPr>
+                                <a:rPr lang="en-US" i="1">
+                                  <a:latin typeface="Cambria Math" panose="02040503050406030204" pitchFamily="18" charset="0"/>
+                                </a:rPr>
+                              </m:ctrlPr>
+                            </m:mPr>
+                            <m:mr>
+                              <m:e>
+                                <m:r>
+                                  <m:rPr>
+                                    <m:brk m:alnAt="7"/>
+                                  </m:rPr>
+                                  <a:rPr lang="en-US" i="1">
+                                    <a:latin typeface="Cambria Math" panose="02040503050406030204" pitchFamily="18" charset="0"/>
+                                  </a:rPr>
+                                  <m:t>𝑦</m:t>
+                                </m:r>
+                              </m:e>
+                            </m:mr>
+                            <m:mr>
+                              <m:e>
+                                <m:r>
+                                  <a:rPr lang="en-US" i="1">
+                                    <a:latin typeface="Cambria Math" panose="02040503050406030204" pitchFamily="18" charset="0"/>
+                                  </a:rPr>
+                                  <m:t>𝑥</m:t>
+                                </m:r>
+                              </m:e>
+                            </m:mr>
+                          </m:m>
+                        </m:e>
+                      </m:d>
+                    </m:oMath>
+                  </m:oMathPara>
+                </a14:m>
+                <a:endParaRPr lang="en-US" dirty="0"/>
+              </a:p>
+              <a:p>
+                <a:pPr marL="0" indent="0">
+                  <a:buNone/>
+                </a:pPr>
+                <a:r>
+                  <a:rPr lang="en-US" dirty="0"/>
+                  <a:t>Now let </a:t>
+                </a:r>
+                <a14:m>
+                  <m:oMath xmlns:m="http://schemas.openxmlformats.org/officeDocument/2006/math">
+                    <m:d>
+                      <m:dPr>
+                        <m:ctrlPr>
+                          <a:rPr lang="en-US" i="1" smtClean="0">
+                            <a:latin typeface="Cambria Math" panose="02040503050406030204" pitchFamily="18" charset="0"/>
+                          </a:rPr>
+                        </m:ctrlPr>
+                      </m:dPr>
+                      <m:e>
+                        <m:m>
+                          <m:mPr>
+                            <m:mcs>
+                              <m:mc>
+                                <m:mcPr>
+                                  <m:count m:val="1"/>
+                                  <m:mcJc m:val="center"/>
+                                </m:mcPr>
+                              </m:mc>
+                            </m:mcs>
+                            <m:ctrlPr>
+                              <a:rPr lang="en-US" i="1" smtClean="0">
+                                <a:latin typeface="Cambria Math" panose="02040503050406030204" pitchFamily="18" charset="0"/>
+                              </a:rPr>
+                            </m:ctrlPr>
+                          </m:mPr>
+                          <m:mr>
+                            <m:e>
+                              <m:r>
+                                <m:rPr>
+                                  <m:brk m:alnAt="7"/>
+                                </m:rPr>
+                                <a:rPr lang="en-US" b="0" i="1" smtClean="0">
+                                  <a:latin typeface="Cambria Math" panose="02040503050406030204" pitchFamily="18" charset="0"/>
+                                </a:rPr>
+                                <m:t>𝑢</m:t>
+                              </m:r>
+                            </m:e>
+                          </m:mr>
+                          <m:mr>
+                            <m:e>
+                              <m:r>
+                                <a:rPr lang="en-US" b="0" i="1" smtClean="0">
+                                  <a:latin typeface="Cambria Math" panose="02040503050406030204" pitchFamily="18" charset="0"/>
+                                </a:rPr>
+                                <m:t>𝑣</m:t>
+                              </m:r>
+                            </m:e>
+                          </m:mr>
+                        </m:m>
+                      </m:e>
+                    </m:d>
+                    <m:r>
+                      <a:rPr lang="en-US" b="0" i="1" smtClean="0">
+                        <a:latin typeface="Cambria Math" panose="02040503050406030204" pitchFamily="18" charset="0"/>
+                      </a:rPr>
+                      <m:t>=</m:t>
+                    </m:r>
+                    <m:r>
+                      <a:rPr lang="en-US" i="1">
+                        <a:latin typeface="Cambria Math" panose="02040503050406030204" pitchFamily="18" charset="0"/>
+                      </a:rPr>
+                      <m:t>𝑇</m:t>
+                    </m:r>
+                    <m:d>
+                      <m:dPr>
+                        <m:ctrlPr>
+                          <a:rPr lang="en-US" i="1">
+                            <a:latin typeface="Cambria Math" panose="02040503050406030204" pitchFamily="18" charset="0"/>
+                          </a:rPr>
+                        </m:ctrlPr>
+                      </m:dPr>
+                      <m:e>
+                        <m:m>
+                          <m:mPr>
+                            <m:mcs>
+                              <m:mc>
+                                <m:mcPr>
+                                  <m:count m:val="1"/>
+                                  <m:mcJc m:val="center"/>
+                                </m:mcPr>
+                              </m:mc>
+                            </m:mcs>
+                            <m:ctrlPr>
+                              <a:rPr lang="en-US" i="1" smtClean="0">
+                                <a:latin typeface="Cambria Math" panose="02040503050406030204" pitchFamily="18" charset="0"/>
+                              </a:rPr>
+                            </m:ctrlPr>
+                          </m:mPr>
+                          <m:mr>
+                            <m:e>
+                              <m:r>
+                                <m:rPr>
+                                  <m:brk m:alnAt="7"/>
+                                </m:rPr>
+                                <a:rPr lang="en-US" i="1">
+                                  <a:latin typeface="Cambria Math" panose="02040503050406030204" pitchFamily="18" charset="0"/>
+                                </a:rPr>
+                                <m:t>𝑦</m:t>
+                              </m:r>
+                            </m:e>
+                          </m:mr>
+                          <m:mr>
+                            <m:e>
+                              <m:r>
+                                <a:rPr lang="en-US" i="1">
+                                  <a:latin typeface="Cambria Math" panose="02040503050406030204" pitchFamily="18" charset="0"/>
+                                </a:rPr>
+                                <m:t>𝑥</m:t>
+                              </m:r>
+                            </m:e>
+                          </m:mr>
+                        </m:m>
+                      </m:e>
+                    </m:d>
+                  </m:oMath>
+                </a14:m>
+                <a:r>
+                  <a:rPr lang="en-US" dirty="0"/>
+                  <a:t>, then</a:t>
+                </a:r>
+              </a:p>
+              <a:p>
+                <a:pPr marL="0" indent="0" algn="ctr">
+                  <a:buNone/>
+                </a:pPr>
+                <a14:m>
+                  <m:oMathPara xmlns:m="http://schemas.openxmlformats.org/officeDocument/2006/math">
+                    <m:oMathParaPr>
+                      <m:jc m:val="centerGroup"/>
+                    </m:oMathParaPr>
+                    <m:oMath xmlns:m="http://schemas.openxmlformats.org/officeDocument/2006/math">
+                      <m:r>
+                        <a:rPr lang="en-US" b="0" i="1" smtClean="0">
+                          <a:latin typeface="Cambria Math" panose="02040503050406030204" pitchFamily="18" charset="0"/>
+                        </a:rPr>
+                        <m:t>𝑢</m:t>
+                      </m:r>
+                      <m:r>
+                        <a:rPr lang="en-US" b="0" i="1" smtClean="0">
+                          <a:latin typeface="Cambria Math" panose="02040503050406030204" pitchFamily="18" charset="0"/>
+                        </a:rPr>
+                        <m:t>=</m:t>
+                      </m:r>
+                      <m:sSub>
+                        <m:sSubPr>
+                          <m:ctrlPr>
+                            <a:rPr lang="en-US" b="0" i="1" smtClean="0">
+                              <a:latin typeface="Cambria Math" panose="02040503050406030204" pitchFamily="18" charset="0"/>
+                            </a:rPr>
+                          </m:ctrlPr>
+                        </m:sSubPr>
+                        <m:e>
+                          <m:r>
+                            <a:rPr lang="en-US" b="0" i="1" smtClean="0">
+                              <a:latin typeface="Cambria Math" panose="02040503050406030204" pitchFamily="18" charset="0"/>
+                            </a:rPr>
+                            <m:t>𝑇</m:t>
+                          </m:r>
+                        </m:e>
+                        <m:sub>
+                          <m:r>
+                            <a:rPr lang="en-US" b="0" i="1" smtClean="0">
+                              <a:latin typeface="Cambria Math" panose="02040503050406030204" pitchFamily="18" charset="0"/>
+                            </a:rPr>
+                            <m:t>1,1</m:t>
+                          </m:r>
+                        </m:sub>
+                      </m:sSub>
+                      <m:r>
+                        <a:rPr lang="en-US" b="0" i="1" smtClean="0">
+                          <a:latin typeface="Cambria Math" panose="02040503050406030204" pitchFamily="18" charset="0"/>
+                        </a:rPr>
+                        <m:t>𝑥</m:t>
+                      </m:r>
+                      <m:r>
+                        <a:rPr lang="en-US" b="0" i="1" smtClean="0">
+                          <a:latin typeface="Cambria Math" panose="02040503050406030204" pitchFamily="18" charset="0"/>
+                        </a:rPr>
+                        <m:t>+</m:t>
+                      </m:r>
+                      <m:sSub>
+                        <m:sSubPr>
+                          <m:ctrlPr>
+                            <a:rPr lang="en-US" b="0" i="1" smtClean="0">
+                              <a:latin typeface="Cambria Math" panose="02040503050406030204" pitchFamily="18" charset="0"/>
+                            </a:rPr>
+                          </m:ctrlPr>
+                        </m:sSubPr>
+                        <m:e>
+                          <m:r>
+                            <a:rPr lang="en-US" b="0" i="1" smtClean="0">
+                              <a:latin typeface="Cambria Math" panose="02040503050406030204" pitchFamily="18" charset="0"/>
+                            </a:rPr>
+                            <m:t>𝑇</m:t>
+                          </m:r>
+                        </m:e>
+                        <m:sub>
+                          <m:r>
+                            <a:rPr lang="en-US" b="0" i="1" smtClean="0">
+                              <a:latin typeface="Cambria Math" panose="02040503050406030204" pitchFamily="18" charset="0"/>
+                            </a:rPr>
+                            <m:t>1,2</m:t>
+                          </m:r>
+                        </m:sub>
+                      </m:sSub>
+                      <m:r>
+                        <a:rPr lang="en-US" b="0" i="1" smtClean="0">
+                          <a:latin typeface="Cambria Math" panose="02040503050406030204" pitchFamily="18" charset="0"/>
+                        </a:rPr>
+                        <m:t>𝑦</m:t>
+                      </m:r>
+                    </m:oMath>
+                  </m:oMathPara>
+                </a14:m>
+                <a:endParaRPr lang="en-US" dirty="0"/>
+              </a:p>
+              <a:p>
+                <a:pPr marL="0" indent="0" algn="ctr">
+                  <a:buNone/>
+                </a:pPr>
+                <a14:m>
+                  <m:oMathPara xmlns:m="http://schemas.openxmlformats.org/officeDocument/2006/math">
+                    <m:oMathParaPr>
+                      <m:jc m:val="centerGroup"/>
+                    </m:oMathParaPr>
+                    <m:oMath xmlns:m="http://schemas.openxmlformats.org/officeDocument/2006/math">
+                      <m:r>
+                        <a:rPr lang="en-US" b="0" i="1" smtClean="0">
+                          <a:latin typeface="Cambria Math" panose="02040503050406030204" pitchFamily="18" charset="0"/>
+                        </a:rPr>
+                        <m:t>𝑣</m:t>
+                      </m:r>
+                      <m:r>
+                        <a:rPr lang="en-US" b="0" i="1" smtClean="0">
+                          <a:latin typeface="Cambria Math" panose="02040503050406030204" pitchFamily="18" charset="0"/>
+                        </a:rPr>
+                        <m:t>=</m:t>
+                      </m:r>
+                      <m:sSub>
+                        <m:sSubPr>
+                          <m:ctrlPr>
+                            <a:rPr lang="en-US" b="0" i="1" smtClean="0">
+                              <a:latin typeface="Cambria Math" panose="02040503050406030204" pitchFamily="18" charset="0"/>
+                            </a:rPr>
+                          </m:ctrlPr>
+                        </m:sSubPr>
+                        <m:e>
+                          <m:r>
+                            <a:rPr lang="en-US" b="0" i="1" smtClean="0">
+                              <a:latin typeface="Cambria Math" panose="02040503050406030204" pitchFamily="18" charset="0"/>
+                            </a:rPr>
+                            <m:t>𝑇</m:t>
+                          </m:r>
+                        </m:e>
+                        <m:sub>
+                          <m:r>
+                            <a:rPr lang="en-US" b="0" i="1" smtClean="0">
+                              <a:latin typeface="Cambria Math" panose="02040503050406030204" pitchFamily="18" charset="0"/>
+                            </a:rPr>
+                            <m:t>2,1</m:t>
+                          </m:r>
+                        </m:sub>
+                      </m:sSub>
+                      <m:r>
+                        <a:rPr lang="en-US" b="0" i="1" smtClean="0">
+                          <a:latin typeface="Cambria Math" panose="02040503050406030204" pitchFamily="18" charset="0"/>
+                        </a:rPr>
+                        <m:t>𝑥</m:t>
+                      </m:r>
+                      <m:r>
+                        <a:rPr lang="en-US" b="0" i="1" smtClean="0">
+                          <a:latin typeface="Cambria Math" panose="02040503050406030204" pitchFamily="18" charset="0"/>
+                        </a:rPr>
+                        <m:t>+</m:t>
+                      </m:r>
+                      <m:sSub>
+                        <m:sSubPr>
+                          <m:ctrlPr>
+                            <a:rPr lang="en-US" b="0" i="1" smtClean="0">
+                              <a:latin typeface="Cambria Math" panose="02040503050406030204" pitchFamily="18" charset="0"/>
+                            </a:rPr>
+                          </m:ctrlPr>
+                        </m:sSubPr>
+                        <m:e>
+                          <m:r>
+                            <a:rPr lang="en-US" b="0" i="1" smtClean="0">
+                              <a:latin typeface="Cambria Math" panose="02040503050406030204" pitchFamily="18" charset="0"/>
+                            </a:rPr>
+                            <m:t>𝑇</m:t>
+                          </m:r>
+                        </m:e>
+                        <m:sub>
+                          <m:r>
+                            <a:rPr lang="en-US" b="0" i="1" smtClean="0">
+                              <a:latin typeface="Cambria Math" panose="02040503050406030204" pitchFamily="18" charset="0"/>
+                            </a:rPr>
+                            <m:t>2,2</m:t>
+                          </m:r>
+                        </m:sub>
+                      </m:sSub>
+                      <m:r>
+                        <a:rPr lang="en-US" b="0" i="1" smtClean="0">
+                          <a:latin typeface="Cambria Math" panose="02040503050406030204" pitchFamily="18" charset="0"/>
+                        </a:rPr>
+                        <m:t>𝑦</m:t>
+                      </m:r>
+                    </m:oMath>
+                  </m:oMathPara>
+                </a14:m>
+                <a:endParaRPr lang="en-US" dirty="0"/>
+              </a:p>
+              <a:p>
+                <a:pPr marL="0" indent="0">
+                  <a:buNone/>
+                </a:pPr>
+                <a:r>
+                  <a:rPr lang="en-US" dirty="0"/>
+                  <a:t>And:</a:t>
+                </a:r>
+              </a:p>
+              <a:p>
+                <a:pPr marL="0" indent="0" algn="ctr">
+                  <a:buNone/>
+                </a:pPr>
+                <a14:m>
+                  <m:oMath xmlns:m="http://schemas.openxmlformats.org/officeDocument/2006/math">
+                    <m:d>
+                      <m:dPr>
+                        <m:begChr m:val="|"/>
+                        <m:endChr m:val="|"/>
+                        <m:ctrlPr>
+                          <a:rPr lang="en-US" b="0" i="1" smtClean="0">
+                            <a:latin typeface="Cambria Math" panose="02040503050406030204" pitchFamily="18" charset="0"/>
+                          </a:rPr>
+                        </m:ctrlPr>
+                      </m:dPr>
+                      <m:e>
+                        <m:r>
+                          <a:rPr lang="en-US" b="0" i="1" smtClean="0">
+                            <a:latin typeface="Cambria Math" panose="02040503050406030204" pitchFamily="18" charset="0"/>
+                          </a:rPr>
+                          <m:t>𝑣</m:t>
+                        </m:r>
+                        <m:sSup>
+                          <m:sSupPr>
+                            <m:ctrlPr>
+                              <a:rPr lang="en-US" b="0" i="1" smtClean="0">
+                                <a:latin typeface="Cambria Math" panose="02040503050406030204" pitchFamily="18" charset="0"/>
+                              </a:rPr>
+                            </m:ctrlPr>
+                          </m:sSupPr>
+                          <m:e>
+                            <m:r>
+                              <a:rPr lang="en-US" b="0" i="1" smtClean="0">
+                                <a:latin typeface="Cambria Math" panose="02040503050406030204" pitchFamily="18" charset="0"/>
+                              </a:rPr>
+                              <m:t>𝑢</m:t>
+                            </m:r>
+                          </m:e>
+                          <m:sup>
+                            <m:r>
+                              <a:rPr lang="en-US" b="0" i="1" smtClean="0">
+                                <a:latin typeface="Cambria Math" panose="02040503050406030204" pitchFamily="18" charset="0"/>
+                              </a:rPr>
+                              <m:t>−1</m:t>
+                            </m:r>
+                          </m:sup>
+                        </m:sSup>
+                      </m:e>
+                    </m:d>
+                    <m:r>
+                      <a:rPr lang="en-US" b="0" i="1" smtClean="0">
+                        <a:latin typeface="Cambria Math" panose="02040503050406030204" pitchFamily="18" charset="0"/>
+                      </a:rPr>
+                      <m:t>=</m:t>
+                    </m:r>
+                    <m:f>
+                      <m:fPr>
+                        <m:ctrlPr>
+                          <a:rPr lang="en-US" b="0" i="1" smtClean="0">
+                            <a:latin typeface="Cambria Math" panose="02040503050406030204" pitchFamily="18" charset="0"/>
+                          </a:rPr>
+                        </m:ctrlPr>
+                      </m:fPr>
+                      <m:num>
+                        <m:sSub>
+                          <m:sSubPr>
+                            <m:ctrlPr>
+                              <a:rPr lang="en-US" i="1">
+                                <a:latin typeface="Cambria Math" panose="02040503050406030204" pitchFamily="18" charset="0"/>
+                              </a:rPr>
+                            </m:ctrlPr>
+                          </m:sSubPr>
+                          <m:e>
+                            <m:r>
+                              <a:rPr lang="en-US" i="1">
+                                <a:latin typeface="Cambria Math" panose="02040503050406030204" pitchFamily="18" charset="0"/>
+                              </a:rPr>
+                              <m:t>𝑇</m:t>
+                            </m:r>
+                          </m:e>
+                          <m:sub>
+                            <m:r>
+                              <a:rPr lang="en-US" i="1">
+                                <a:latin typeface="Cambria Math" panose="02040503050406030204" pitchFamily="18" charset="0"/>
+                              </a:rPr>
+                              <m:t>2,1</m:t>
+                            </m:r>
+                          </m:sub>
+                        </m:sSub>
+                        <m:r>
+                          <a:rPr lang="en-US" i="1">
+                            <a:latin typeface="Cambria Math" panose="02040503050406030204" pitchFamily="18" charset="0"/>
+                          </a:rPr>
+                          <m:t>𝑥</m:t>
+                        </m:r>
+                        <m:r>
+                          <a:rPr lang="en-US" i="1">
+                            <a:latin typeface="Cambria Math" panose="02040503050406030204" pitchFamily="18" charset="0"/>
+                          </a:rPr>
+                          <m:t>+</m:t>
+                        </m:r>
+                        <m:sSub>
+                          <m:sSubPr>
+                            <m:ctrlPr>
+                              <a:rPr lang="en-US" i="1">
+                                <a:latin typeface="Cambria Math" panose="02040503050406030204" pitchFamily="18" charset="0"/>
+                              </a:rPr>
+                            </m:ctrlPr>
+                          </m:sSubPr>
+                          <m:e>
+                            <m:r>
+                              <a:rPr lang="en-US" i="1">
+                                <a:latin typeface="Cambria Math" panose="02040503050406030204" pitchFamily="18" charset="0"/>
+                              </a:rPr>
+                              <m:t>𝑇</m:t>
+                            </m:r>
+                          </m:e>
+                          <m:sub>
+                            <m:r>
+                              <a:rPr lang="en-US" i="1">
+                                <a:latin typeface="Cambria Math" panose="02040503050406030204" pitchFamily="18" charset="0"/>
+                              </a:rPr>
+                              <m:t>2,2</m:t>
+                            </m:r>
+                          </m:sub>
+                        </m:sSub>
+                        <m:r>
+                          <a:rPr lang="en-US" i="1">
+                            <a:latin typeface="Cambria Math" panose="02040503050406030204" pitchFamily="18" charset="0"/>
+                          </a:rPr>
+                          <m:t>𝑦</m:t>
+                        </m:r>
+                        <m:r>
+                          <m:rPr>
+                            <m:nor/>
+                          </m:rPr>
+                          <a:rPr lang="en-US" dirty="0"/>
+                          <m:t> </m:t>
+                        </m:r>
+                      </m:num>
+                      <m:den>
+                        <m:sSub>
+                          <m:sSubPr>
+                            <m:ctrlPr>
+                              <a:rPr lang="en-US" i="1">
+                                <a:latin typeface="Cambria Math" panose="02040503050406030204" pitchFamily="18" charset="0"/>
+                              </a:rPr>
+                            </m:ctrlPr>
+                          </m:sSubPr>
+                          <m:e>
+                            <m:r>
+                              <a:rPr lang="en-US" i="1">
+                                <a:latin typeface="Cambria Math" panose="02040503050406030204" pitchFamily="18" charset="0"/>
+                              </a:rPr>
+                              <m:t>𝑇</m:t>
+                            </m:r>
+                          </m:e>
+                          <m:sub>
+                            <m:r>
+                              <a:rPr lang="en-US" i="1">
+                                <a:latin typeface="Cambria Math" panose="02040503050406030204" pitchFamily="18" charset="0"/>
+                              </a:rPr>
+                              <m:t>1,1</m:t>
+                            </m:r>
+                          </m:sub>
+                        </m:sSub>
+                        <m:r>
+                          <a:rPr lang="en-US" i="1">
+                            <a:latin typeface="Cambria Math" panose="02040503050406030204" pitchFamily="18" charset="0"/>
+                          </a:rPr>
+                          <m:t>𝑥</m:t>
+                        </m:r>
+                        <m:r>
+                          <a:rPr lang="en-US" i="1">
+                            <a:latin typeface="Cambria Math" panose="02040503050406030204" pitchFamily="18" charset="0"/>
+                          </a:rPr>
+                          <m:t>+</m:t>
+                        </m:r>
+                        <m:sSub>
+                          <m:sSubPr>
+                            <m:ctrlPr>
+                              <a:rPr lang="en-US" i="1">
+                                <a:latin typeface="Cambria Math" panose="02040503050406030204" pitchFamily="18" charset="0"/>
+                              </a:rPr>
+                            </m:ctrlPr>
+                          </m:sSubPr>
+                          <m:e>
+                            <m:r>
+                              <a:rPr lang="en-US" i="1">
+                                <a:latin typeface="Cambria Math" panose="02040503050406030204" pitchFamily="18" charset="0"/>
+                              </a:rPr>
+                              <m:t>𝑇</m:t>
+                            </m:r>
+                          </m:e>
+                          <m:sub>
+                            <m:r>
+                              <a:rPr lang="en-US" i="1">
+                                <a:latin typeface="Cambria Math" panose="02040503050406030204" pitchFamily="18" charset="0"/>
+                              </a:rPr>
+                              <m:t>1,2</m:t>
+                            </m:r>
+                          </m:sub>
+                        </m:sSub>
+                        <m:r>
+                          <a:rPr lang="en-US" i="1">
+                            <a:latin typeface="Cambria Math" panose="02040503050406030204" pitchFamily="18" charset="0"/>
+                          </a:rPr>
+                          <m:t>𝑦</m:t>
+                        </m:r>
+                        <m:r>
+                          <m:rPr>
+                            <m:nor/>
+                          </m:rPr>
+                          <a:rPr lang="en-US" dirty="0"/>
+                          <m:t> </m:t>
+                        </m:r>
+                      </m:den>
+                    </m:f>
+                    <m:r>
+                      <a:rPr lang="en-US" b="0" i="0" smtClean="0">
+                        <a:latin typeface="Cambria Math" panose="02040503050406030204" pitchFamily="18" charset="0"/>
+                      </a:rPr>
+                      <m:t>=</m:t>
+                    </m:r>
+                  </m:oMath>
+                </a14:m>
+                <a:r>
+                  <a:rPr lang="en-US" dirty="0"/>
+                  <a:t> </a:t>
+                </a:r>
+                <a14:m>
+                  <m:oMath xmlns:m="http://schemas.openxmlformats.org/officeDocument/2006/math">
+                    <m:f>
+                      <m:fPr>
+                        <m:ctrlPr>
+                          <a:rPr lang="en-US" i="1">
+                            <a:latin typeface="Cambria Math" panose="02040503050406030204" pitchFamily="18" charset="0"/>
+                          </a:rPr>
+                        </m:ctrlPr>
+                      </m:fPr>
+                      <m:num>
+                        <m:sSub>
+                          <m:sSubPr>
+                            <m:ctrlPr>
+                              <a:rPr lang="en-US" i="1">
+                                <a:latin typeface="Cambria Math" panose="02040503050406030204" pitchFamily="18" charset="0"/>
+                              </a:rPr>
+                            </m:ctrlPr>
+                          </m:sSubPr>
+                          <m:e>
+                            <m:r>
+                              <a:rPr lang="en-US" i="1">
+                                <a:latin typeface="Cambria Math" panose="02040503050406030204" pitchFamily="18" charset="0"/>
+                              </a:rPr>
+                              <m:t>𝑇</m:t>
+                            </m:r>
+                          </m:e>
+                          <m:sub>
+                            <m:r>
+                              <a:rPr lang="en-US" i="1">
+                                <a:latin typeface="Cambria Math" panose="02040503050406030204" pitchFamily="18" charset="0"/>
+                              </a:rPr>
+                              <m:t>2,1</m:t>
+                            </m:r>
+                          </m:sub>
+                        </m:sSub>
+                        <m:r>
+                          <a:rPr lang="en-US" i="1">
+                            <a:latin typeface="Cambria Math" panose="02040503050406030204" pitchFamily="18" charset="0"/>
+                          </a:rPr>
+                          <m:t>+</m:t>
+                        </m:r>
+                        <m:sSub>
+                          <m:sSubPr>
+                            <m:ctrlPr>
+                              <a:rPr lang="en-US" i="1">
+                                <a:latin typeface="Cambria Math" panose="02040503050406030204" pitchFamily="18" charset="0"/>
+                              </a:rPr>
+                            </m:ctrlPr>
+                          </m:sSubPr>
+                          <m:e>
+                            <m:r>
+                              <a:rPr lang="en-US" i="1">
+                                <a:latin typeface="Cambria Math" panose="02040503050406030204" pitchFamily="18" charset="0"/>
+                              </a:rPr>
+                              <m:t>𝑇</m:t>
+                            </m:r>
+                          </m:e>
+                          <m:sub>
+                            <m:r>
+                              <a:rPr lang="en-US" i="1">
+                                <a:latin typeface="Cambria Math" panose="02040503050406030204" pitchFamily="18" charset="0"/>
+                              </a:rPr>
+                              <m:t>2,2</m:t>
+                            </m:r>
+                          </m:sub>
+                        </m:sSub>
+                        <m:r>
+                          <a:rPr lang="en-US" i="1">
+                            <a:latin typeface="Cambria Math" panose="02040503050406030204" pitchFamily="18" charset="0"/>
+                          </a:rPr>
+                          <m:t>𝑦</m:t>
+                        </m:r>
+                        <m:sSup>
+                          <m:sSupPr>
+                            <m:ctrlPr>
+                              <a:rPr lang="en-US" b="0" i="1" smtClean="0">
+                                <a:latin typeface="Cambria Math" panose="02040503050406030204" pitchFamily="18" charset="0"/>
+                              </a:rPr>
+                            </m:ctrlPr>
+                          </m:sSupPr>
+                          <m:e>
+                            <m:r>
+                              <a:rPr lang="en-US" b="0" i="1" smtClean="0">
+                                <a:latin typeface="Cambria Math" panose="02040503050406030204" pitchFamily="18" charset="0"/>
+                              </a:rPr>
+                              <m:t>𝑥</m:t>
+                            </m:r>
+                          </m:e>
+                          <m:sup>
+                            <m:r>
+                              <a:rPr lang="en-US" b="0" i="1" smtClean="0">
+                                <a:latin typeface="Cambria Math" panose="02040503050406030204" pitchFamily="18" charset="0"/>
+                              </a:rPr>
+                              <m:t>−1</m:t>
+                            </m:r>
+                          </m:sup>
+                        </m:sSup>
+                      </m:num>
+                      <m:den>
+                        <m:sSub>
+                          <m:sSubPr>
+                            <m:ctrlPr>
+                              <a:rPr lang="en-US" i="1">
+                                <a:latin typeface="Cambria Math" panose="02040503050406030204" pitchFamily="18" charset="0"/>
+                              </a:rPr>
+                            </m:ctrlPr>
+                          </m:sSubPr>
+                          <m:e>
+                            <m:r>
+                              <a:rPr lang="en-US" i="1">
+                                <a:latin typeface="Cambria Math" panose="02040503050406030204" pitchFamily="18" charset="0"/>
+                              </a:rPr>
+                              <m:t>𝑇</m:t>
+                            </m:r>
+                          </m:e>
+                          <m:sub>
+                            <m:r>
+                              <a:rPr lang="en-US" i="1">
+                                <a:latin typeface="Cambria Math" panose="02040503050406030204" pitchFamily="18" charset="0"/>
+                              </a:rPr>
+                              <m:t>1,1</m:t>
+                            </m:r>
+                          </m:sub>
+                        </m:sSub>
+                        <m:r>
+                          <a:rPr lang="en-US" i="1">
+                            <a:latin typeface="Cambria Math" panose="02040503050406030204" pitchFamily="18" charset="0"/>
+                          </a:rPr>
+                          <m:t>+</m:t>
+                        </m:r>
+                        <m:sSub>
+                          <m:sSubPr>
+                            <m:ctrlPr>
+                              <a:rPr lang="en-US" i="1">
+                                <a:latin typeface="Cambria Math" panose="02040503050406030204" pitchFamily="18" charset="0"/>
+                              </a:rPr>
+                            </m:ctrlPr>
+                          </m:sSubPr>
+                          <m:e>
+                            <m:r>
+                              <a:rPr lang="en-US" i="1">
+                                <a:latin typeface="Cambria Math" panose="02040503050406030204" pitchFamily="18" charset="0"/>
+                              </a:rPr>
+                              <m:t>𝑇</m:t>
+                            </m:r>
+                          </m:e>
+                          <m:sub>
+                            <m:r>
+                              <a:rPr lang="en-US" i="1">
+                                <a:latin typeface="Cambria Math" panose="02040503050406030204" pitchFamily="18" charset="0"/>
+                              </a:rPr>
+                              <m:t>1,2</m:t>
+                            </m:r>
+                          </m:sub>
+                        </m:sSub>
+                        <m:r>
+                          <a:rPr lang="en-US" i="1">
+                            <a:latin typeface="Cambria Math" panose="02040503050406030204" pitchFamily="18" charset="0"/>
+                          </a:rPr>
+                          <m:t>𝑦</m:t>
+                        </m:r>
+                        <m:sSup>
+                          <m:sSupPr>
+                            <m:ctrlPr>
+                              <a:rPr lang="en-US" b="0" i="1" smtClean="0">
+                                <a:latin typeface="Cambria Math" panose="02040503050406030204" pitchFamily="18" charset="0"/>
+                              </a:rPr>
+                            </m:ctrlPr>
+                          </m:sSupPr>
+                          <m:e>
+                            <m:r>
+                              <a:rPr lang="en-US" b="0" i="1" smtClean="0">
+                                <a:latin typeface="Cambria Math" panose="02040503050406030204" pitchFamily="18" charset="0"/>
+                              </a:rPr>
+                              <m:t>𝑥</m:t>
+                            </m:r>
+                          </m:e>
+                          <m:sup>
+                            <m:r>
+                              <a:rPr lang="en-US" b="0" i="1" smtClean="0">
+                                <a:latin typeface="Cambria Math" panose="02040503050406030204" pitchFamily="18" charset="0"/>
+                              </a:rPr>
+                              <m:t>−1</m:t>
+                            </m:r>
+                          </m:sup>
+                        </m:sSup>
+                      </m:den>
+                    </m:f>
+                    <m:r>
+                      <a:rPr lang="en-US" b="0" i="1" dirty="0" smtClean="0">
+                        <a:latin typeface="Cambria Math" panose="02040503050406030204" pitchFamily="18" charset="0"/>
+                      </a:rPr>
+                      <m:t>=</m:t>
+                    </m:r>
+                  </m:oMath>
+                </a14:m>
+                <a:r>
+                  <a:rPr lang="en-US" dirty="0"/>
+                  <a:t> </a:t>
+                </a:r>
+                <a14:m>
+                  <m:oMath xmlns:m="http://schemas.openxmlformats.org/officeDocument/2006/math">
+                    <m:f>
+                      <m:fPr>
+                        <m:ctrlPr>
+                          <a:rPr lang="en-US" i="1">
+                            <a:latin typeface="Cambria Math" panose="02040503050406030204" pitchFamily="18" charset="0"/>
+                          </a:rPr>
+                        </m:ctrlPr>
+                      </m:fPr>
+                      <m:num>
+                        <m:sSub>
+                          <m:sSubPr>
+                            <m:ctrlPr>
+                              <a:rPr lang="en-US" i="1">
+                                <a:latin typeface="Cambria Math" panose="02040503050406030204" pitchFamily="18" charset="0"/>
+                              </a:rPr>
+                            </m:ctrlPr>
+                          </m:sSubPr>
+                          <m:e>
+                            <m:r>
+                              <a:rPr lang="en-US" i="1">
+                                <a:latin typeface="Cambria Math" panose="02040503050406030204" pitchFamily="18" charset="0"/>
+                              </a:rPr>
+                              <m:t>𝑇</m:t>
+                            </m:r>
+                          </m:e>
+                          <m:sub>
+                            <m:r>
+                              <a:rPr lang="en-US" i="1">
+                                <a:latin typeface="Cambria Math" panose="02040503050406030204" pitchFamily="18" charset="0"/>
+                              </a:rPr>
+                              <m:t>2,1</m:t>
+                            </m:r>
+                          </m:sub>
+                        </m:sSub>
+                        <m:r>
+                          <a:rPr lang="en-US" i="1">
+                            <a:latin typeface="Cambria Math" panose="02040503050406030204" pitchFamily="18" charset="0"/>
+                          </a:rPr>
+                          <m:t>+</m:t>
+                        </m:r>
+                        <m:sSub>
+                          <m:sSubPr>
+                            <m:ctrlPr>
+                              <a:rPr lang="en-US" i="1">
+                                <a:latin typeface="Cambria Math" panose="02040503050406030204" pitchFamily="18" charset="0"/>
+                              </a:rPr>
+                            </m:ctrlPr>
+                          </m:sSubPr>
+                          <m:e>
+                            <m:r>
+                              <a:rPr lang="en-US" i="1">
+                                <a:latin typeface="Cambria Math" panose="02040503050406030204" pitchFamily="18" charset="0"/>
+                              </a:rPr>
+                              <m:t>𝑇</m:t>
+                            </m:r>
+                          </m:e>
+                          <m:sub>
+                            <m:r>
+                              <a:rPr lang="en-US" i="1">
+                                <a:latin typeface="Cambria Math" panose="02040503050406030204" pitchFamily="18" charset="0"/>
+                              </a:rPr>
+                              <m:t>2,2</m:t>
+                            </m:r>
+                          </m:sub>
+                        </m:sSub>
+                        <m:r>
+                          <a:rPr lang="en-US" b="0" i="1" smtClean="0">
+                            <a:latin typeface="Cambria Math" panose="02040503050406030204" pitchFamily="18" charset="0"/>
+                          </a:rPr>
+                          <m:t>𝑧</m:t>
+                        </m:r>
+                      </m:num>
+                      <m:den>
+                        <m:sSub>
+                          <m:sSubPr>
+                            <m:ctrlPr>
+                              <a:rPr lang="en-US" i="1">
+                                <a:latin typeface="Cambria Math" panose="02040503050406030204" pitchFamily="18" charset="0"/>
+                              </a:rPr>
+                            </m:ctrlPr>
+                          </m:sSubPr>
+                          <m:e>
+                            <m:r>
+                              <a:rPr lang="en-US" i="1">
+                                <a:latin typeface="Cambria Math" panose="02040503050406030204" pitchFamily="18" charset="0"/>
+                              </a:rPr>
+                              <m:t>𝑇</m:t>
+                            </m:r>
+                          </m:e>
+                          <m:sub>
+                            <m:r>
+                              <a:rPr lang="en-US" i="1">
+                                <a:latin typeface="Cambria Math" panose="02040503050406030204" pitchFamily="18" charset="0"/>
+                              </a:rPr>
+                              <m:t>1,1</m:t>
+                            </m:r>
+                          </m:sub>
+                        </m:sSub>
+                        <m:r>
+                          <a:rPr lang="en-US" i="1">
+                            <a:latin typeface="Cambria Math" panose="02040503050406030204" pitchFamily="18" charset="0"/>
+                          </a:rPr>
+                          <m:t>+</m:t>
+                        </m:r>
+                        <m:sSub>
+                          <m:sSubPr>
+                            <m:ctrlPr>
+                              <a:rPr lang="en-US" i="1">
+                                <a:latin typeface="Cambria Math" panose="02040503050406030204" pitchFamily="18" charset="0"/>
+                              </a:rPr>
+                            </m:ctrlPr>
+                          </m:sSubPr>
+                          <m:e>
+                            <m:r>
+                              <a:rPr lang="en-US" i="1">
+                                <a:latin typeface="Cambria Math" panose="02040503050406030204" pitchFamily="18" charset="0"/>
+                              </a:rPr>
+                              <m:t>𝑇</m:t>
+                            </m:r>
+                          </m:e>
+                          <m:sub>
+                            <m:r>
+                              <a:rPr lang="en-US" i="1">
+                                <a:latin typeface="Cambria Math" panose="02040503050406030204" pitchFamily="18" charset="0"/>
+                              </a:rPr>
+                              <m:t>1,2</m:t>
+                            </m:r>
+                          </m:sub>
+                        </m:sSub>
+                        <m:r>
+                          <a:rPr lang="en-US" b="0" i="1" smtClean="0">
+                            <a:latin typeface="Cambria Math" panose="02040503050406030204" pitchFamily="18" charset="0"/>
+                          </a:rPr>
+                          <m:t>𝑧</m:t>
+                        </m:r>
+                      </m:den>
+                    </m:f>
+                    <m:r>
+                      <a:rPr lang="en-US" b="0" i="1" smtClean="0">
+                        <a:latin typeface="Cambria Math" panose="02040503050406030204" pitchFamily="18" charset="0"/>
+                      </a:rPr>
+                      <m:t>=</m:t>
+                    </m:r>
+                    <m:r>
+                      <a:rPr lang="en-US" b="0" i="1" smtClean="0">
+                        <a:latin typeface="Cambria Math" panose="02040503050406030204" pitchFamily="18" charset="0"/>
+                      </a:rPr>
+                      <m:t>𝑐𝑜𝑛𝑠𝑡𝑎𝑛𝑡</m:t>
+                    </m:r>
+                  </m:oMath>
+                </a14:m>
+                <a:r>
+                  <a:rPr lang="en-US" dirty="0"/>
+                  <a:t> </a:t>
+                </a:r>
+              </a:p>
+              <a:p>
+                <a:pPr marL="0" indent="0" algn="ctr">
+                  <a:buNone/>
+                </a:pPr>
+                <a:r>
+                  <a:rPr lang="en-US" dirty="0"/>
+                  <a:t> </a:t>
+                </a:r>
+              </a:p>
+              <a:p>
+                <a:pPr marL="0" indent="0" algn="ctr">
+                  <a:buNone/>
+                </a:pPr>
+                <a:endParaRPr lang="en-US" dirty="0"/>
+              </a:p>
+            </p:txBody>
+          </p:sp>
+        </mc:Choice>
+        <mc:Fallback>
+          <p:sp>
+            <p:nvSpPr>
+              <p:cNvPr id="3" name="Content Placeholder 2">
+                <a:extLst>
+                  <a:ext uri="{FF2B5EF4-FFF2-40B4-BE49-F238E27FC236}">
+                    <a16:creationId xmlns:a16="http://schemas.microsoft.com/office/drawing/2014/main" id="{13437F14-7C44-48F1-BCE7-63B28135DE1C}"/>
+                  </a:ext>
+                </a:extLst>
+              </p:cNvPr>
+              <p:cNvSpPr>
+                <a:spLocks noGrp="1" noRot="1" noChangeAspect="1" noMove="1" noResize="1" noEditPoints="1" noAdjustHandles="1" noChangeArrowheads="1" noChangeShapeType="1" noTextEdit="1"/>
+              </p:cNvSpPr>
+              <p:nvPr>
+                <p:ph idx="1"/>
+              </p:nvPr>
+            </p:nvSpPr>
+            <p:spPr>
+              <a:blipFill>
+                <a:blip r:embed="rId2"/>
+                <a:stretch>
+                  <a:fillRect l="-1217"/>
+                </a:stretch>
+              </a:blipFill>
+            </p:spPr>
+            <p:txBody>
+              <a:bodyPr/>
+              <a:lstStyle/>
+              <a:p>
+                <a:r>
+                  <a:rPr lang="en-US">
+                    <a:noFill/>
+                  </a:rPr>
+                  <a:t> </a:t>
+                </a:r>
+              </a:p>
+            </p:txBody>
+          </p:sp>
+        </mc:Fallback>
+      </mc:AlternateContent>
+    </p:spTree>
+    <p:extLst>
+      <p:ext uri="{BB962C8B-B14F-4D97-AF65-F5344CB8AC3E}">
+        <p14:creationId xmlns:p14="http://schemas.microsoft.com/office/powerpoint/2010/main" val="1178486424"/>
+      </p:ext>
+    </p:extLst>
+  </p:cSld>
+  <p:clrMapOvr>
+    <a:masterClrMapping/>
+  </p:clrMapOvr>
+</p:sld>
+</file>
+
+<file path=ppt/slides/slide16.xml><?xml version="1.0" encoding="utf-8"?>
+<p:sld xmlns:a="http://schemas.openxmlformats.org/drawingml/2006/main" xmlns:r="http://schemas.openxmlformats.org/officeDocument/2006/relationships" xmlns:p="http://schemas.openxmlformats.org/presentationml/2006/main">
+  <p:cSld>
+    <p:spTree>
+      <p:nvGrpSpPr>
+        <p:cNvPr id="1" name=""/>
+        <p:cNvGrpSpPr/>
+        <p:nvPr/>
+      </p:nvGrpSpPr>
+      <p:grpSpPr>
+        <a:xfrm>
+          <a:off x="0" y="0"/>
+          <a:ext cx="0" cy="0"/>
+          <a:chOff x="0" y="0"/>
+          <a:chExt cx="0" cy="0"/>
+        </a:xfrm>
+      </p:grpSpPr>
+      <mc:AlternateContent xmlns:mc="http://schemas.openxmlformats.org/markup-compatibility/2006" xmlns:a14="http://schemas.microsoft.com/office/drawing/2010/main">
+        <mc:Choice Requires="a14">
           <p:sp>
             <p:nvSpPr>
               <p:cNvPr id="2" name="Title 1">
@@ -5173,7 +9564,7 @@
             </p:txBody>
           </p:sp>
         </mc:Choice>
-        <mc:Fallback>
+        <mc:Fallback xmlns="">
           <p:sp>
             <p:nvSpPr>
               <p:cNvPr id="2" name="Title 1">
@@ -5213,40 +9604,337 @@
           </p:sp>
         </mc:Fallback>
       </mc:AlternateContent>
-      <p:sp>
-        <p:nvSpPr>
-          <p:cNvPr id="3" name="Content Placeholder 2">
-            <a:extLst>
-              <a:ext uri="{FF2B5EF4-FFF2-40B4-BE49-F238E27FC236}">
-                <a16:creationId xmlns:a16="http://schemas.microsoft.com/office/drawing/2014/main" id="{3C8CF5E8-1636-7241-926A-B808F94C1C7D}"/>
-              </a:ext>
-            </a:extLst>
-          </p:cNvPr>
-          <p:cNvSpPr>
-            <a:spLocks noGrp="1"/>
-          </p:cNvSpPr>
-          <p:nvPr>
-            <p:ph idx="1"/>
-          </p:nvPr>
-        </p:nvSpPr>
-        <p:spPr/>
-        <p:txBody>
-          <a:bodyPr/>
-          <a:lstStyle/>
-          <a:p>
-            <a:r>
-              <a:rPr lang="en-US" dirty="0"/>
-              <a:t>Some intermediate steps</a:t>
-            </a:r>
-          </a:p>
-          <a:p>
-            <a:r>
-              <a:rPr lang="en-US" dirty="0"/>
-              <a:t>Look at interactive plot</a:t>
-            </a:r>
-          </a:p>
-        </p:txBody>
-      </p:sp>
+      <mc:AlternateContent xmlns:mc="http://schemas.openxmlformats.org/markup-compatibility/2006">
+        <mc:Choice xmlns:a14="http://schemas.microsoft.com/office/drawing/2010/main" Requires="a14">
+          <p:sp>
+            <p:nvSpPr>
+              <p:cNvPr id="3" name="Content Placeholder 2">
+                <a:extLst>
+                  <a:ext uri="{FF2B5EF4-FFF2-40B4-BE49-F238E27FC236}">
+                    <a16:creationId xmlns:a16="http://schemas.microsoft.com/office/drawing/2014/main" id="{3C8CF5E8-1636-7241-926A-B808F94C1C7D}"/>
+                  </a:ext>
+                </a:extLst>
+              </p:cNvPr>
+              <p:cNvSpPr>
+                <a:spLocks noGrp="1"/>
+              </p:cNvSpPr>
+              <p:nvPr>
+                <p:ph idx="1"/>
+              </p:nvPr>
+            </p:nvSpPr>
+            <p:spPr/>
+            <p:txBody>
+              <a:bodyPr/>
+              <a:lstStyle/>
+              <a:p>
+                <a:r>
+                  <a:rPr lang="en-US" dirty="0"/>
+                  <a:t>We now have the equation, where </a:t>
+                </a:r>
+                <a14:m>
+                  <m:oMath xmlns:m="http://schemas.openxmlformats.org/officeDocument/2006/math">
+                    <m:r>
+                      <a:rPr lang="en-US" b="0" i="1" smtClean="0">
+                        <a:latin typeface="Cambria Math" panose="02040503050406030204" pitchFamily="18" charset="0"/>
+                      </a:rPr>
+                      <m:t>𝑏</m:t>
+                    </m:r>
+                    <m:r>
+                      <a:rPr lang="en-US" b="0" i="1" smtClean="0">
+                        <a:latin typeface="Cambria Math" panose="02040503050406030204" pitchFamily="18" charset="0"/>
+                      </a:rPr>
+                      <m:t>=</m:t>
+                    </m:r>
+                    <m:r>
+                      <a:rPr lang="en-US" b="0" i="1" smtClean="0">
+                        <a:latin typeface="Cambria Math" panose="02040503050406030204" pitchFamily="18" charset="0"/>
+                      </a:rPr>
+                      <m:t>𝛽</m:t>
+                    </m:r>
+                    <m:r>
+                      <a:rPr lang="en-US" b="0" i="1" smtClean="0">
+                        <a:latin typeface="Cambria Math" panose="02040503050406030204" pitchFamily="18" charset="0"/>
+                      </a:rPr>
+                      <m:t> </m:t>
+                    </m:r>
+                    <m:r>
+                      <a:rPr lang="en-US" b="0" i="1" smtClean="0">
+                        <a:latin typeface="Cambria Math" panose="02040503050406030204" pitchFamily="18" charset="0"/>
+                      </a:rPr>
+                      <m:t>𝜖</m:t>
+                    </m:r>
+                    <m:r>
+                      <a:rPr lang="en-US" b="0" i="1" smtClean="0">
+                        <a:latin typeface="Cambria Math" panose="02040503050406030204" pitchFamily="18" charset="0"/>
+                        <a:ea typeface="Cambria Math" panose="02040503050406030204" pitchFamily="18" charset="0"/>
+                      </a:rPr>
+                      <m:t>ℝ</m:t>
+                    </m:r>
+                  </m:oMath>
+                </a14:m>
+                <a:endParaRPr lang="en-US" dirty="0"/>
+              </a:p>
+              <a:p>
+                <a:endParaRPr lang="en-US" dirty="0"/>
+              </a:p>
+              <a:p>
+                <a:pPr marL="0" indent="0" algn="ctr">
+                  <a:buNone/>
+                </a:pPr>
+                <a14:m>
+                  <m:oMath xmlns:m="http://schemas.openxmlformats.org/officeDocument/2006/math">
+                    <m:acc>
+                      <m:accPr>
+                        <m:chr m:val="̇"/>
+                        <m:ctrlPr>
+                          <a:rPr lang="en-US" i="1">
+                            <a:latin typeface="Cambria Math" panose="02040503050406030204" pitchFamily="18" charset="0"/>
+                          </a:rPr>
+                        </m:ctrlPr>
+                      </m:accPr>
+                      <m:e>
+                        <m:d>
+                          <m:dPr>
+                            <m:ctrlPr>
+                              <a:rPr lang="en-US" i="1">
+                                <a:latin typeface="Cambria Math" panose="02040503050406030204" pitchFamily="18" charset="0"/>
+                              </a:rPr>
+                            </m:ctrlPr>
+                          </m:dPr>
+                          <m:e>
+                            <m:m>
+                              <m:mPr>
+                                <m:mcs>
+                                  <m:mc>
+                                    <m:mcPr>
+                                      <m:count m:val="1"/>
+                                      <m:mcJc m:val="center"/>
+                                    </m:mcPr>
+                                  </m:mc>
+                                </m:mcs>
+                                <m:ctrlPr>
+                                  <a:rPr lang="en-US" i="1">
+                                    <a:latin typeface="Cambria Math" panose="02040503050406030204" pitchFamily="18" charset="0"/>
+                                  </a:rPr>
+                                </m:ctrlPr>
+                              </m:mPr>
+                              <m:mr>
+                                <m:e>
+                                  <m:r>
+                                    <m:rPr>
+                                      <m:brk m:alnAt="7"/>
+                                    </m:rPr>
+                                    <a:rPr lang="en-US" b="0" i="1" smtClean="0">
+                                      <a:latin typeface="Cambria Math" panose="02040503050406030204" pitchFamily="18" charset="0"/>
+                                    </a:rPr>
+                                    <m:t>𝑥</m:t>
+                                  </m:r>
+                                </m:e>
+                              </m:mr>
+                              <m:mr>
+                                <m:e>
+                                  <m:r>
+                                    <a:rPr lang="en-US" b="0" i="1" smtClean="0">
+                                      <a:latin typeface="Cambria Math" panose="02040503050406030204" pitchFamily="18" charset="0"/>
+                                    </a:rPr>
+                                    <m:t>𝑦</m:t>
+                                  </m:r>
+                                </m:e>
+                              </m:mr>
+                            </m:m>
+                          </m:e>
+                        </m:d>
+                      </m:e>
+                    </m:acc>
+                  </m:oMath>
+                </a14:m>
+                <a:r>
+                  <a:rPr lang="en-US" dirty="0"/>
+                  <a:t> = </a:t>
+                </a:r>
+                <a14:m>
+                  <m:oMath xmlns:m="http://schemas.openxmlformats.org/officeDocument/2006/math">
+                    <m:d>
+                      <m:dPr>
+                        <m:ctrlPr>
+                          <a:rPr lang="en-US" i="1">
+                            <a:latin typeface="Cambria Math" panose="02040503050406030204" pitchFamily="18" charset="0"/>
+                          </a:rPr>
+                        </m:ctrlPr>
+                      </m:dPr>
+                      <m:e>
+                        <m:m>
+                          <m:mPr>
+                            <m:mcs>
+                              <m:mc>
+                                <m:mcPr>
+                                  <m:count m:val="2"/>
+                                  <m:mcJc m:val="center"/>
+                                </m:mcPr>
+                              </m:mc>
+                            </m:mcs>
+                            <m:ctrlPr>
+                              <a:rPr lang="en-US" i="1">
+                                <a:latin typeface="Cambria Math" panose="02040503050406030204" pitchFamily="18" charset="0"/>
+                              </a:rPr>
+                            </m:ctrlPr>
+                          </m:mPr>
+                          <m:mr>
+                            <m:e>
+                              <m:r>
+                                <a:rPr lang="en-US" b="0" i="1" smtClean="0">
+                                  <a:latin typeface="Cambria Math" panose="02040503050406030204" pitchFamily="18" charset="0"/>
+                                </a:rPr>
+                                <m:t>0</m:t>
+                              </m:r>
+                            </m:e>
+                            <m:e>
+                              <m:r>
+                                <a:rPr lang="en-US" b="0" i="1" smtClean="0">
+                                  <a:latin typeface="Cambria Math" panose="02040503050406030204" pitchFamily="18" charset="0"/>
+                                  <a:ea typeface="Cambria Math" panose="02040503050406030204" pitchFamily="18" charset="0"/>
+                                </a:rPr>
+                                <m:t>𝑏</m:t>
+                              </m:r>
+                            </m:e>
+                          </m:mr>
+                          <m:mr>
+                            <m:e>
+                              <m:r>
+                                <a:rPr lang="en-US" i="1">
+                                  <a:latin typeface="Cambria Math" panose="02040503050406030204" pitchFamily="18" charset="0"/>
+                                </a:rPr>
+                                <m:t>−</m:t>
+                              </m:r>
+                              <m:r>
+                                <a:rPr lang="en-US" b="0" i="1" smtClean="0">
+                                  <a:latin typeface="Cambria Math" panose="02040503050406030204" pitchFamily="18" charset="0"/>
+                                </a:rPr>
+                                <m:t>𝑏</m:t>
+                              </m:r>
+                            </m:e>
+                            <m:e>
+                              <m:r>
+                                <a:rPr lang="en-US" b="0" i="1" smtClean="0">
+                                  <a:latin typeface="Cambria Math" panose="02040503050406030204" pitchFamily="18" charset="0"/>
+                                </a:rPr>
+                                <m:t>0</m:t>
+                              </m:r>
+                            </m:e>
+                          </m:mr>
+                        </m:m>
+                      </m:e>
+                    </m:d>
+                    <m:d>
+                      <m:dPr>
+                        <m:ctrlPr>
+                          <a:rPr lang="en-US" i="1">
+                            <a:latin typeface="Cambria Math" panose="02040503050406030204" pitchFamily="18" charset="0"/>
+                          </a:rPr>
+                        </m:ctrlPr>
+                      </m:dPr>
+                      <m:e>
+                        <m:m>
+                          <m:mPr>
+                            <m:mcs>
+                              <m:mc>
+                                <m:mcPr>
+                                  <m:count m:val="1"/>
+                                  <m:mcJc m:val="center"/>
+                                </m:mcPr>
+                              </m:mc>
+                            </m:mcs>
+                            <m:ctrlPr>
+                              <a:rPr lang="en-US" i="1">
+                                <a:latin typeface="Cambria Math" panose="02040503050406030204" pitchFamily="18" charset="0"/>
+                              </a:rPr>
+                            </m:ctrlPr>
+                          </m:mPr>
+                          <m:mr>
+                            <m:e>
+                              <m:r>
+                                <m:rPr>
+                                  <m:brk m:alnAt="7"/>
+                                </m:rPr>
+                                <a:rPr lang="en-US" b="0" i="1" smtClean="0">
+                                  <a:latin typeface="Cambria Math" panose="02040503050406030204" pitchFamily="18" charset="0"/>
+                                </a:rPr>
+                                <m:t>𝑥</m:t>
+                              </m:r>
+                            </m:e>
+                          </m:mr>
+                          <m:mr>
+                            <m:e>
+                              <m:r>
+                                <a:rPr lang="en-US" b="0" i="1" smtClean="0">
+                                  <a:latin typeface="Cambria Math" panose="02040503050406030204" pitchFamily="18" charset="0"/>
+                                </a:rPr>
+                                <m:t>𝑦</m:t>
+                              </m:r>
+                            </m:e>
+                          </m:mr>
+                        </m:m>
+                      </m:e>
+                    </m:d>
+                  </m:oMath>
+                </a14:m>
+                <a:endParaRPr lang="en-US" dirty="0"/>
+              </a:p>
+              <a:p>
+                <a:pPr marL="0" indent="0" algn="ctr">
+                  <a:buNone/>
+                </a:pPr>
+                <a:endParaRPr lang="en-US" dirty="0"/>
+              </a:p>
+              <a:p>
+                <a:r>
+                  <a:rPr lang="en-US" dirty="0"/>
+                  <a:t>We can use the generalization after finding the eigenvalues and eigenvectors to easily see the trajectories</a:t>
+                </a:r>
+              </a:p>
+            </p:txBody>
+          </p:sp>
+        </mc:Choice>
+        <mc:Fallback>
+          <p:sp>
+            <p:nvSpPr>
+              <p:cNvPr id="3" name="Content Placeholder 2">
+                <a:extLst>
+                  <a:ext uri="{FF2B5EF4-FFF2-40B4-BE49-F238E27FC236}">
+                    <a16:creationId xmlns:a16="http://schemas.microsoft.com/office/drawing/2014/main" id="{3C8CF5E8-1636-7241-926A-B808F94C1C7D}"/>
+                  </a:ext>
+                </a:extLst>
+              </p:cNvPr>
+              <p:cNvSpPr>
+                <a:spLocks noGrp="1" noRot="1" noChangeAspect="1" noMove="1" noResize="1" noEditPoints="1" noAdjustHandles="1" noChangeArrowheads="1" noChangeShapeType="1" noTextEdit="1"/>
+              </p:cNvSpPr>
+              <p:nvPr>
+                <p:ph idx="1"/>
+              </p:nvPr>
+            </p:nvSpPr>
+            <p:spPr>
+              <a:blipFill>
+                <a:blip r:embed="rId3"/>
+                <a:stretch>
+                  <a:fillRect l="-1043" t="-2241"/>
+                </a:stretch>
+              </a:blipFill>
+            </p:spPr>
+            <p:txBody>
+              <a:bodyPr/>
+              <a:lstStyle/>
+              <a:p>
+                <a:r>
+                  <a:rPr lang="en-US">
+                    <a:noFill/>
+                  </a:rPr>
+                  <a:t> </a:t>
+                </a:r>
+              </a:p>
+            </p:txBody>
+          </p:sp>
+        </mc:Fallback>
+      </mc:AlternateContent>
     </p:spTree>
     <p:extLst>
       <p:ext uri="{BB962C8B-B14F-4D97-AF65-F5344CB8AC3E}">
@@ -5260,7 +9948,7 @@
 </p:sld>
 </file>
 
-<file path=ppt/slides/slide14.xml><?xml version="1.0" encoding="utf-8"?>
+<file path=ppt/slides/slide17.xml><?xml version="1.0" encoding="utf-8"?>
 <p:sld xmlns:a="http://schemas.openxmlformats.org/drawingml/2006/main" xmlns:r="http://schemas.openxmlformats.org/officeDocument/2006/relationships" xmlns:p="http://schemas.openxmlformats.org/presentationml/2006/main">
   <p:cSld>
     <p:spTree>
@@ -5284,7 +9972,7 @@
               <p:cNvPr id="2" name="Title 1">
                 <a:extLst>
                   <a:ext uri="{FF2B5EF4-FFF2-40B4-BE49-F238E27FC236}">
-                    <a16:creationId xmlns:a16="http://schemas.microsoft.com/office/drawing/2014/main" id="{22EBB8E2-21E6-1B4B-A59C-073CBA92C3E1}"/>
+                    <a16:creationId xmlns:a16="http://schemas.microsoft.com/office/drawing/2014/main" id="{9F79B2BA-0842-4F22-BA72-8A2BD993660C}"/>
                   </a:ext>
                 </a:extLst>
               </p:cNvPr>
@@ -5307,7 +9995,7 @@
                 <a14:m>
                   <m:oMath xmlns:m="http://schemas.openxmlformats.org/officeDocument/2006/math">
                     <m:r>
-                      <a:rPr lang="en-US" b="0" i="1" smtClean="0">
+                      <a:rPr lang="en-US" i="1">
                         <a:latin typeface="Cambria Math" panose="02040503050406030204" pitchFamily="18" charset="0"/>
                       </a:rPr>
                       <m:t>𝛽</m:t>
@@ -5316,8 +10004,37 @@
                 </a14:m>
                 <a:r>
                   <a:rPr lang="en-US" dirty="0"/>
-                  <a:t> is real</a:t>
+                  <a:t> is real and </a:t>
                 </a:r>
+                <a14:m>
+                  <m:oMath xmlns:m="http://schemas.openxmlformats.org/officeDocument/2006/math">
+                    <m:r>
+                      <a:rPr lang="en-US" i="1">
+                        <a:latin typeface="Cambria Math" panose="02040503050406030204" pitchFamily="18" charset="0"/>
+                      </a:rPr>
+                      <m:t>𝑑</m:t>
+                    </m:r>
+                    <m:r>
+                      <a:rPr lang="en-US" i="1">
+                        <a:latin typeface="Cambria Math" panose="02040503050406030204" pitchFamily="18" charset="0"/>
+                      </a:rPr>
+                      <m:t>=</m:t>
+                    </m:r>
+                    <m:r>
+                      <a:rPr lang="en-US" i="1">
+                        <a:latin typeface="Cambria Math" panose="02040503050406030204" pitchFamily="18" charset="0"/>
+                      </a:rPr>
+                      <m:t>𝑎</m:t>
+                    </m:r>
+                    <m:r>
+                      <a:rPr lang="en-US" i="1">
+                        <a:latin typeface="Cambria Math" panose="02040503050406030204" pitchFamily="18" charset="0"/>
+                      </a:rPr>
+                      <m:t>=0</m:t>
+                    </m:r>
+                  </m:oMath>
+                </a14:m>
+                <a:endParaRPr lang="en-US" dirty="0"/>
               </a:p>
             </p:txBody>
           </p:sp>
@@ -5328,7 +10045,7 @@
               <p:cNvPr id="2" name="Title 1">
                 <a:extLst>
                   <a:ext uri="{FF2B5EF4-FFF2-40B4-BE49-F238E27FC236}">
-                    <a16:creationId xmlns:a16="http://schemas.microsoft.com/office/drawing/2014/main" id="{22EBB8E2-21E6-1B4B-A59C-073CBA92C3E1}"/>
+                    <a16:creationId xmlns:a16="http://schemas.microsoft.com/office/drawing/2014/main" id="{9F79B2BA-0842-4F22-BA72-8A2BD993660C}"/>
                   </a:ext>
                 </a:extLst>
               </p:cNvPr>
@@ -5341,9 +10058,9 @@
             </p:nvSpPr>
             <p:spPr>
               <a:blipFill>
-                <a:blip r:embed="rId2"/>
+                <a:blip r:embed="rId3"/>
                 <a:stretch>
-                  <a:fillRect l="-2292"/>
+                  <a:fillRect l="-2377"/>
                 </a:stretch>
               </a:blipFill>
             </p:spPr>
@@ -5362,78 +10079,14 @@
           </p:sp>
         </mc:Fallback>
       </mc:AlternateContent>
-      <p:sp>
-        <p:nvSpPr>
-          <p:cNvPr id="3" name="Content Placeholder 2">
-            <a:extLst>
-              <a:ext uri="{FF2B5EF4-FFF2-40B4-BE49-F238E27FC236}">
-                <a16:creationId xmlns:a16="http://schemas.microsoft.com/office/drawing/2014/main" id="{A483E384-E955-A84D-8A27-0203B4AE2D5F}"/>
-              </a:ext>
-            </a:extLst>
-          </p:cNvPr>
-          <p:cNvSpPr>
-            <a:spLocks noGrp="1"/>
-          </p:cNvSpPr>
-          <p:nvPr>
-            <p:ph idx="1"/>
-          </p:nvPr>
-        </p:nvSpPr>
-        <p:spPr/>
-        <p:txBody>
-          <a:bodyPr/>
-          <a:lstStyle/>
-          <a:p>
-            <a:r>
-              <a:rPr lang="en-US" dirty="0"/>
-              <a:t>Diagonalization</a:t>
-            </a:r>
-          </a:p>
-          <a:p>
-            <a:r>
-              <a:rPr lang="en-US" dirty="0"/>
-              <a:t>Eigenvalues</a:t>
-            </a:r>
-          </a:p>
-        </p:txBody>
-      </p:sp>
-    </p:spTree>
-    <p:extLst>
-      <p:ext uri="{BB962C8B-B14F-4D97-AF65-F5344CB8AC3E}">
-        <p14:creationId xmlns:p14="http://schemas.microsoft.com/office/powerpoint/2010/main" val="4113821865"/>
-      </p:ext>
-    </p:extLst>
-  </p:cSld>
-  <p:clrMapOvr>
-    <a:masterClrMapping/>
-  </p:clrMapOvr>
-</p:sld>
-</file>
-
-<file path=ppt/slides/slide15.xml><?xml version="1.0" encoding="utf-8"?>
-<p:sld xmlns:a="http://schemas.openxmlformats.org/drawingml/2006/main" xmlns:r="http://schemas.openxmlformats.org/officeDocument/2006/relationships" xmlns:p="http://schemas.openxmlformats.org/presentationml/2006/main">
-  <p:cSld>
-    <p:spTree>
-      <p:nvGrpSpPr>
-        <p:cNvPr id="1" name=""/>
-        <p:cNvGrpSpPr/>
-        <p:nvPr/>
-      </p:nvGrpSpPr>
-      <p:grpSpPr>
-        <a:xfrm>
-          <a:off x="0" y="0"/>
-          <a:ext cx="0" cy="0"/>
-          <a:chOff x="0" y="0"/>
-          <a:chExt cx="0" cy="0"/>
-        </a:xfrm>
-      </p:grpSpPr>
       <mc:AlternateContent xmlns:mc="http://schemas.openxmlformats.org/markup-compatibility/2006">
         <mc:Choice xmlns:a14="http://schemas.microsoft.com/office/drawing/2010/main" Requires="a14">
           <p:sp>
             <p:nvSpPr>
-              <p:cNvPr id="2" name="Title 1">
+              <p:cNvPr id="3" name="Content Placeholder 2">
                 <a:extLst>
                   <a:ext uri="{FF2B5EF4-FFF2-40B4-BE49-F238E27FC236}">
-                    <a16:creationId xmlns:a16="http://schemas.microsoft.com/office/drawing/2014/main" id="{22EBB8E2-21E6-1B4B-A59C-073CBA92C3E1}"/>
+                    <a16:creationId xmlns:a16="http://schemas.microsoft.com/office/drawing/2014/main" id="{CBB3853F-17AF-48FD-B821-1C90B8173D0F}"/>
                   </a:ext>
                 </a:extLst>
               </p:cNvPr>
@@ -5441,17 +10094,293 @@
                 <a:spLocks noGrp="1"/>
               </p:cNvSpPr>
               <p:nvPr>
-                <p:ph type="title"/>
+                <p:ph idx="1"/>
               </p:nvPr>
             </p:nvSpPr>
             <p:spPr/>
             <p:txBody>
-              <a:bodyPr/>
+              <a:bodyPr>
+                <a:normAutofit/>
+              </a:bodyPr>
               <a:lstStyle/>
               <a:p>
+                <a:pPr marL="0" indent="0" algn="ctr">
+                  <a:buNone/>
+                </a:pPr>
+                <a14:m>
+                  <m:oMathPara xmlns:m="http://schemas.openxmlformats.org/officeDocument/2006/math">
+                    <m:oMathParaPr>
+                      <m:jc m:val="centerGroup"/>
+                    </m:oMathParaPr>
+                    <m:oMath xmlns:m="http://schemas.openxmlformats.org/officeDocument/2006/math">
+                      <m:d>
+                        <m:dPr>
+                          <m:begChr m:val="|"/>
+                          <m:endChr m:val="|"/>
+                          <m:ctrlPr>
+                            <a:rPr lang="en-US" i="1" smtClean="0">
+                              <a:latin typeface="Cambria Math" panose="02040503050406030204" pitchFamily="18" charset="0"/>
+                            </a:rPr>
+                          </m:ctrlPr>
+                        </m:dPr>
+                        <m:e>
+                          <m:r>
+                            <a:rPr lang="en-US" i="1">
+                              <a:latin typeface="Cambria Math" panose="02040503050406030204" pitchFamily="18" charset="0"/>
+                            </a:rPr>
+                            <m:t>𝑣</m:t>
+                          </m:r>
+                          <m:sSup>
+                            <m:sSupPr>
+                              <m:ctrlPr>
+                                <a:rPr lang="en-US" i="1">
+                                  <a:latin typeface="Cambria Math" panose="02040503050406030204" pitchFamily="18" charset="0"/>
+                                </a:rPr>
+                              </m:ctrlPr>
+                            </m:sSupPr>
+                            <m:e>
+                              <m:r>
+                                <a:rPr lang="en-US" i="1">
+                                  <a:latin typeface="Cambria Math" panose="02040503050406030204" pitchFamily="18" charset="0"/>
+                                </a:rPr>
+                                <m:t>𝑢</m:t>
+                              </m:r>
+                            </m:e>
+                            <m:sup>
+                              <m:r>
+                                <a:rPr lang="en-US" i="1">
+                                  <a:latin typeface="Cambria Math" panose="02040503050406030204" pitchFamily="18" charset="0"/>
+                                </a:rPr>
+                                <m:t>−1</m:t>
+                              </m:r>
+                            </m:sup>
+                          </m:sSup>
+                        </m:e>
+                      </m:d>
+                      <m:r>
+                        <a:rPr lang="en-US" b="0" i="1" smtClean="0">
+                          <a:latin typeface="Cambria Math" panose="02040503050406030204" pitchFamily="18" charset="0"/>
+                        </a:rPr>
+                        <m:t>= </m:t>
+                      </m:r>
+                      <m:d>
+                        <m:dPr>
+                          <m:begChr m:val="|"/>
+                          <m:endChr m:val="|"/>
+                          <m:ctrlPr>
+                            <a:rPr lang="en-US" b="0" i="1" smtClean="0">
+                              <a:latin typeface="Cambria Math" panose="02040503050406030204" pitchFamily="18" charset="0"/>
+                            </a:rPr>
+                          </m:ctrlPr>
+                        </m:dPr>
+                        <m:e>
+                          <m:f>
+                            <m:fPr>
+                              <m:ctrlPr>
+                                <a:rPr lang="en-US" i="1">
+                                  <a:latin typeface="Cambria Math" panose="02040503050406030204" pitchFamily="18" charset="0"/>
+                                </a:rPr>
+                              </m:ctrlPr>
+                            </m:fPr>
+                            <m:num>
+                              <m:r>
+                                <a:rPr lang="en-US" i="1">
+                                  <a:latin typeface="Cambria Math" panose="02040503050406030204" pitchFamily="18" charset="0"/>
+                                </a:rPr>
+                                <m:t>𝑖</m:t>
+                              </m:r>
+                              <m:r>
+                                <a:rPr lang="en-US" i="1">
+                                  <a:latin typeface="Cambria Math" panose="02040503050406030204" pitchFamily="18" charset="0"/>
+                                </a:rPr>
+                                <m:t>+</m:t>
+                              </m:r>
+                              <m:r>
+                                <a:rPr lang="en-US" i="1">
+                                  <a:latin typeface="Cambria Math" panose="02040503050406030204" pitchFamily="18" charset="0"/>
+                                </a:rPr>
+                                <m:t>𝑧</m:t>
+                              </m:r>
+                            </m:num>
+                            <m:den>
+                              <m:r>
+                                <a:rPr lang="en-US" i="1">
+                                  <a:latin typeface="Cambria Math" panose="02040503050406030204" pitchFamily="18" charset="0"/>
+                                </a:rPr>
+                                <m:t>1</m:t>
+                              </m:r>
+                              <m:r>
+                                <a:rPr lang="en-US" i="1">
+                                  <a:latin typeface="Cambria Math" panose="02040503050406030204" pitchFamily="18" charset="0"/>
+                                </a:rPr>
+                                <m:t>+</m:t>
+                              </m:r>
+                              <m:r>
+                                <a:rPr lang="en-US" i="1">
+                                  <a:latin typeface="Cambria Math" panose="02040503050406030204" pitchFamily="18" charset="0"/>
+                                </a:rPr>
+                                <m:t>𝑖</m:t>
+                              </m:r>
+                              <m:r>
+                                <a:rPr lang="en-US" i="1">
+                                  <a:latin typeface="Cambria Math" panose="02040503050406030204" pitchFamily="18" charset="0"/>
+                                </a:rPr>
+                                <m:t>𝑧</m:t>
+                              </m:r>
+                            </m:den>
+                          </m:f>
+                        </m:e>
+                      </m:d>
+                      <m:r>
+                        <a:rPr lang="en-US" b="0" i="1" smtClean="0">
+                          <a:latin typeface="Cambria Math" panose="02040503050406030204" pitchFamily="18" charset="0"/>
+                        </a:rPr>
+                        <m:t>=</m:t>
+                      </m:r>
+                      <m:r>
+                        <a:rPr lang="en-US" b="0" i="1" smtClean="0">
+                          <a:latin typeface="Cambria Math" panose="02040503050406030204" pitchFamily="18" charset="0"/>
+                        </a:rPr>
+                        <m:t>𝑐</m:t>
+                      </m:r>
+                    </m:oMath>
+                  </m:oMathPara>
+                </a14:m>
+                <a:endParaRPr lang="en-US" b="0" dirty="0"/>
+              </a:p>
+              <a:p>
+                <a:pPr marL="0" indent="0" algn="ctr">
+                  <a:buNone/>
+                </a:pPr>
+                <a:endParaRPr lang="en-US" b="0" dirty="0"/>
+              </a:p>
+              <a:p>
+                <a:pPr marL="0" indent="0">
+                  <a:buNone/>
+                </a:pPr>
                 <a:r>
                   <a:rPr lang="en-US" dirty="0"/>
-                  <a:t>Solution for </a:t>
+                  <a:t>Note that </a:t>
+                </a:r>
+                <a14:m>
+                  <m:oMath xmlns:m="http://schemas.openxmlformats.org/officeDocument/2006/math">
+                    <m:d>
+                      <m:dPr>
+                        <m:begChr m:val="|"/>
+                        <m:endChr m:val="|"/>
+                        <m:ctrlPr>
+                          <a:rPr lang="en-US" b="0" i="1" smtClean="0">
+                            <a:latin typeface="Cambria Math" panose="02040503050406030204" pitchFamily="18" charset="0"/>
+                          </a:rPr>
+                        </m:ctrlPr>
+                      </m:dPr>
+                      <m:e>
+                        <m:r>
+                          <a:rPr lang="en-US" b="0" i="1" smtClean="0">
+                            <a:latin typeface="Cambria Math" panose="02040503050406030204" pitchFamily="18" charset="0"/>
+                          </a:rPr>
+                          <m:t>𝑎</m:t>
+                        </m:r>
+                        <m:r>
+                          <a:rPr lang="en-US" b="0" i="1" smtClean="0">
+                            <a:latin typeface="Cambria Math" panose="02040503050406030204" pitchFamily="18" charset="0"/>
+                          </a:rPr>
+                          <m:t>+</m:t>
+                        </m:r>
+                        <m:r>
+                          <a:rPr lang="en-US" b="0" i="1" smtClean="0">
+                            <a:latin typeface="Cambria Math" panose="02040503050406030204" pitchFamily="18" charset="0"/>
+                          </a:rPr>
+                          <m:t>𝑏𝑖</m:t>
+                        </m:r>
+                      </m:e>
+                    </m:d>
+                    <m:r>
+                      <a:rPr lang="en-US" b="0" i="1" smtClean="0">
+                        <a:latin typeface="Cambria Math" panose="02040503050406030204" pitchFamily="18" charset="0"/>
+                      </a:rPr>
+                      <m:t>= </m:t>
+                    </m:r>
+                    <m:rad>
+                      <m:radPr>
+                        <m:degHide m:val="on"/>
+                        <m:ctrlPr>
+                          <a:rPr lang="en-US" b="0" i="1" smtClean="0">
+                            <a:latin typeface="Cambria Math" panose="02040503050406030204" pitchFamily="18" charset="0"/>
+                          </a:rPr>
+                        </m:ctrlPr>
+                      </m:radPr>
+                      <m:deg/>
+                      <m:e>
+                        <m:sSup>
+                          <m:sSupPr>
+                            <m:ctrlPr>
+                              <a:rPr lang="en-US" b="0" i="1" smtClean="0">
+                                <a:latin typeface="Cambria Math" panose="02040503050406030204" pitchFamily="18" charset="0"/>
+                              </a:rPr>
+                            </m:ctrlPr>
+                          </m:sSupPr>
+                          <m:e>
+                            <m:r>
+                              <a:rPr lang="en-US" b="0" i="1" smtClean="0">
+                                <a:latin typeface="Cambria Math" panose="02040503050406030204" pitchFamily="18" charset="0"/>
+                              </a:rPr>
+                              <m:t>𝑎</m:t>
+                            </m:r>
+                          </m:e>
+                          <m:sup>
+                            <m:r>
+                              <a:rPr lang="en-US" b="0" i="1" smtClean="0">
+                                <a:latin typeface="Cambria Math" panose="02040503050406030204" pitchFamily="18" charset="0"/>
+                              </a:rPr>
+                              <m:t>2</m:t>
+                            </m:r>
+                          </m:sup>
+                        </m:sSup>
+                        <m:r>
+                          <a:rPr lang="en-US" b="0" i="1" smtClean="0">
+                            <a:latin typeface="Cambria Math" panose="02040503050406030204" pitchFamily="18" charset="0"/>
+                          </a:rPr>
+                          <m:t>+</m:t>
+                        </m:r>
+                        <m:sSup>
+                          <m:sSupPr>
+                            <m:ctrlPr>
+                              <a:rPr lang="en-US" b="0" i="1" smtClean="0">
+                                <a:latin typeface="Cambria Math" panose="02040503050406030204" pitchFamily="18" charset="0"/>
+                              </a:rPr>
+                            </m:ctrlPr>
+                          </m:sSupPr>
+                          <m:e>
+                            <m:r>
+                              <a:rPr lang="en-US" b="0" i="1" smtClean="0">
+                                <a:latin typeface="Cambria Math" panose="02040503050406030204" pitchFamily="18" charset="0"/>
+                              </a:rPr>
+                              <m:t>𝑏</m:t>
+                            </m:r>
+                          </m:e>
+                          <m:sup>
+                            <m:r>
+                              <a:rPr lang="en-US" b="0" i="1" smtClean="0">
+                                <a:latin typeface="Cambria Math" panose="02040503050406030204" pitchFamily="18" charset="0"/>
+                              </a:rPr>
+                              <m:t>2</m:t>
+                            </m:r>
+                          </m:sup>
+                        </m:sSup>
+                      </m:e>
+                    </m:rad>
+                  </m:oMath>
+                </a14:m>
+                <a:endParaRPr lang="en-US" b="0" dirty="0"/>
+              </a:p>
+              <a:p>
+                <a:pPr marL="0" indent="0">
+                  <a:buNone/>
+                </a:pPr>
+                <a:r>
+                  <a:rPr lang="en-US" dirty="0"/>
+                  <a:t>Where </a:t>
                 </a:r>
                 <a14:m>
                   <m:oMath xmlns:m="http://schemas.openxmlformats.org/officeDocument/2006/math">
@@ -5459,14 +10388,277 @@
                       <a:rPr lang="en-US" b="0" i="1" smtClean="0">
                         <a:latin typeface="Cambria Math" panose="02040503050406030204" pitchFamily="18" charset="0"/>
                       </a:rPr>
-                      <m:t>𝛽</m:t>
+                      <m:t>𝑐</m:t>
+                    </m:r>
+                    <m:r>
+                      <a:rPr lang="en-US" b="0" i="1" smtClean="0">
+                        <a:latin typeface="Cambria Math" panose="02040503050406030204" pitchFamily="18" charset="0"/>
+                      </a:rPr>
+                      <m:t> </m:t>
                     </m:r>
                   </m:oMath>
                 </a14:m>
                 <a:r>
                   <a:rPr lang="en-US" dirty="0"/>
-                  <a:t> is real (continued)</a:t>
+                  <a:t>is a constant. Letting </a:t>
                 </a:r>
+                <a14:m>
+                  <m:oMath xmlns:m="http://schemas.openxmlformats.org/officeDocument/2006/math">
+                    <m:r>
+                      <a:rPr lang="en-US" b="0" i="1" smtClean="0">
+                        <a:latin typeface="Cambria Math" panose="02040503050406030204" pitchFamily="18" charset="0"/>
+                      </a:rPr>
+                      <m:t>𝑧</m:t>
+                    </m:r>
+                    <m:r>
+                      <a:rPr lang="en-US" b="0" i="1" smtClean="0">
+                        <a:latin typeface="Cambria Math" panose="02040503050406030204" pitchFamily="18" charset="0"/>
+                      </a:rPr>
+                      <m:t>=</m:t>
+                    </m:r>
+                    <m:r>
+                      <a:rPr lang="en-US" b="0" i="1" smtClean="0">
+                        <a:latin typeface="Cambria Math" panose="02040503050406030204" pitchFamily="18" charset="0"/>
+                      </a:rPr>
+                      <m:t>𝑓</m:t>
+                    </m:r>
+                    <m:r>
+                      <a:rPr lang="en-US" b="0" i="1" smtClean="0">
+                        <a:latin typeface="Cambria Math" panose="02040503050406030204" pitchFamily="18" charset="0"/>
+                      </a:rPr>
+                      <m:t>+</m:t>
+                    </m:r>
+                    <m:r>
+                      <a:rPr lang="en-US" b="0" i="1" smtClean="0">
+                        <a:latin typeface="Cambria Math" panose="02040503050406030204" pitchFamily="18" charset="0"/>
+                      </a:rPr>
+                      <m:t>𝑖𝑔</m:t>
+                    </m:r>
+                  </m:oMath>
+                </a14:m>
+                <a:r>
+                  <a:rPr lang="en-US" dirty="0"/>
+                  <a:t> and solving for </a:t>
+                </a:r>
+                <a14:m>
+                  <m:oMath xmlns:m="http://schemas.openxmlformats.org/officeDocument/2006/math">
+                    <m:r>
+                      <a:rPr lang="en-US" b="0" i="1" smtClean="0">
+                        <a:latin typeface="Cambria Math" panose="02040503050406030204" pitchFamily="18" charset="0"/>
+                      </a:rPr>
+                      <m:t>𝑓</m:t>
+                    </m:r>
+                  </m:oMath>
+                </a14:m>
+                <a:r>
+                  <a:rPr lang="en-US" dirty="0"/>
+                  <a:t> gives us</a:t>
+                </a:r>
+              </a:p>
+              <a:p>
+                <a:pPr marL="0" indent="0">
+                  <a:buNone/>
+                </a:pPr>
+                <a:endParaRPr lang="en-US" dirty="0"/>
+              </a:p>
+              <a:p>
+                <a:pPr marL="0" indent="0" algn="ctr">
+                  <a:buNone/>
+                </a:pPr>
+                <a14:m>
+                  <m:oMathPara xmlns:m="http://schemas.openxmlformats.org/officeDocument/2006/math">
+                    <m:oMathParaPr>
+                      <m:jc m:val="centerGroup"/>
+                    </m:oMathParaPr>
+                    <m:oMath xmlns:m="http://schemas.openxmlformats.org/officeDocument/2006/math">
+                      <m:r>
+                        <a:rPr lang="en-US" b="0" i="1" smtClean="0">
+                          <a:latin typeface="Cambria Math" panose="02040503050406030204" pitchFamily="18" charset="0"/>
+                        </a:rPr>
+                        <m:t>𝑓</m:t>
+                      </m:r>
+                      <m:r>
+                        <a:rPr lang="en-US" b="0" i="1" smtClean="0">
+                          <a:latin typeface="Cambria Math" panose="02040503050406030204" pitchFamily="18" charset="0"/>
+                        </a:rPr>
+                        <m:t>= </m:t>
+                      </m:r>
+                      <m:rad>
+                        <m:radPr>
+                          <m:degHide m:val="on"/>
+                          <m:ctrlPr>
+                            <a:rPr lang="en-US" b="0" i="1" smtClean="0">
+                              <a:latin typeface="Cambria Math" panose="02040503050406030204" pitchFamily="18" charset="0"/>
+                            </a:rPr>
+                          </m:ctrlPr>
+                        </m:radPr>
+                        <m:deg/>
+                        <m:e>
+                          <m:f>
+                            <m:fPr>
+                              <m:ctrlPr>
+                                <a:rPr lang="en-US" b="0" i="1" smtClean="0">
+                                  <a:latin typeface="Cambria Math" panose="02040503050406030204" pitchFamily="18" charset="0"/>
+                                </a:rPr>
+                              </m:ctrlPr>
+                            </m:fPr>
+                            <m:num>
+                              <m:sSup>
+                                <m:sSupPr>
+                                  <m:ctrlPr>
+                                    <a:rPr lang="en-US" b="0" i="1" smtClean="0">
+                                      <a:latin typeface="Cambria Math" panose="02040503050406030204" pitchFamily="18" charset="0"/>
+                                    </a:rPr>
+                                  </m:ctrlPr>
+                                </m:sSupPr>
+                                <m:e>
+                                  <m:r>
+                                    <a:rPr lang="en-US" b="0" i="1" smtClean="0">
+                                      <a:latin typeface="Cambria Math" panose="02040503050406030204" pitchFamily="18" charset="0"/>
+                                    </a:rPr>
+                                    <m:t>𝑐</m:t>
+                                  </m:r>
+                                </m:e>
+                                <m:sup>
+                                  <m:r>
+                                    <a:rPr lang="en-US" b="0" i="1" smtClean="0">
+                                      <a:latin typeface="Cambria Math" panose="02040503050406030204" pitchFamily="18" charset="0"/>
+                                    </a:rPr>
+                                    <m:t>2</m:t>
+                                  </m:r>
+                                </m:sup>
+                              </m:sSup>
+                              <m:sSup>
+                                <m:sSupPr>
+                                  <m:ctrlPr>
+                                    <a:rPr lang="en-US" b="0" i="1" smtClean="0">
+                                      <a:latin typeface="Cambria Math" panose="02040503050406030204" pitchFamily="18" charset="0"/>
+                                    </a:rPr>
+                                  </m:ctrlPr>
+                                </m:sSupPr>
+                                <m:e>
+                                  <m:d>
+                                    <m:dPr>
+                                      <m:ctrlPr>
+                                        <a:rPr lang="en-US" b="0" i="1" smtClean="0">
+                                          <a:latin typeface="Cambria Math" panose="02040503050406030204" pitchFamily="18" charset="0"/>
+                                        </a:rPr>
+                                      </m:ctrlPr>
+                                    </m:dPr>
+                                    <m:e>
+                                      <m:r>
+                                        <a:rPr lang="en-US" b="0" i="1" smtClean="0">
+                                          <a:latin typeface="Cambria Math" panose="02040503050406030204" pitchFamily="18" charset="0"/>
+                                        </a:rPr>
+                                        <m:t>1−</m:t>
+                                      </m:r>
+                                      <m:r>
+                                        <a:rPr lang="en-US" b="0" i="1" smtClean="0">
+                                          <a:latin typeface="Cambria Math" panose="02040503050406030204" pitchFamily="18" charset="0"/>
+                                        </a:rPr>
+                                        <m:t>𝑔</m:t>
+                                      </m:r>
+                                    </m:e>
+                                  </m:d>
+                                </m:e>
+                                <m:sup>
+                                  <m:r>
+                                    <a:rPr lang="en-US" b="0" i="1" smtClean="0">
+                                      <a:latin typeface="Cambria Math" panose="02040503050406030204" pitchFamily="18" charset="0"/>
+                                    </a:rPr>
+                                    <m:t>2</m:t>
+                                  </m:r>
+                                </m:sup>
+                              </m:sSup>
+                              <m:r>
+                                <a:rPr lang="en-US" b="0" i="1" smtClean="0">
+                                  <a:latin typeface="Cambria Math" panose="02040503050406030204" pitchFamily="18" charset="0"/>
+                                </a:rPr>
+                                <m:t>−</m:t>
+                              </m:r>
+                              <m:sSup>
+                                <m:sSupPr>
+                                  <m:ctrlPr>
+                                    <a:rPr lang="en-US" b="0" i="1" smtClean="0">
+                                      <a:latin typeface="Cambria Math" panose="02040503050406030204" pitchFamily="18" charset="0"/>
+                                    </a:rPr>
+                                  </m:ctrlPr>
+                                </m:sSupPr>
+                                <m:e>
+                                  <m:d>
+                                    <m:dPr>
+                                      <m:ctrlPr>
+                                        <a:rPr lang="en-US" b="0" i="1" smtClean="0">
+                                          <a:latin typeface="Cambria Math" panose="02040503050406030204" pitchFamily="18" charset="0"/>
+                                        </a:rPr>
+                                      </m:ctrlPr>
+                                    </m:dPr>
+                                    <m:e>
+                                      <m:r>
+                                        <a:rPr lang="en-US" b="0" i="1" smtClean="0">
+                                          <a:latin typeface="Cambria Math" panose="02040503050406030204" pitchFamily="18" charset="0"/>
+                                        </a:rPr>
+                                        <m:t>1+</m:t>
+                                      </m:r>
+                                      <m:r>
+                                        <a:rPr lang="en-US" b="0" i="1" smtClean="0">
+                                          <a:latin typeface="Cambria Math" panose="02040503050406030204" pitchFamily="18" charset="0"/>
+                                        </a:rPr>
+                                        <m:t>𝑔</m:t>
+                                      </m:r>
+                                    </m:e>
+                                  </m:d>
+                                </m:e>
+                                <m:sup>
+                                  <m:r>
+                                    <a:rPr lang="en-US" b="0" i="1" smtClean="0">
+                                      <a:latin typeface="Cambria Math" panose="02040503050406030204" pitchFamily="18" charset="0"/>
+                                    </a:rPr>
+                                    <m:t>2</m:t>
+                                  </m:r>
+                                </m:sup>
+                              </m:sSup>
+                            </m:num>
+                            <m:den>
+                              <m:r>
+                                <a:rPr lang="en-US" b="0" i="1" smtClean="0">
+                                  <a:latin typeface="Cambria Math" panose="02040503050406030204" pitchFamily="18" charset="0"/>
+                                </a:rPr>
+                                <m:t>1−</m:t>
+                              </m:r>
+                              <m:sSup>
+                                <m:sSupPr>
+                                  <m:ctrlPr>
+                                    <a:rPr lang="en-US" b="0" i="1" smtClean="0">
+                                      <a:latin typeface="Cambria Math" panose="02040503050406030204" pitchFamily="18" charset="0"/>
+                                    </a:rPr>
+                                  </m:ctrlPr>
+                                </m:sSupPr>
+                                <m:e>
+                                  <m:r>
+                                    <a:rPr lang="en-US" b="0" i="1" smtClean="0">
+                                      <a:latin typeface="Cambria Math" panose="02040503050406030204" pitchFamily="18" charset="0"/>
+                                    </a:rPr>
+                                    <m:t>𝑐</m:t>
+                                  </m:r>
+                                </m:e>
+                                <m:sup>
+                                  <m:r>
+                                    <a:rPr lang="en-US" b="0" i="1" smtClean="0">
+                                      <a:latin typeface="Cambria Math" panose="02040503050406030204" pitchFamily="18" charset="0"/>
+                                    </a:rPr>
+                                    <m:t>2</m:t>
+                                  </m:r>
+                                </m:sup>
+                              </m:sSup>
+                            </m:den>
+                          </m:f>
+                        </m:e>
+                      </m:rad>
+                    </m:oMath>
+                  </m:oMathPara>
+                </a14:m>
+                <a:endParaRPr lang="en-US" dirty="0"/>
               </a:p>
             </p:txBody>
           </p:sp>
@@ -5474,10 +10666,10 @@
         <mc:Fallback>
           <p:sp>
             <p:nvSpPr>
-              <p:cNvPr id="2" name="Title 1">
+              <p:cNvPr id="3" name="Content Placeholder 2">
                 <a:extLst>
                   <a:ext uri="{FF2B5EF4-FFF2-40B4-BE49-F238E27FC236}">
-                    <a16:creationId xmlns:a16="http://schemas.microsoft.com/office/drawing/2014/main" id="{22EBB8E2-21E6-1B4B-A59C-073CBA92C3E1}"/>
+                    <a16:creationId xmlns:a16="http://schemas.microsoft.com/office/drawing/2014/main" id="{CBB3853F-17AF-48FD-B821-1C90B8173D0F}"/>
                   </a:ext>
                 </a:extLst>
               </p:cNvPr>
@@ -5485,14 +10677,14 @@
                 <a:spLocks noGrp="1" noRot="1" noChangeAspect="1" noMove="1" noResize="1" noEditPoints="1" noAdjustHandles="1" noChangeArrowheads="1" noChangeShapeType="1" noTextEdit="1"/>
               </p:cNvSpPr>
               <p:nvPr>
-                <p:ph type="title"/>
+                <p:ph idx="1"/>
               </p:nvPr>
             </p:nvSpPr>
             <p:spPr>
               <a:blipFill>
-                <a:blip r:embed="rId3"/>
+                <a:blip r:embed="rId4"/>
                 <a:stretch>
-                  <a:fillRect l="-2292"/>
+                  <a:fillRect l="-1217"/>
                 </a:stretch>
               </a:blipFill>
             </p:spPr>
@@ -5511,52 +10703,10 @@
           </p:sp>
         </mc:Fallback>
       </mc:AlternateContent>
-      <p:sp>
-        <p:nvSpPr>
-          <p:cNvPr id="3" name="Content Placeholder 2">
-            <a:extLst>
-              <a:ext uri="{FF2B5EF4-FFF2-40B4-BE49-F238E27FC236}">
-                <a16:creationId xmlns:a16="http://schemas.microsoft.com/office/drawing/2014/main" id="{A483E384-E955-A84D-8A27-0203B4AE2D5F}"/>
-              </a:ext>
-            </a:extLst>
-          </p:cNvPr>
-          <p:cNvSpPr>
-            <a:spLocks noGrp="1"/>
-          </p:cNvSpPr>
-          <p:nvPr>
-            <p:ph idx="1"/>
-          </p:nvPr>
-        </p:nvSpPr>
-        <p:spPr/>
-        <p:txBody>
-          <a:bodyPr/>
-          <a:lstStyle/>
-          <a:p>
-            <a:r>
-              <a:rPr lang="en-US" dirty="0"/>
-              <a:t>Solution for |</a:t>
-            </a:r>
-            <a:r>
-              <a:rPr lang="en-US" dirty="0" err="1"/>
-              <a:t>uv</a:t>
-            </a:r>
-            <a:r>
-              <a:rPr lang="en-US" dirty="0"/>
-              <a:t>|</a:t>
-            </a:r>
-          </a:p>
-          <a:p>
-            <a:r>
-              <a:rPr lang="en-US" dirty="0"/>
-              <a:t>Interactive plot</a:t>
-            </a:r>
-          </a:p>
-        </p:txBody>
-      </p:sp>
     </p:spTree>
     <p:extLst>
       <p:ext uri="{BB962C8B-B14F-4D97-AF65-F5344CB8AC3E}">
-        <p14:creationId xmlns:p14="http://schemas.microsoft.com/office/powerpoint/2010/main" val="1585421521"/>
+        <p14:creationId xmlns:p14="http://schemas.microsoft.com/office/powerpoint/2010/main" val="382941439"/>
       </p:ext>
     </p:extLst>
   </p:cSld>
@@ -5566,7 +10716,7 @@
 </p:sld>
 </file>
 
-<file path=ppt/slides/slide16.xml><?xml version="1.0" encoding="utf-8"?>
+<file path=ppt/slides/slide18.xml><?xml version="1.0" encoding="utf-8"?>
 <p:sld xmlns:a="http://schemas.openxmlformats.org/drawingml/2006/main" xmlns:r="http://schemas.openxmlformats.org/officeDocument/2006/relationships" xmlns:p="http://schemas.openxmlformats.org/presentationml/2006/main">
   <p:cSld>
     <p:spTree>
@@ -5583,8 +10733,8 @@
           <a:chExt cx="0" cy="0"/>
         </a:xfrm>
       </p:grpSpPr>
-      <mc:AlternateContent xmlns:mc="http://schemas.openxmlformats.org/markup-compatibility/2006">
-        <mc:Choice xmlns:a14="http://schemas.microsoft.com/office/drawing/2010/main" Requires="a14">
+      <mc:AlternateContent xmlns:mc="http://schemas.openxmlformats.org/markup-compatibility/2006" xmlns:a14="http://schemas.microsoft.com/office/drawing/2010/main">
+        <mc:Choice Requires="a14">
           <p:sp>
             <p:nvSpPr>
               <p:cNvPr id="2" name="Title 1">
@@ -5628,7 +10778,7 @@
             </p:txBody>
           </p:sp>
         </mc:Choice>
-        <mc:Fallback>
+        <mc:Fallback xmlns="">
           <p:sp>
             <p:nvSpPr>
               <p:cNvPr id="2" name="Title 1">
@@ -5668,40 +10818,427 @@
           </p:sp>
         </mc:Fallback>
       </mc:AlternateContent>
-      <p:sp>
-        <p:nvSpPr>
-          <p:cNvPr id="3" name="Content Placeholder 2">
-            <a:extLst>
-              <a:ext uri="{FF2B5EF4-FFF2-40B4-BE49-F238E27FC236}">
-                <a16:creationId xmlns:a16="http://schemas.microsoft.com/office/drawing/2014/main" id="{A483E384-E955-A84D-8A27-0203B4AE2D5F}"/>
-              </a:ext>
-            </a:extLst>
-          </p:cNvPr>
-          <p:cNvSpPr>
-            <a:spLocks noGrp="1"/>
-          </p:cNvSpPr>
-          <p:nvPr>
-            <p:ph idx="1"/>
-          </p:nvPr>
-        </p:nvSpPr>
-        <p:spPr/>
-        <p:txBody>
-          <a:bodyPr/>
-          <a:lstStyle/>
-          <a:p>
-            <a:r>
-              <a:rPr lang="en-US" dirty="0"/>
-              <a:t>Diagonalization</a:t>
-            </a:r>
-          </a:p>
-          <a:p>
-            <a:r>
-              <a:rPr lang="en-US" dirty="0"/>
-              <a:t>Eigenvalues</a:t>
-            </a:r>
-          </a:p>
-        </p:txBody>
-      </p:sp>
+      <mc:AlternateContent xmlns:mc="http://schemas.openxmlformats.org/markup-compatibility/2006">
+        <mc:Choice xmlns:a14="http://schemas.microsoft.com/office/drawing/2010/main" Requires="a14">
+          <p:sp>
+            <p:nvSpPr>
+              <p:cNvPr id="3" name="Content Placeholder 2">
+                <a:extLst>
+                  <a:ext uri="{FF2B5EF4-FFF2-40B4-BE49-F238E27FC236}">
+                    <a16:creationId xmlns:a16="http://schemas.microsoft.com/office/drawing/2014/main" id="{A483E384-E955-A84D-8A27-0203B4AE2D5F}"/>
+                  </a:ext>
+                </a:extLst>
+              </p:cNvPr>
+              <p:cNvSpPr>
+                <a:spLocks noGrp="1"/>
+              </p:cNvSpPr>
+              <p:nvPr>
+                <p:ph idx="1"/>
+              </p:nvPr>
+            </p:nvSpPr>
+            <p:spPr/>
+            <p:txBody>
+              <a:bodyPr/>
+              <a:lstStyle/>
+              <a:p>
+                <a:pPr marL="0" indent="0" algn="ctr">
+                  <a:buNone/>
+                </a:pPr>
+                <a14:m>
+                  <m:oMath xmlns:m="http://schemas.openxmlformats.org/officeDocument/2006/math">
+                    <m:acc>
+                      <m:accPr>
+                        <m:chr m:val="̇"/>
+                        <m:ctrlPr>
+                          <a:rPr lang="en-US" i="1" smtClean="0">
+                            <a:latin typeface="Cambria Math" panose="02040503050406030204" pitchFamily="18" charset="0"/>
+                          </a:rPr>
+                        </m:ctrlPr>
+                      </m:accPr>
+                      <m:e>
+                        <m:d>
+                          <m:dPr>
+                            <m:ctrlPr>
+                              <a:rPr lang="en-US" i="1">
+                                <a:latin typeface="Cambria Math" panose="02040503050406030204" pitchFamily="18" charset="0"/>
+                              </a:rPr>
+                            </m:ctrlPr>
+                          </m:dPr>
+                          <m:e>
+                            <m:m>
+                              <m:mPr>
+                                <m:mcs>
+                                  <m:mc>
+                                    <m:mcPr>
+                                      <m:count m:val="1"/>
+                                      <m:mcJc m:val="center"/>
+                                    </m:mcPr>
+                                  </m:mc>
+                                </m:mcs>
+                                <m:ctrlPr>
+                                  <a:rPr lang="en-US" i="1">
+                                    <a:latin typeface="Cambria Math" panose="02040503050406030204" pitchFamily="18" charset="0"/>
+                                  </a:rPr>
+                                </m:ctrlPr>
+                              </m:mPr>
+                              <m:mr>
+                                <m:e>
+                                  <m:r>
+                                    <m:rPr>
+                                      <m:brk m:alnAt="7"/>
+                                    </m:rPr>
+                                    <a:rPr lang="en-US" i="1">
+                                      <a:latin typeface="Cambria Math" panose="02040503050406030204" pitchFamily="18" charset="0"/>
+                                    </a:rPr>
+                                    <m:t>𝑥</m:t>
+                                  </m:r>
+                                </m:e>
+                              </m:mr>
+                              <m:mr>
+                                <m:e>
+                                  <m:r>
+                                    <a:rPr lang="en-US" i="1">
+                                      <a:latin typeface="Cambria Math" panose="02040503050406030204" pitchFamily="18" charset="0"/>
+                                    </a:rPr>
+                                    <m:t>𝑦</m:t>
+                                  </m:r>
+                                </m:e>
+                              </m:mr>
+                            </m:m>
+                          </m:e>
+                        </m:d>
+                      </m:e>
+                    </m:acc>
+                  </m:oMath>
+                </a14:m>
+                <a:r>
+                  <a:rPr lang="en-US" dirty="0"/>
+                  <a:t> = </a:t>
+                </a:r>
+                <a14:m>
+                  <m:oMath xmlns:m="http://schemas.openxmlformats.org/officeDocument/2006/math">
+                    <m:d>
+                      <m:dPr>
+                        <m:ctrlPr>
+                          <a:rPr lang="en-US" i="1">
+                            <a:latin typeface="Cambria Math" panose="02040503050406030204" pitchFamily="18" charset="0"/>
+                          </a:rPr>
+                        </m:ctrlPr>
+                      </m:dPr>
+                      <m:e>
+                        <m:m>
+                          <m:mPr>
+                            <m:mcs>
+                              <m:mc>
+                                <m:mcPr>
+                                  <m:count m:val="2"/>
+                                  <m:mcJc m:val="center"/>
+                                </m:mcPr>
+                              </m:mc>
+                            </m:mcs>
+                            <m:ctrlPr>
+                              <a:rPr lang="en-US" i="1">
+                                <a:latin typeface="Cambria Math" panose="02040503050406030204" pitchFamily="18" charset="0"/>
+                              </a:rPr>
+                            </m:ctrlPr>
+                          </m:mPr>
+                          <m:mr>
+                            <m:e>
+                              <m:r>
+                                <a:rPr lang="en-US" i="1">
+                                  <a:latin typeface="Cambria Math" panose="02040503050406030204" pitchFamily="18" charset="0"/>
+                                </a:rPr>
+                                <m:t>0</m:t>
+                              </m:r>
+                            </m:e>
+                            <m:e>
+                              <m:r>
+                                <a:rPr lang="en-US" b="0" i="1" smtClean="0">
+                                  <a:latin typeface="Cambria Math" panose="02040503050406030204" pitchFamily="18" charset="0"/>
+                                </a:rPr>
+                                <m:t>𝑖𝑏</m:t>
+                              </m:r>
+                            </m:e>
+                          </m:mr>
+                          <m:mr>
+                            <m:e>
+                              <m:r>
+                                <a:rPr lang="en-US" b="0" i="1" smtClean="0">
+                                  <a:latin typeface="Cambria Math" panose="02040503050406030204" pitchFamily="18" charset="0"/>
+                                </a:rPr>
+                                <m:t>𝑖𝑏</m:t>
+                              </m:r>
+                            </m:e>
+                            <m:e>
+                              <m:r>
+                                <a:rPr lang="en-US" i="1">
+                                  <a:latin typeface="Cambria Math" panose="02040503050406030204" pitchFamily="18" charset="0"/>
+                                </a:rPr>
+                                <m:t>0</m:t>
+                              </m:r>
+                            </m:e>
+                          </m:mr>
+                        </m:m>
+                      </m:e>
+                    </m:d>
+                    <m:d>
+                      <m:dPr>
+                        <m:ctrlPr>
+                          <a:rPr lang="en-US" i="1" smtClean="0">
+                            <a:latin typeface="Cambria Math" panose="02040503050406030204" pitchFamily="18" charset="0"/>
+                          </a:rPr>
+                        </m:ctrlPr>
+                      </m:dPr>
+                      <m:e>
+                        <m:m>
+                          <m:mPr>
+                            <m:mcs>
+                              <m:mc>
+                                <m:mcPr>
+                                  <m:count m:val="1"/>
+                                  <m:mcJc m:val="center"/>
+                                </m:mcPr>
+                              </m:mc>
+                            </m:mcs>
+                            <m:ctrlPr>
+                              <a:rPr lang="en-US" i="1">
+                                <a:latin typeface="Cambria Math" panose="02040503050406030204" pitchFamily="18" charset="0"/>
+                              </a:rPr>
+                            </m:ctrlPr>
+                          </m:mPr>
+                          <m:mr>
+                            <m:e>
+                              <m:r>
+                                <m:rPr>
+                                  <m:brk m:alnAt="7"/>
+                                </m:rPr>
+                                <a:rPr lang="en-US" i="1">
+                                  <a:latin typeface="Cambria Math" panose="02040503050406030204" pitchFamily="18" charset="0"/>
+                                </a:rPr>
+                                <m:t>𝑥</m:t>
+                              </m:r>
+                            </m:e>
+                          </m:mr>
+                          <m:mr>
+                            <m:e>
+                              <m:r>
+                                <a:rPr lang="en-US" i="1">
+                                  <a:latin typeface="Cambria Math" panose="02040503050406030204" pitchFamily="18" charset="0"/>
+                                </a:rPr>
+                                <m:t>𝑦</m:t>
+                              </m:r>
+                            </m:e>
+                          </m:mr>
+                        </m:m>
+                      </m:e>
+                    </m:d>
+                  </m:oMath>
+                </a14:m>
+                <a:endParaRPr lang="en-US" dirty="0"/>
+              </a:p>
+              <a:p>
+                <a:pPr marL="0" indent="0">
+                  <a:buNone/>
+                </a:pPr>
+                <a:endParaRPr lang="en-US" dirty="0"/>
+              </a:p>
+              <a:p>
+                <a:pPr marL="0" indent="0">
+                  <a:buNone/>
+                </a:pPr>
+                <a:r>
+                  <a:rPr lang="en-US" dirty="0"/>
+                  <a:t>We can once again use diagonalization and the generalized observation above to deal with this.</a:t>
+                </a:r>
+              </a:p>
+              <a:p>
+                <a:pPr marL="0" indent="0">
+                  <a:buNone/>
+                </a:pPr>
+                <a:endParaRPr lang="en-US" dirty="0"/>
+              </a:p>
+              <a:p>
+                <a:pPr marL="0" indent="0" algn="ctr">
+                  <a:buNone/>
+                </a:pPr>
+                <a14:m>
+                  <m:oMathPara xmlns:m="http://schemas.openxmlformats.org/officeDocument/2006/math">
+                    <m:oMathParaPr>
+                      <m:jc m:val="centerGroup"/>
+                    </m:oMathParaPr>
+                    <m:oMath xmlns:m="http://schemas.openxmlformats.org/officeDocument/2006/math">
+                      <m:d>
+                        <m:dPr>
+                          <m:begChr m:val="|"/>
+                          <m:endChr m:val="|"/>
+                          <m:ctrlPr>
+                            <a:rPr lang="en-US" i="1">
+                              <a:latin typeface="Cambria Math" panose="02040503050406030204" pitchFamily="18" charset="0"/>
+                            </a:rPr>
+                          </m:ctrlPr>
+                        </m:dPr>
+                        <m:e>
+                          <m:r>
+                            <a:rPr lang="en-US" i="1">
+                              <a:latin typeface="Cambria Math" panose="02040503050406030204" pitchFamily="18" charset="0"/>
+                            </a:rPr>
+                            <m:t>𝑣</m:t>
+                          </m:r>
+                          <m:sSup>
+                            <m:sSupPr>
+                              <m:ctrlPr>
+                                <a:rPr lang="en-US" i="1">
+                                  <a:latin typeface="Cambria Math" panose="02040503050406030204" pitchFamily="18" charset="0"/>
+                                </a:rPr>
+                              </m:ctrlPr>
+                            </m:sSupPr>
+                            <m:e>
+                              <m:r>
+                                <a:rPr lang="en-US" i="1">
+                                  <a:latin typeface="Cambria Math" panose="02040503050406030204" pitchFamily="18" charset="0"/>
+                                </a:rPr>
+                                <m:t>𝑢</m:t>
+                              </m:r>
+                            </m:e>
+                            <m:sup>
+                              <m:r>
+                                <a:rPr lang="en-US" i="1">
+                                  <a:latin typeface="Cambria Math" panose="02040503050406030204" pitchFamily="18" charset="0"/>
+                                </a:rPr>
+                                <m:t>−1</m:t>
+                              </m:r>
+                            </m:sup>
+                          </m:sSup>
+                        </m:e>
+                      </m:d>
+                      <m:r>
+                        <a:rPr lang="en-US" i="1">
+                          <a:latin typeface="Cambria Math" panose="02040503050406030204" pitchFamily="18" charset="0"/>
+                        </a:rPr>
+                        <m:t>= </m:t>
+                      </m:r>
+                      <m:d>
+                        <m:dPr>
+                          <m:begChr m:val="|"/>
+                          <m:endChr m:val="|"/>
+                          <m:ctrlPr>
+                            <a:rPr lang="en-US" i="1">
+                              <a:latin typeface="Cambria Math" panose="02040503050406030204" pitchFamily="18" charset="0"/>
+                            </a:rPr>
+                          </m:ctrlPr>
+                        </m:dPr>
+                        <m:e>
+                          <m:f>
+                            <m:fPr>
+                              <m:ctrlPr>
+                                <a:rPr lang="en-US" i="1">
+                                  <a:latin typeface="Cambria Math" panose="02040503050406030204" pitchFamily="18" charset="0"/>
+                                </a:rPr>
+                              </m:ctrlPr>
+                            </m:fPr>
+                            <m:num>
+                              <m:r>
+                                <a:rPr lang="en-US" b="0" i="1" smtClean="0">
+                                  <a:latin typeface="Cambria Math" panose="02040503050406030204" pitchFamily="18" charset="0"/>
+                                </a:rPr>
+                                <m:t>1</m:t>
+                              </m:r>
+                              <m:r>
+                                <a:rPr lang="en-US" i="1">
+                                  <a:latin typeface="Cambria Math" panose="02040503050406030204" pitchFamily="18" charset="0"/>
+                                </a:rPr>
+                                <m:t>+</m:t>
+                              </m:r>
+                              <m:r>
+                                <a:rPr lang="en-US" i="1">
+                                  <a:latin typeface="Cambria Math" panose="02040503050406030204" pitchFamily="18" charset="0"/>
+                                </a:rPr>
+                                <m:t>𝑧</m:t>
+                              </m:r>
+                            </m:num>
+                            <m:den>
+                              <m:r>
+                                <a:rPr lang="en-US" b="0" i="1" smtClean="0">
+                                  <a:latin typeface="Cambria Math" panose="02040503050406030204" pitchFamily="18" charset="0"/>
+                                </a:rPr>
+                                <m:t>1−</m:t>
+                              </m:r>
+                              <m:r>
+                                <a:rPr lang="en-US" i="1">
+                                  <a:latin typeface="Cambria Math" panose="02040503050406030204" pitchFamily="18" charset="0"/>
+                                </a:rPr>
+                                <m:t>𝑧</m:t>
+                              </m:r>
+                            </m:den>
+                          </m:f>
+                        </m:e>
+                      </m:d>
+                      <m:r>
+                        <a:rPr lang="en-US" i="1">
+                          <a:latin typeface="Cambria Math" panose="02040503050406030204" pitchFamily="18" charset="0"/>
+                        </a:rPr>
+                        <m:t>=</m:t>
+                      </m:r>
+                      <m:r>
+                        <a:rPr lang="en-US" i="1">
+                          <a:latin typeface="Cambria Math" panose="02040503050406030204" pitchFamily="18" charset="0"/>
+                        </a:rPr>
+                        <m:t>𝑐</m:t>
+                      </m:r>
+                    </m:oMath>
+                  </m:oMathPara>
+                </a14:m>
+                <a:endParaRPr lang="en-US" dirty="0"/>
+              </a:p>
+              <a:p>
+                <a:pPr marL="0" indent="0" algn="ctr">
+                  <a:buNone/>
+                </a:pPr>
+                <a:endParaRPr lang="en-US" dirty="0"/>
+              </a:p>
+            </p:txBody>
+          </p:sp>
+        </mc:Choice>
+        <mc:Fallback>
+          <p:sp>
+            <p:nvSpPr>
+              <p:cNvPr id="3" name="Content Placeholder 2">
+                <a:extLst>
+                  <a:ext uri="{FF2B5EF4-FFF2-40B4-BE49-F238E27FC236}">
+                    <a16:creationId xmlns:a16="http://schemas.microsoft.com/office/drawing/2014/main" id="{A483E384-E955-A84D-8A27-0203B4AE2D5F}"/>
+                  </a:ext>
+                </a:extLst>
+              </p:cNvPr>
+              <p:cNvSpPr>
+                <a:spLocks noGrp="1" noRot="1" noChangeAspect="1" noMove="1" noResize="1" noEditPoints="1" noAdjustHandles="1" noChangeArrowheads="1" noChangeShapeType="1" noTextEdit="1"/>
+              </p:cNvSpPr>
+              <p:nvPr>
+                <p:ph idx="1"/>
+              </p:nvPr>
+            </p:nvSpPr>
+            <p:spPr>
+              <a:blipFill>
+                <a:blip r:embed="rId3"/>
+                <a:stretch>
+                  <a:fillRect l="-1217" r="-1217"/>
+                </a:stretch>
+              </a:blipFill>
+            </p:spPr>
+            <p:txBody>
+              <a:bodyPr/>
+              <a:lstStyle/>
+              <a:p>
+                <a:r>
+                  <a:rPr lang="en-US">
+                    <a:noFill/>
+                  </a:rPr>
+                  <a:t> </a:t>
+                </a:r>
+              </a:p>
+            </p:txBody>
+          </p:sp>
+        </mc:Fallback>
+      </mc:AlternateContent>
     </p:spTree>
     <p:extLst>
       <p:ext uri="{BB962C8B-B14F-4D97-AF65-F5344CB8AC3E}">
@@ -5715,7 +11252,7 @@
 </p:sld>
 </file>
 
-<file path=ppt/slides/slide17.xml><?xml version="1.0" encoding="utf-8"?>
+<file path=ppt/slides/slide19.xml><?xml version="1.0" encoding="utf-8"?>
 <p:sld xmlns:a="http://schemas.openxmlformats.org/drawingml/2006/main" xmlns:r="http://schemas.openxmlformats.org/officeDocument/2006/relationships" xmlns:p="http://schemas.openxmlformats.org/presentationml/2006/main">
   <p:cSld>
     <p:spTree>
@@ -5739,7 +11276,7 @@
               <p:cNvPr id="2" name="Title 1">
                 <a:extLst>
                   <a:ext uri="{FF2B5EF4-FFF2-40B4-BE49-F238E27FC236}">
-                    <a16:creationId xmlns:a16="http://schemas.microsoft.com/office/drawing/2014/main" id="{22EBB8E2-21E6-1B4B-A59C-073CBA92C3E1}"/>
+                    <a16:creationId xmlns:a16="http://schemas.microsoft.com/office/drawing/2014/main" id="{94B004B2-07D3-48FB-B765-C74F2935E272}"/>
                   </a:ext>
                 </a:extLst>
               </p:cNvPr>
@@ -5762,7 +11299,7 @@
                 <a14:m>
                   <m:oMath xmlns:m="http://schemas.openxmlformats.org/officeDocument/2006/math">
                     <m:r>
-                      <a:rPr lang="en-US" b="0" i="1" smtClean="0">
+                      <a:rPr lang="en-US" i="1">
                         <a:latin typeface="Cambria Math" panose="02040503050406030204" pitchFamily="18" charset="0"/>
                       </a:rPr>
                       <m:t>𝛽</m:t>
@@ -5771,7 +11308,7 @@
                 </a14:m>
                 <a:r>
                   <a:rPr lang="en-US" dirty="0"/>
-                  <a:t> is purely imaginary.</a:t>
+                  <a:t> is purely imaginary</a:t>
                 </a:r>
               </a:p>
             </p:txBody>
@@ -5783,7 +11320,7 @@
               <p:cNvPr id="2" name="Title 1">
                 <a:extLst>
                   <a:ext uri="{FF2B5EF4-FFF2-40B4-BE49-F238E27FC236}">
-                    <a16:creationId xmlns:a16="http://schemas.microsoft.com/office/drawing/2014/main" id="{22EBB8E2-21E6-1B4B-A59C-073CBA92C3E1}"/>
+                    <a16:creationId xmlns:a16="http://schemas.microsoft.com/office/drawing/2014/main" id="{94B004B2-07D3-48FB-B765-C74F2935E272}"/>
                   </a:ext>
                 </a:extLst>
               </p:cNvPr>
@@ -5796,9 +11333,9 @@
             </p:nvSpPr>
             <p:spPr>
               <a:blipFill>
-                <a:blip r:embed="rId2"/>
+                <a:blip r:embed="rId3"/>
                 <a:stretch>
-                  <a:fillRect l="-2292"/>
+                  <a:fillRect l="-2377"/>
                 </a:stretch>
               </a:blipFill>
             </p:spPr>
@@ -5817,52 +11354,512 @@
           </p:sp>
         </mc:Fallback>
       </mc:AlternateContent>
-      <p:sp>
-        <p:nvSpPr>
-          <p:cNvPr id="3" name="Content Placeholder 2">
-            <a:extLst>
-              <a:ext uri="{FF2B5EF4-FFF2-40B4-BE49-F238E27FC236}">
-                <a16:creationId xmlns:a16="http://schemas.microsoft.com/office/drawing/2014/main" id="{A483E384-E955-A84D-8A27-0203B4AE2D5F}"/>
-              </a:ext>
-            </a:extLst>
-          </p:cNvPr>
-          <p:cNvSpPr>
-            <a:spLocks noGrp="1"/>
-          </p:cNvSpPr>
-          <p:nvPr>
-            <p:ph idx="1"/>
-          </p:nvPr>
-        </p:nvSpPr>
-        <p:spPr/>
-        <p:txBody>
-          <a:bodyPr/>
-          <a:lstStyle/>
-          <a:p>
-            <a:r>
-              <a:rPr lang="en-US" dirty="0"/>
-              <a:t>Solution for |</a:t>
-            </a:r>
-            <a:r>
-              <a:rPr lang="en-US" dirty="0" err="1"/>
-              <a:t>uv</a:t>
-            </a:r>
-            <a:r>
-              <a:rPr lang="en-US" dirty="0"/>
-              <a:t>|</a:t>
-            </a:r>
-          </a:p>
-          <a:p>
-            <a:r>
-              <a:rPr lang="en-US" dirty="0"/>
-              <a:t>Interactive plot</a:t>
-            </a:r>
-          </a:p>
-        </p:txBody>
-      </p:sp>
+      <mc:AlternateContent xmlns:mc="http://schemas.openxmlformats.org/markup-compatibility/2006">
+        <mc:Choice xmlns:a14="http://schemas.microsoft.com/office/drawing/2010/main" Requires="a14">
+          <p:sp>
+            <p:nvSpPr>
+              <p:cNvPr id="3" name="Content Placeholder 2">
+                <a:extLst>
+                  <a:ext uri="{FF2B5EF4-FFF2-40B4-BE49-F238E27FC236}">
+                    <a16:creationId xmlns:a16="http://schemas.microsoft.com/office/drawing/2014/main" id="{580760DC-6ED7-48A6-AE91-17B530D31862}"/>
+                  </a:ext>
+                </a:extLst>
+              </p:cNvPr>
+              <p:cNvSpPr>
+                <a:spLocks noGrp="1"/>
+              </p:cNvSpPr>
+              <p:nvPr>
+                <p:ph idx="1"/>
+              </p:nvPr>
+            </p:nvSpPr>
+            <p:spPr/>
+            <p:txBody>
+              <a:bodyPr/>
+              <a:lstStyle/>
+              <a:p>
+                <a:pPr marL="0" indent="0" algn="ctr">
+                  <a:buNone/>
+                </a:pPr>
+                <a14:m>
+                  <m:oMathPara xmlns:m="http://schemas.openxmlformats.org/officeDocument/2006/math">
+                    <m:oMathParaPr>
+                      <m:jc m:val="centerGroup"/>
+                    </m:oMathParaPr>
+                    <m:oMath xmlns:m="http://schemas.openxmlformats.org/officeDocument/2006/math">
+                      <m:d>
+                        <m:dPr>
+                          <m:begChr m:val="|"/>
+                          <m:endChr m:val="|"/>
+                          <m:ctrlPr>
+                            <a:rPr lang="en-US" i="1" smtClean="0">
+                              <a:latin typeface="Cambria Math" panose="02040503050406030204" pitchFamily="18" charset="0"/>
+                            </a:rPr>
+                          </m:ctrlPr>
+                        </m:dPr>
+                        <m:e>
+                          <m:r>
+                            <a:rPr lang="en-US" i="1">
+                              <a:latin typeface="Cambria Math" panose="02040503050406030204" pitchFamily="18" charset="0"/>
+                            </a:rPr>
+                            <m:t>𝑣</m:t>
+                          </m:r>
+                          <m:sSup>
+                            <m:sSupPr>
+                              <m:ctrlPr>
+                                <a:rPr lang="en-US" i="1">
+                                  <a:latin typeface="Cambria Math" panose="02040503050406030204" pitchFamily="18" charset="0"/>
+                                </a:rPr>
+                              </m:ctrlPr>
+                            </m:sSupPr>
+                            <m:e>
+                              <m:r>
+                                <a:rPr lang="en-US" i="1">
+                                  <a:latin typeface="Cambria Math" panose="02040503050406030204" pitchFamily="18" charset="0"/>
+                                </a:rPr>
+                                <m:t>𝑢</m:t>
+                              </m:r>
+                            </m:e>
+                            <m:sup>
+                              <m:r>
+                                <a:rPr lang="en-US" i="1">
+                                  <a:latin typeface="Cambria Math" panose="02040503050406030204" pitchFamily="18" charset="0"/>
+                                </a:rPr>
+                                <m:t>−1</m:t>
+                              </m:r>
+                            </m:sup>
+                          </m:sSup>
+                        </m:e>
+                      </m:d>
+                      <m:r>
+                        <a:rPr lang="en-US" i="1">
+                          <a:latin typeface="Cambria Math" panose="02040503050406030204" pitchFamily="18" charset="0"/>
+                        </a:rPr>
+                        <m:t>= </m:t>
+                      </m:r>
+                      <m:d>
+                        <m:dPr>
+                          <m:begChr m:val="|"/>
+                          <m:endChr m:val="|"/>
+                          <m:ctrlPr>
+                            <a:rPr lang="en-US" i="1">
+                              <a:latin typeface="Cambria Math" panose="02040503050406030204" pitchFamily="18" charset="0"/>
+                            </a:rPr>
+                          </m:ctrlPr>
+                        </m:dPr>
+                        <m:e>
+                          <m:f>
+                            <m:fPr>
+                              <m:ctrlPr>
+                                <a:rPr lang="en-US" i="1">
+                                  <a:latin typeface="Cambria Math" panose="02040503050406030204" pitchFamily="18" charset="0"/>
+                                </a:rPr>
+                              </m:ctrlPr>
+                            </m:fPr>
+                            <m:num>
+                              <m:r>
+                                <a:rPr lang="en-US" i="1">
+                                  <a:latin typeface="Cambria Math" panose="02040503050406030204" pitchFamily="18" charset="0"/>
+                                </a:rPr>
+                                <m:t>1</m:t>
+                              </m:r>
+                              <m:r>
+                                <a:rPr lang="en-US" i="1">
+                                  <a:latin typeface="Cambria Math" panose="02040503050406030204" pitchFamily="18" charset="0"/>
+                                </a:rPr>
+                                <m:t>+</m:t>
+                              </m:r>
+                              <m:r>
+                                <a:rPr lang="en-US" i="1">
+                                  <a:latin typeface="Cambria Math" panose="02040503050406030204" pitchFamily="18" charset="0"/>
+                                </a:rPr>
+                                <m:t>𝑧</m:t>
+                              </m:r>
+                            </m:num>
+                            <m:den>
+                              <m:r>
+                                <a:rPr lang="en-US" i="1">
+                                  <a:latin typeface="Cambria Math" panose="02040503050406030204" pitchFamily="18" charset="0"/>
+                                </a:rPr>
+                                <m:t>1−</m:t>
+                              </m:r>
+                              <m:r>
+                                <a:rPr lang="en-US" i="1">
+                                  <a:latin typeface="Cambria Math" panose="02040503050406030204" pitchFamily="18" charset="0"/>
+                                </a:rPr>
+                                <m:t>𝑧</m:t>
+                              </m:r>
+                            </m:den>
+                          </m:f>
+                        </m:e>
+                      </m:d>
+                      <m:r>
+                        <a:rPr lang="en-US" i="1">
+                          <a:latin typeface="Cambria Math" panose="02040503050406030204" pitchFamily="18" charset="0"/>
+                        </a:rPr>
+                        <m:t>=</m:t>
+                      </m:r>
+                      <m:r>
+                        <a:rPr lang="en-US" i="1">
+                          <a:latin typeface="Cambria Math" panose="02040503050406030204" pitchFamily="18" charset="0"/>
+                        </a:rPr>
+                        <m:t>𝑐</m:t>
+                      </m:r>
+                    </m:oMath>
+                  </m:oMathPara>
+                </a14:m>
+                <a:endParaRPr lang="en-US" dirty="0"/>
+              </a:p>
+              <a:p>
+                <a:pPr marL="0" indent="0" algn="ctr">
+                  <a:buNone/>
+                </a:pPr>
+                <a:endParaRPr lang="en-US" dirty="0"/>
+              </a:p>
+              <a:p>
+                <a:pPr marL="0" indent="0">
+                  <a:buNone/>
+                </a:pPr>
+                <a:r>
+                  <a:rPr lang="en-US" dirty="0"/>
+                  <a:t>Where </a:t>
+                </a:r>
+                <a14:m>
+                  <m:oMath xmlns:m="http://schemas.openxmlformats.org/officeDocument/2006/math">
+                    <m:r>
+                      <a:rPr lang="en-US" i="1">
+                        <a:latin typeface="Cambria Math" panose="02040503050406030204" pitchFamily="18" charset="0"/>
+                      </a:rPr>
+                      <m:t>𝑐</m:t>
+                    </m:r>
+                    <m:r>
+                      <a:rPr lang="en-US" i="1">
+                        <a:latin typeface="Cambria Math" panose="02040503050406030204" pitchFamily="18" charset="0"/>
+                      </a:rPr>
+                      <m:t> </m:t>
+                    </m:r>
+                  </m:oMath>
+                </a14:m>
+                <a:r>
+                  <a:rPr lang="en-US" dirty="0"/>
+                  <a:t>is a constant. Letting </a:t>
+                </a:r>
+                <a14:m>
+                  <m:oMath xmlns:m="http://schemas.openxmlformats.org/officeDocument/2006/math">
+                    <m:r>
+                      <a:rPr lang="en-US" i="1">
+                        <a:latin typeface="Cambria Math" panose="02040503050406030204" pitchFamily="18" charset="0"/>
+                      </a:rPr>
+                      <m:t>𝑧</m:t>
+                    </m:r>
+                    <m:r>
+                      <a:rPr lang="en-US" i="1">
+                        <a:latin typeface="Cambria Math" panose="02040503050406030204" pitchFamily="18" charset="0"/>
+                      </a:rPr>
+                      <m:t>=</m:t>
+                    </m:r>
+                    <m:r>
+                      <a:rPr lang="en-US" i="1">
+                        <a:latin typeface="Cambria Math" panose="02040503050406030204" pitchFamily="18" charset="0"/>
+                      </a:rPr>
+                      <m:t>𝑓</m:t>
+                    </m:r>
+                    <m:r>
+                      <a:rPr lang="en-US" i="1">
+                        <a:latin typeface="Cambria Math" panose="02040503050406030204" pitchFamily="18" charset="0"/>
+                      </a:rPr>
+                      <m:t>+</m:t>
+                    </m:r>
+                    <m:r>
+                      <a:rPr lang="en-US" i="1">
+                        <a:latin typeface="Cambria Math" panose="02040503050406030204" pitchFamily="18" charset="0"/>
+                      </a:rPr>
+                      <m:t>𝑖𝑔</m:t>
+                    </m:r>
+                  </m:oMath>
+                </a14:m>
+                <a:r>
+                  <a:rPr lang="en-US" dirty="0"/>
+                  <a:t> and solving for </a:t>
+                </a:r>
+                <a14:m>
+                  <m:oMath xmlns:m="http://schemas.openxmlformats.org/officeDocument/2006/math">
+                    <m:r>
+                      <a:rPr lang="en-US" b="0" i="1" smtClean="0">
+                        <a:latin typeface="Cambria Math" panose="02040503050406030204" pitchFamily="18" charset="0"/>
+                      </a:rPr>
+                      <m:t>𝑔</m:t>
+                    </m:r>
+                  </m:oMath>
+                </a14:m>
+                <a:r>
+                  <a:rPr lang="en-US" dirty="0"/>
+                  <a:t> here gives us:</a:t>
+                </a:r>
+              </a:p>
+              <a:p>
+                <a:pPr marL="0" indent="0">
+                  <a:buNone/>
+                </a:pPr>
+                <a:endParaRPr lang="en-US" dirty="0"/>
+              </a:p>
+              <a:p>
+                <a:pPr marL="0" indent="0" algn="ctr">
+                  <a:buNone/>
+                </a:pPr>
+                <a14:m>
+                  <m:oMathPara xmlns:m="http://schemas.openxmlformats.org/officeDocument/2006/math">
+                    <m:oMathParaPr>
+                      <m:jc m:val="centerGroup"/>
+                    </m:oMathParaPr>
+                    <m:oMath xmlns:m="http://schemas.openxmlformats.org/officeDocument/2006/math">
+                      <m:r>
+                        <a:rPr lang="en-US" b="0" i="1" smtClean="0">
+                          <a:latin typeface="Cambria Math" panose="02040503050406030204" pitchFamily="18" charset="0"/>
+                        </a:rPr>
+                        <m:t>𝑔</m:t>
+                      </m:r>
+                      <m:r>
+                        <a:rPr lang="en-US" b="0" i="1" smtClean="0">
+                          <a:latin typeface="Cambria Math" panose="02040503050406030204" pitchFamily="18" charset="0"/>
+                        </a:rPr>
+                        <m:t>= </m:t>
+                      </m:r>
+                      <m:rad>
+                        <m:radPr>
+                          <m:degHide m:val="on"/>
+                          <m:ctrlPr>
+                            <a:rPr lang="en-US" b="0" i="1" smtClean="0">
+                              <a:latin typeface="Cambria Math" panose="02040503050406030204" pitchFamily="18" charset="0"/>
+                            </a:rPr>
+                          </m:ctrlPr>
+                        </m:radPr>
+                        <m:deg/>
+                        <m:e>
+                          <m:f>
+                            <m:fPr>
+                              <m:ctrlPr>
+                                <a:rPr lang="en-US" b="0" i="1" smtClean="0">
+                                  <a:latin typeface="Cambria Math" panose="02040503050406030204" pitchFamily="18" charset="0"/>
+                                </a:rPr>
+                              </m:ctrlPr>
+                            </m:fPr>
+                            <m:num>
+                              <m:sSup>
+                                <m:sSupPr>
+                                  <m:ctrlPr>
+                                    <a:rPr lang="en-US" b="0" i="1" smtClean="0">
+                                      <a:latin typeface="Cambria Math" panose="02040503050406030204" pitchFamily="18" charset="0"/>
+                                    </a:rPr>
+                                  </m:ctrlPr>
+                                </m:sSupPr>
+                                <m:e>
+                                  <m:r>
+                                    <a:rPr lang="en-US" b="0" i="1" smtClean="0">
+                                      <a:latin typeface="Cambria Math" panose="02040503050406030204" pitchFamily="18" charset="0"/>
+                                    </a:rPr>
+                                    <m:t>𝑐</m:t>
+                                  </m:r>
+                                </m:e>
+                                <m:sup>
+                                  <m:r>
+                                    <a:rPr lang="en-US" b="0" i="1" smtClean="0">
+                                      <a:latin typeface="Cambria Math" panose="02040503050406030204" pitchFamily="18" charset="0"/>
+                                    </a:rPr>
+                                    <m:t>2</m:t>
+                                  </m:r>
+                                </m:sup>
+                              </m:sSup>
+                              <m:sSup>
+                                <m:sSupPr>
+                                  <m:ctrlPr>
+                                    <a:rPr lang="en-US" b="0" i="1" smtClean="0">
+                                      <a:latin typeface="Cambria Math" panose="02040503050406030204" pitchFamily="18" charset="0"/>
+                                    </a:rPr>
+                                  </m:ctrlPr>
+                                </m:sSupPr>
+                                <m:e>
+                                  <m:d>
+                                    <m:dPr>
+                                      <m:ctrlPr>
+                                        <a:rPr lang="en-US" b="0" i="1" smtClean="0">
+                                          <a:latin typeface="Cambria Math" panose="02040503050406030204" pitchFamily="18" charset="0"/>
+                                        </a:rPr>
+                                      </m:ctrlPr>
+                                    </m:dPr>
+                                    <m:e>
+                                      <m:r>
+                                        <a:rPr lang="en-US" b="0" i="1" smtClean="0">
+                                          <a:latin typeface="Cambria Math" panose="02040503050406030204" pitchFamily="18" charset="0"/>
+                                        </a:rPr>
+                                        <m:t>1−</m:t>
+                                      </m:r>
+                                      <m:r>
+                                        <a:rPr lang="en-US" b="0" i="1" smtClean="0">
+                                          <a:latin typeface="Cambria Math" panose="02040503050406030204" pitchFamily="18" charset="0"/>
+                                        </a:rPr>
+                                        <m:t>𝑓</m:t>
+                                      </m:r>
+                                    </m:e>
+                                  </m:d>
+                                </m:e>
+                                <m:sup>
+                                  <m:r>
+                                    <a:rPr lang="en-US" b="0" i="1" smtClean="0">
+                                      <a:latin typeface="Cambria Math" panose="02040503050406030204" pitchFamily="18" charset="0"/>
+                                    </a:rPr>
+                                    <m:t>2</m:t>
+                                  </m:r>
+                                </m:sup>
+                              </m:sSup>
+                              <m:r>
+                                <a:rPr lang="en-US" b="0" i="1" smtClean="0">
+                                  <a:latin typeface="Cambria Math" panose="02040503050406030204" pitchFamily="18" charset="0"/>
+                                </a:rPr>
+                                <m:t>−</m:t>
+                              </m:r>
+                              <m:sSup>
+                                <m:sSupPr>
+                                  <m:ctrlPr>
+                                    <a:rPr lang="en-US" b="0" i="1" smtClean="0">
+                                      <a:latin typeface="Cambria Math" panose="02040503050406030204" pitchFamily="18" charset="0"/>
+                                    </a:rPr>
+                                  </m:ctrlPr>
+                                </m:sSupPr>
+                                <m:e>
+                                  <m:d>
+                                    <m:dPr>
+                                      <m:ctrlPr>
+                                        <a:rPr lang="en-US" b="0" i="1" smtClean="0">
+                                          <a:latin typeface="Cambria Math" panose="02040503050406030204" pitchFamily="18" charset="0"/>
+                                        </a:rPr>
+                                      </m:ctrlPr>
+                                    </m:dPr>
+                                    <m:e>
+                                      <m:r>
+                                        <a:rPr lang="en-US" b="0" i="1" smtClean="0">
+                                          <a:latin typeface="Cambria Math" panose="02040503050406030204" pitchFamily="18" charset="0"/>
+                                        </a:rPr>
+                                        <m:t>1+</m:t>
+                                      </m:r>
+                                      <m:r>
+                                        <a:rPr lang="en-US" b="0" i="1" smtClean="0">
+                                          <a:latin typeface="Cambria Math" panose="02040503050406030204" pitchFamily="18" charset="0"/>
+                                        </a:rPr>
+                                        <m:t>𝑓</m:t>
+                                      </m:r>
+                                    </m:e>
+                                  </m:d>
+                                </m:e>
+                                <m:sup>
+                                  <m:r>
+                                    <a:rPr lang="en-US" b="0" i="1" smtClean="0">
+                                      <a:latin typeface="Cambria Math" panose="02040503050406030204" pitchFamily="18" charset="0"/>
+                                    </a:rPr>
+                                    <m:t>2</m:t>
+                                  </m:r>
+                                </m:sup>
+                              </m:sSup>
+                            </m:num>
+                            <m:den>
+                              <m:r>
+                                <a:rPr lang="en-US" b="0" i="1" smtClean="0">
+                                  <a:latin typeface="Cambria Math" panose="02040503050406030204" pitchFamily="18" charset="0"/>
+                                </a:rPr>
+                                <m:t>1+</m:t>
+                              </m:r>
+                              <m:sSup>
+                                <m:sSupPr>
+                                  <m:ctrlPr>
+                                    <a:rPr lang="en-US" b="0" i="1" smtClean="0">
+                                      <a:latin typeface="Cambria Math" panose="02040503050406030204" pitchFamily="18" charset="0"/>
+                                    </a:rPr>
+                                  </m:ctrlPr>
+                                </m:sSupPr>
+                                <m:e>
+                                  <m:r>
+                                    <a:rPr lang="en-US" b="0" i="1" smtClean="0">
+                                      <a:latin typeface="Cambria Math" panose="02040503050406030204" pitchFamily="18" charset="0"/>
+                                    </a:rPr>
+                                    <m:t>𝑐</m:t>
+                                  </m:r>
+                                </m:e>
+                                <m:sup>
+                                  <m:r>
+                                    <a:rPr lang="en-US" b="0" i="1" smtClean="0">
+                                      <a:latin typeface="Cambria Math" panose="02040503050406030204" pitchFamily="18" charset="0"/>
+                                    </a:rPr>
+                                    <m:t>2</m:t>
+                                  </m:r>
+                                </m:sup>
+                              </m:sSup>
+                            </m:den>
+                          </m:f>
+                        </m:e>
+                      </m:rad>
+                    </m:oMath>
+                  </m:oMathPara>
+                </a14:m>
+                <a:endParaRPr lang="en-US" dirty="0"/>
+              </a:p>
+              <a:p>
+                <a:pPr marL="0" indent="0" algn="ctr">
+                  <a:buNone/>
+                </a:pPr>
+                <a:endParaRPr lang="en-US" dirty="0"/>
+              </a:p>
+              <a:p>
+                <a:pPr marL="0" indent="0" algn="ctr">
+                  <a:buNone/>
+                </a:pPr>
+                <a:endParaRPr lang="en-US" dirty="0"/>
+              </a:p>
+            </p:txBody>
+          </p:sp>
+        </mc:Choice>
+        <mc:Fallback>
+          <p:sp>
+            <p:nvSpPr>
+              <p:cNvPr id="3" name="Content Placeholder 2">
+                <a:extLst>
+                  <a:ext uri="{FF2B5EF4-FFF2-40B4-BE49-F238E27FC236}">
+                    <a16:creationId xmlns:a16="http://schemas.microsoft.com/office/drawing/2014/main" id="{580760DC-6ED7-48A6-AE91-17B530D31862}"/>
+                  </a:ext>
+                </a:extLst>
+              </p:cNvPr>
+              <p:cNvSpPr>
+                <a:spLocks noGrp="1" noRot="1" noChangeAspect="1" noMove="1" noResize="1" noEditPoints="1" noAdjustHandles="1" noChangeArrowheads="1" noChangeShapeType="1" noTextEdit="1"/>
+              </p:cNvSpPr>
+              <p:nvPr>
+                <p:ph idx="1"/>
+              </p:nvPr>
+            </p:nvSpPr>
+            <p:spPr>
+              <a:blipFill>
+                <a:blip r:embed="rId4"/>
+                <a:stretch>
+                  <a:fillRect l="-1217"/>
+                </a:stretch>
+              </a:blipFill>
+            </p:spPr>
+            <p:txBody>
+              <a:bodyPr/>
+              <a:lstStyle/>
+              <a:p>
+                <a:r>
+                  <a:rPr lang="en-US">
+                    <a:noFill/>
+                  </a:rPr>
+                  <a:t> </a:t>
+                </a:r>
+              </a:p>
+            </p:txBody>
+          </p:sp>
+        </mc:Fallback>
+      </mc:AlternateContent>
     </p:spTree>
     <p:extLst>
       <p:ext uri="{BB962C8B-B14F-4D97-AF65-F5344CB8AC3E}">
-        <p14:creationId xmlns:p14="http://schemas.microsoft.com/office/powerpoint/2010/main" val="836067812"/>
+        <p14:creationId xmlns:p14="http://schemas.microsoft.com/office/powerpoint/2010/main" val="2188937994"/>
       </p:ext>
     </p:extLst>
   </p:cSld>
@@ -5973,6 +11970,161 @@
     <p:extLst>
       <p:ext uri="{BB962C8B-B14F-4D97-AF65-F5344CB8AC3E}">
         <p14:creationId xmlns:p14="http://schemas.microsoft.com/office/powerpoint/2010/main" val="2275972322"/>
+      </p:ext>
+    </p:extLst>
+  </p:cSld>
+  <p:clrMapOvr>
+    <a:masterClrMapping/>
+  </p:clrMapOvr>
+</p:sld>
+</file>
+
+<file path=ppt/slides/slide20.xml><?xml version="1.0" encoding="utf-8"?>
+<p:sld xmlns:a="http://schemas.openxmlformats.org/drawingml/2006/main" xmlns:r="http://schemas.openxmlformats.org/officeDocument/2006/relationships" xmlns:p="http://schemas.openxmlformats.org/presentationml/2006/main">
+  <p:cSld>
+    <p:spTree>
+      <p:nvGrpSpPr>
+        <p:cNvPr id="1" name=""/>
+        <p:cNvGrpSpPr/>
+        <p:nvPr/>
+      </p:nvGrpSpPr>
+      <p:grpSpPr>
+        <a:xfrm>
+          <a:off x="0" y="0"/>
+          <a:ext cx="0" cy="0"/>
+          <a:chOff x="0" y="0"/>
+          <a:chExt cx="0" cy="0"/>
+        </a:xfrm>
+      </p:grpSpPr>
+      <p:sp>
+        <p:nvSpPr>
+          <p:cNvPr id="2" name="Title 1">
+            <a:extLst>
+              <a:ext uri="{FF2B5EF4-FFF2-40B4-BE49-F238E27FC236}">
+                <a16:creationId xmlns:a16="http://schemas.microsoft.com/office/drawing/2014/main" id="{22EBB8E2-21E6-1B4B-A59C-073CBA92C3E1}"/>
+              </a:ext>
+            </a:extLst>
+          </p:cNvPr>
+          <p:cNvSpPr>
+            <a:spLocks noGrp="1"/>
+          </p:cNvSpPr>
+          <p:nvPr>
+            <p:ph type="title"/>
+          </p:nvPr>
+        </p:nvSpPr>
+        <p:spPr/>
+        <p:txBody>
+          <a:bodyPr/>
+          <a:lstStyle/>
+          <a:p>
+            <a:r>
+              <a:rPr lang="en-US" dirty="0"/>
+              <a:t>Future</a:t>
+            </a:r>
+          </a:p>
+        </p:txBody>
+      </p:sp>
+      <mc:AlternateContent xmlns:mc="http://schemas.openxmlformats.org/markup-compatibility/2006">
+        <mc:Choice xmlns:a14="http://schemas.microsoft.com/office/drawing/2010/main" Requires="a14">
+          <p:sp>
+            <p:nvSpPr>
+              <p:cNvPr id="3" name="Content Placeholder 2">
+                <a:extLst>
+                  <a:ext uri="{FF2B5EF4-FFF2-40B4-BE49-F238E27FC236}">
+                    <a16:creationId xmlns:a16="http://schemas.microsoft.com/office/drawing/2014/main" id="{A483E384-E955-A84D-8A27-0203B4AE2D5F}"/>
+                  </a:ext>
+                </a:extLst>
+              </p:cNvPr>
+              <p:cNvSpPr>
+                <a:spLocks noGrp="1"/>
+              </p:cNvSpPr>
+              <p:nvPr>
+                <p:ph idx="1"/>
+              </p:nvPr>
+            </p:nvSpPr>
+            <p:spPr/>
+            <p:txBody>
+              <a:bodyPr/>
+              <a:lstStyle/>
+              <a:p>
+                <a:r>
+                  <a:rPr lang="en-US" dirty="0"/>
+                  <a:t>Consider solving when </a:t>
+                </a:r>
+                <a14:m>
+                  <m:oMath xmlns:m="http://schemas.openxmlformats.org/officeDocument/2006/math">
+                    <m:r>
+                      <a:rPr lang="en-US" b="0" i="1" smtClean="0">
+                        <a:latin typeface="Cambria Math" panose="02040503050406030204" pitchFamily="18" charset="0"/>
+                      </a:rPr>
+                      <m:t>𝛽</m:t>
+                    </m:r>
+                  </m:oMath>
+                </a14:m>
+                <a:r>
+                  <a:rPr lang="en-US" dirty="0"/>
+                  <a:t> has real and imaginary part</a:t>
+                </a:r>
+              </a:p>
+              <a:p>
+                <a:r>
+                  <a:rPr lang="en-US" dirty="0"/>
+                  <a:t>Put all solutions together</a:t>
+                </a:r>
+              </a:p>
+              <a:p>
+                <a:r>
+                  <a:rPr lang="en-US" dirty="0"/>
+                  <a:t>Make trajectories by changing values accordingly</a:t>
+                </a:r>
+              </a:p>
+            </p:txBody>
+          </p:sp>
+        </mc:Choice>
+        <mc:Fallback>
+          <p:sp>
+            <p:nvSpPr>
+              <p:cNvPr id="3" name="Content Placeholder 2">
+                <a:extLst>
+                  <a:ext uri="{FF2B5EF4-FFF2-40B4-BE49-F238E27FC236}">
+                    <a16:creationId xmlns:a16="http://schemas.microsoft.com/office/drawing/2014/main" id="{A483E384-E955-A84D-8A27-0203B4AE2D5F}"/>
+                  </a:ext>
+                </a:extLst>
+              </p:cNvPr>
+              <p:cNvSpPr>
+                <a:spLocks noGrp="1" noRot="1" noChangeAspect="1" noMove="1" noResize="1" noEditPoints="1" noAdjustHandles="1" noChangeArrowheads="1" noChangeShapeType="1" noTextEdit="1"/>
+              </p:cNvSpPr>
+              <p:nvPr>
+                <p:ph idx="1"/>
+              </p:nvPr>
+            </p:nvSpPr>
+            <p:spPr>
+              <a:blipFill>
+                <a:blip r:embed="rId3"/>
+                <a:stretch>
+                  <a:fillRect l="-1043" t="-2241"/>
+                </a:stretch>
+              </a:blipFill>
+            </p:spPr>
+            <p:txBody>
+              <a:bodyPr/>
+              <a:lstStyle/>
+              <a:p>
+                <a:r>
+                  <a:rPr lang="en-US">
+                    <a:noFill/>
+                  </a:rPr>
+                  <a:t> </a:t>
+                </a:r>
+              </a:p>
+            </p:txBody>
+          </p:sp>
+        </mc:Fallback>
+      </mc:AlternateContent>
+    </p:spTree>
+    <p:extLst>
+      <p:ext uri="{BB962C8B-B14F-4D97-AF65-F5344CB8AC3E}">
+        <p14:creationId xmlns:p14="http://schemas.microsoft.com/office/powerpoint/2010/main" val="836067812"/>
       </p:ext>
     </p:extLst>
   </p:cSld>
@@ -6128,7 +12280,7 @@
                               <a:rPr lang="en-US" b="0" i="1" smtClean="0">
                                 <a:latin typeface="Cambria Math" panose="02040503050406030204" pitchFamily="18" charset="0"/>
                               </a:rPr>
-                              <m:t>𝑦</m:t>
+                              <m:t>𝑥</m:t>
                             </m:r>
                           </m:e>
                           <m:e>
@@ -6136,7 +12288,7 @@
                               <a:rPr lang="en-US" b="0" i="1" smtClean="0">
                                 <a:latin typeface="Cambria Math" panose="02040503050406030204" pitchFamily="18" charset="0"/>
                               </a:rPr>
-                              <m:t>𝑥</m:t>
+                              <m:t>𝑦</m:t>
                             </m:r>
                           </m:e>
                         </m:eqArr>
@@ -6178,7 +12330,7 @@
                               <a:rPr lang="en-US" b="0" i="1" smtClean="0">
                                 <a:latin typeface="Cambria Math" panose="02040503050406030204" pitchFamily="18" charset="0"/>
                               </a:rPr>
-                              <m:t>𝑦</m:t>
+                              <m:t>𝑥</m:t>
                             </m:r>
                           </m:e>
                           <m:e>
@@ -6186,7 +12338,7 @@
                               <a:rPr lang="en-US" b="0" i="1" smtClean="0">
                                 <a:latin typeface="Cambria Math" panose="02040503050406030204" pitchFamily="18" charset="0"/>
                               </a:rPr>
-                              <m:t>𝑥</m:t>
+                              <m:t>𝑦</m:t>
                             </m:r>
                           </m:e>
                         </m:eqArr>
@@ -6280,7 +12432,7 @@
                                   <a:rPr lang="en-US" b="0" i="1" smtClean="0">
                                     <a:latin typeface="Cambria Math" panose="02040503050406030204" pitchFamily="18" charset="0"/>
                                   </a:rPr>
-                                  <m:t>𝑦</m:t>
+                                  <m:t>𝑥</m:t>
                                 </m:r>
                               </m:e>
                               <m:e>
@@ -6288,7 +12440,7 @@
                                   <a:rPr lang="en-US" b="0" i="1" smtClean="0">
                                     <a:latin typeface="Cambria Math" panose="02040503050406030204" pitchFamily="18" charset="0"/>
                                   </a:rPr>
-                                  <m:t>𝑥</m:t>
+                                  <m:t>𝑦</m:t>
                                 </m:r>
                               </m:e>
                             </m:eqArr>
@@ -6330,7 +12482,7 @@
                               <a:rPr lang="en-US" b="0" i="1" smtClean="0">
                                 <a:latin typeface="Cambria Math" panose="02040503050406030204" pitchFamily="18" charset="0"/>
                               </a:rPr>
-                              <m:t>𝑦</m:t>
+                              <m:t>𝑥</m:t>
                             </m:r>
                           </m:e>
                           <m:e>
@@ -6338,7 +12490,7 @@
                               <a:rPr lang="en-US" b="0" i="1" smtClean="0">
                                 <a:latin typeface="Cambria Math" panose="02040503050406030204" pitchFamily="18" charset="0"/>
                               </a:rPr>
-                              <m:t>𝑥</m:t>
+                              <m:t>𝑦</m:t>
                             </m:r>
                           </m:e>
                         </m:eqArr>
@@ -6375,7 +12527,7 @@
               <a:blipFill>
                 <a:blip r:embed="rId3"/>
                 <a:stretch>
-                  <a:fillRect l="-965" t="-2632"/>
+                  <a:fillRect l="-1043" t="-2241" r="-116"/>
                 </a:stretch>
               </a:blipFill>
             </p:spPr>
@@ -6452,8 +12604,8 @@
           </a:p>
         </p:txBody>
       </p:sp>
-      <mc:AlternateContent xmlns:mc="http://schemas.openxmlformats.org/markup-compatibility/2006">
-        <mc:Choice xmlns:a14="http://schemas.microsoft.com/office/drawing/2010/main" Requires="a14">
+      <mc:AlternateContent xmlns:mc="http://schemas.openxmlformats.org/markup-compatibility/2006" xmlns:a14="http://schemas.microsoft.com/office/drawing/2010/main">
+        <mc:Choice Requires="a14">
           <p:sp>
             <p:nvSpPr>
               <p:cNvPr id="3" name="Content Placeholder 2">
@@ -6571,7 +12723,13 @@
                                 <a:rPr lang="en-US" b="0" i="1" smtClean="0">
                                   <a:latin typeface="Cambria Math" panose="02040503050406030204" pitchFamily="18" charset="0"/>
                                 </a:rPr>
-                                <m:t>𝑎𝑖</m:t>
+                                <m:t>𝑎</m:t>
+                              </m:r>
+                              <m:r>
+                                <a:rPr lang="en-US" b="0" i="1" smtClean="0">
+                                  <a:latin typeface="Cambria Math" panose="02040503050406030204" pitchFamily="18" charset="0"/>
+                                </a:rPr>
+                                <m:t>𝑖</m:t>
                               </m:r>
                             </m:e>
                             <m:e>
@@ -6701,7 +12859,7 @@
             </p:txBody>
           </p:sp>
         </mc:Choice>
-        <mc:Fallback>
+        <mc:Fallback xmlns="">
           <p:sp>
             <p:nvSpPr>
               <p:cNvPr id="3" name="Content Placeholder 2">
@@ -6857,8 +13015,8 @@
           <a:chExt cx="0" cy="0"/>
         </a:xfrm>
       </p:grpSpPr>
-      <mc:AlternateContent xmlns:mc="http://schemas.openxmlformats.org/markup-compatibility/2006">
-        <mc:Choice xmlns:a14="http://schemas.microsoft.com/office/drawing/2010/main" Requires="a14">
+      <mc:AlternateContent xmlns:mc="http://schemas.openxmlformats.org/markup-compatibility/2006" xmlns:a14="http://schemas.microsoft.com/office/drawing/2010/main">
+        <mc:Choice Requires="a14">
           <p:sp>
             <p:nvSpPr>
               <p:cNvPr id="2" name="Title 1">
@@ -6931,7 +13089,7 @@
             </p:txBody>
           </p:sp>
         </mc:Choice>
-        <mc:Fallback>
+        <mc:Fallback xmlns="">
           <p:sp>
             <p:nvSpPr>
               <p:cNvPr id="2" name="Title 1">
@@ -6971,8 +13129,8 @@
           </p:sp>
         </mc:Fallback>
       </mc:AlternateContent>
-      <mc:AlternateContent xmlns:mc="http://schemas.openxmlformats.org/markup-compatibility/2006">
-        <mc:Choice xmlns:a14="http://schemas.microsoft.com/office/drawing/2010/main" Requires="a14">
+      <mc:AlternateContent xmlns:mc="http://schemas.openxmlformats.org/markup-compatibility/2006" xmlns:a14="http://schemas.microsoft.com/office/drawing/2010/main">
+        <mc:Choice Requires="a14">
           <p:sp>
             <p:nvSpPr>
               <p:cNvPr id="3" name="Content Placeholder 2">
@@ -7046,7 +13204,13 @@
                                 <a:rPr lang="en-US" b="0" i="1" smtClean="0">
                                   <a:latin typeface="Cambria Math" panose="02040503050406030204" pitchFamily="18" charset="0"/>
                                 </a:rPr>
-                                <m:t>𝑎𝑖</m:t>
+                                <m:t>𝑎</m:t>
+                              </m:r>
+                              <m:r>
+                                <a:rPr lang="en-US" b="0" i="1" smtClean="0">
+                                  <a:latin typeface="Cambria Math" panose="02040503050406030204" pitchFamily="18" charset="0"/>
+                                </a:rPr>
+                                <m:t>𝑖</m:t>
                               </m:r>
                             </m:e>
                             <m:e>
@@ -7086,7 +13250,7 @@
             </p:txBody>
           </p:sp>
         </mc:Choice>
-        <mc:Fallback>
+        <mc:Fallback xmlns="">
           <p:sp>
             <p:nvSpPr>
               <p:cNvPr id="3" name="Content Placeholder 2">
@@ -7185,8 +13349,8 @@
           <a:chExt cx="0" cy="0"/>
         </a:xfrm>
       </p:grpSpPr>
-      <mc:AlternateContent xmlns:mc="http://schemas.openxmlformats.org/markup-compatibility/2006">
-        <mc:Choice xmlns:a14="http://schemas.microsoft.com/office/drawing/2010/main" Requires="a14">
+      <mc:AlternateContent xmlns:mc="http://schemas.openxmlformats.org/markup-compatibility/2006" xmlns:a14="http://schemas.microsoft.com/office/drawing/2010/main">
+        <mc:Choice Requires="a14">
           <p:sp>
             <p:nvSpPr>
               <p:cNvPr id="2" name="Title 1">
@@ -7259,7 +13423,7 @@
             </p:txBody>
           </p:sp>
         </mc:Choice>
-        <mc:Fallback>
+        <mc:Fallback xmlns="">
           <p:sp>
             <p:nvSpPr>
               <p:cNvPr id="2" name="Title 1">
@@ -7299,8 +13463,8 @@
           </p:sp>
         </mc:Fallback>
       </mc:AlternateContent>
-      <mc:AlternateContent xmlns:mc="http://schemas.openxmlformats.org/markup-compatibility/2006">
-        <mc:Choice xmlns:a14="http://schemas.microsoft.com/office/drawing/2010/main" Requires="a14">
+      <mc:AlternateContent xmlns:mc="http://schemas.openxmlformats.org/markup-compatibility/2006" xmlns:a14="http://schemas.microsoft.com/office/drawing/2010/main">
+        <mc:Choice Requires="a14">
           <p:sp>
             <p:nvSpPr>
               <p:cNvPr id="3" name="Content Placeholder 2">
@@ -7414,7 +13578,7 @@
             </p:txBody>
           </p:sp>
         </mc:Choice>
-        <mc:Fallback>
+        <mc:Fallback xmlns="">
           <p:sp>
             <p:nvSpPr>
               <p:cNvPr id="3" name="Content Placeholder 2">
@@ -7513,8 +13677,8 @@
           <a:chExt cx="0" cy="0"/>
         </a:xfrm>
       </p:grpSpPr>
-      <mc:AlternateContent xmlns:mc="http://schemas.openxmlformats.org/markup-compatibility/2006">
-        <mc:Choice xmlns:a14="http://schemas.microsoft.com/office/drawing/2010/main" Requires="a14">
+      <mc:AlternateContent xmlns:mc="http://schemas.openxmlformats.org/markup-compatibility/2006" xmlns:a14="http://schemas.microsoft.com/office/drawing/2010/main">
+        <mc:Choice Requires="a14">
           <p:sp>
             <p:nvSpPr>
               <p:cNvPr id="2" name="Title 1">
@@ -7558,7 +13722,7 @@
             </p:txBody>
           </p:sp>
         </mc:Choice>
-        <mc:Fallback>
+        <mc:Fallback xmlns="">
           <p:sp>
             <p:nvSpPr>
               <p:cNvPr id="2" name="Title 1">
@@ -7657,8 +13821,8 @@
           <a:chExt cx="0" cy="0"/>
         </a:xfrm>
       </p:grpSpPr>
-      <mc:AlternateContent xmlns:mc="http://schemas.openxmlformats.org/markup-compatibility/2006">
-        <mc:Choice xmlns:a14="http://schemas.microsoft.com/office/drawing/2010/main" Requires="a14">
+      <mc:AlternateContent xmlns:mc="http://schemas.openxmlformats.org/markup-compatibility/2006" xmlns:a14="http://schemas.microsoft.com/office/drawing/2010/main">
+        <mc:Choice Requires="a14">
           <p:sp>
             <p:nvSpPr>
               <p:cNvPr id="2" name="Title 1">
@@ -7702,7 +13866,7 @@
             </p:txBody>
           </p:sp>
         </mc:Choice>
-        <mc:Fallback>
+        <mc:Fallback xmlns="">
           <p:sp>
             <p:nvSpPr>
               <p:cNvPr id="2" name="Title 1">

--- a/Presentation1.pptx
+++ b/Presentation1.pptx
@@ -244,7 +244,7 @@
           <a:p>
             <a:fld id="{8C1AF027-6745-4D46-8E2B-37781D0CEB22}" type="datetimeFigureOut">
               <a:rPr lang="en-US" smtClean="0"/>
-              <a:t>4/19/2020</a:t>
+              <a:t>4/20/20</a:t>
             </a:fld>
             <a:endParaRPr lang="en-US"/>
           </a:p>
@@ -1789,7 +1789,7 @@
           <a:p>
             <a:fld id="{D4880492-2AE4-A845-89A9-1CF766BF2D5C}" type="datetimeFigureOut">
               <a:rPr lang="en-US" smtClean="0"/>
-              <a:t>4/19/2020</a:t>
+              <a:t>4/20/20</a:t>
             </a:fld>
             <a:endParaRPr lang="en-US"/>
           </a:p>
@@ -1987,7 +1987,7 @@
           <a:p>
             <a:fld id="{D4880492-2AE4-A845-89A9-1CF766BF2D5C}" type="datetimeFigureOut">
               <a:rPr lang="en-US" smtClean="0"/>
-              <a:t>4/19/2020</a:t>
+              <a:t>4/20/20</a:t>
             </a:fld>
             <a:endParaRPr lang="en-US"/>
           </a:p>
@@ -2195,7 +2195,7 @@
           <a:p>
             <a:fld id="{D4880492-2AE4-A845-89A9-1CF766BF2D5C}" type="datetimeFigureOut">
               <a:rPr lang="en-US" smtClean="0"/>
-              <a:t>4/19/2020</a:t>
+              <a:t>4/20/20</a:t>
             </a:fld>
             <a:endParaRPr lang="en-US"/>
           </a:p>
@@ -2393,7 +2393,7 @@
           <a:p>
             <a:fld id="{D4880492-2AE4-A845-89A9-1CF766BF2D5C}" type="datetimeFigureOut">
               <a:rPr lang="en-US" smtClean="0"/>
-              <a:t>4/19/2020</a:t>
+              <a:t>4/20/20</a:t>
             </a:fld>
             <a:endParaRPr lang="en-US"/>
           </a:p>
@@ -2668,7 +2668,7 @@
           <a:p>
             <a:fld id="{D4880492-2AE4-A845-89A9-1CF766BF2D5C}" type="datetimeFigureOut">
               <a:rPr lang="en-US" smtClean="0"/>
-              <a:t>4/19/2020</a:t>
+              <a:t>4/20/20</a:t>
             </a:fld>
             <a:endParaRPr lang="en-US"/>
           </a:p>
@@ -2933,7 +2933,7 @@
           <a:p>
             <a:fld id="{D4880492-2AE4-A845-89A9-1CF766BF2D5C}" type="datetimeFigureOut">
               <a:rPr lang="en-US" smtClean="0"/>
-              <a:t>4/19/2020</a:t>
+              <a:t>4/20/20</a:t>
             </a:fld>
             <a:endParaRPr lang="en-US"/>
           </a:p>
@@ -3345,7 +3345,7 @@
           <a:p>
             <a:fld id="{D4880492-2AE4-A845-89A9-1CF766BF2D5C}" type="datetimeFigureOut">
               <a:rPr lang="en-US" smtClean="0"/>
-              <a:t>4/19/2020</a:t>
+              <a:t>4/20/20</a:t>
             </a:fld>
             <a:endParaRPr lang="en-US"/>
           </a:p>
@@ -3486,7 +3486,7 @@
           <a:p>
             <a:fld id="{D4880492-2AE4-A845-89A9-1CF766BF2D5C}" type="datetimeFigureOut">
               <a:rPr lang="en-US" smtClean="0"/>
-              <a:t>4/19/2020</a:t>
+              <a:t>4/20/20</a:t>
             </a:fld>
             <a:endParaRPr lang="en-US"/>
           </a:p>
@@ -3599,7 +3599,7 @@
           <a:p>
             <a:fld id="{D4880492-2AE4-A845-89A9-1CF766BF2D5C}" type="datetimeFigureOut">
               <a:rPr lang="en-US" smtClean="0"/>
-              <a:t>4/19/2020</a:t>
+              <a:t>4/20/20</a:t>
             </a:fld>
             <a:endParaRPr lang="en-US"/>
           </a:p>
@@ -3910,7 +3910,7 @@
           <a:p>
             <a:fld id="{D4880492-2AE4-A845-89A9-1CF766BF2D5C}" type="datetimeFigureOut">
               <a:rPr lang="en-US" smtClean="0"/>
-              <a:t>4/19/2020</a:t>
+              <a:t>4/20/20</a:t>
             </a:fld>
             <a:endParaRPr lang="en-US"/>
           </a:p>
@@ -4198,7 +4198,7 @@
           <a:p>
             <a:fld id="{D4880492-2AE4-A845-89A9-1CF766BF2D5C}" type="datetimeFigureOut">
               <a:rPr lang="en-US" smtClean="0"/>
-              <a:t>4/19/2020</a:t>
+              <a:t>4/20/20</a:t>
             </a:fld>
             <a:endParaRPr lang="en-US"/>
           </a:p>
@@ -4439,7 +4439,7 @@
           <a:p>
             <a:fld id="{D4880492-2AE4-A845-89A9-1CF766BF2D5C}" type="datetimeFigureOut">
               <a:rPr lang="en-US" smtClean="0"/>
-              <a:t>4/19/2020</a:t>
+              <a:t>4/20/20</a:t>
             </a:fld>
             <a:endParaRPr lang="en-US"/>
           </a:p>
@@ -5136,8 +5136,8 @@
           </p:sp>
         </mc:Fallback>
       </mc:AlternateContent>
-      <mc:AlternateContent xmlns:mc="http://schemas.openxmlformats.org/markup-compatibility/2006">
-        <mc:Choice xmlns:a14="http://schemas.microsoft.com/office/drawing/2010/main" Requires="a14">
+      <mc:AlternateContent xmlns:mc="http://schemas.openxmlformats.org/markup-compatibility/2006" xmlns:a14="http://schemas.microsoft.com/office/drawing/2010/main">
+        <mc:Choice Requires="a14">
           <p:sp>
             <p:nvSpPr>
               <p:cNvPr id="5" name="Content Placeholder 4">
@@ -5275,7 +5275,13 @@
                                 <a:rPr lang="en-US" sz="2800" b="0" i="1" smtClean="0">
                                   <a:latin typeface="Cambria Math" panose="02040503050406030204" pitchFamily="18" charset="0"/>
                                 </a:rPr>
-                                <m:t>𝑎𝑖</m:t>
+                                <m:t>𝑎</m:t>
+                              </m:r>
+                              <m:r>
+                                <a:rPr lang="en-US" sz="2800" b="0" i="1" smtClean="0">
+                                  <a:latin typeface="Cambria Math" panose="02040503050406030204" pitchFamily="18" charset="0"/>
+                                </a:rPr>
+                                <m:t>𝑖</m:t>
                               </m:r>
                             </m:e>
                             <m:e>
@@ -5555,7 +5561,7 @@
             </p:txBody>
           </p:sp>
         </mc:Choice>
-        <mc:Fallback>
+        <mc:Fallback xmlns="">
           <p:sp>
             <p:nvSpPr>
               <p:cNvPr id="5" name="Content Placeholder 4">
@@ -5625,8 +5631,8 @@
           <a:chExt cx="0" cy="0"/>
         </a:xfrm>
       </p:grpSpPr>
-      <mc:AlternateContent xmlns:mc="http://schemas.openxmlformats.org/markup-compatibility/2006">
-        <mc:Choice xmlns:a14="http://schemas.microsoft.com/office/drawing/2010/main" Requires="a14">
+      <mc:AlternateContent xmlns:mc="http://schemas.openxmlformats.org/markup-compatibility/2006" xmlns:a14="http://schemas.microsoft.com/office/drawing/2010/main">
+        <mc:Choice Requires="a14">
           <p:sp>
             <p:nvSpPr>
               <p:cNvPr id="2" name="Title 1">
@@ -5673,7 +5679,7 @@
             </p:txBody>
           </p:sp>
         </mc:Choice>
-        <mc:Fallback>
+        <mc:Fallback xmlns="">
           <p:sp>
             <p:nvSpPr>
               <p:cNvPr id="2" name="Title 1">
@@ -5713,8 +5719,8 @@
           </p:sp>
         </mc:Fallback>
       </mc:AlternateContent>
-      <mc:AlternateContent xmlns:mc="http://schemas.openxmlformats.org/markup-compatibility/2006">
-        <mc:Choice xmlns:a14="http://schemas.microsoft.com/office/drawing/2010/main" Requires="a14">
+      <mc:AlternateContent xmlns:mc="http://schemas.openxmlformats.org/markup-compatibility/2006" xmlns:a14="http://schemas.microsoft.com/office/drawing/2010/main">
+        <mc:Choice Requires="a14">
           <p:sp>
             <p:nvSpPr>
               <p:cNvPr id="3" name="Content Placeholder 2">
@@ -5789,7 +5795,6 @@
                 <a:endParaRPr lang="en-US" dirty="0"/>
               </a:p>
               <a:p>
-                <a:pPr/>
                 <a:r>
                   <a:rPr lang="en-US" dirty="0"/>
                   <a:t>Letting </a:t>
@@ -5834,7 +5839,6 @@
                 </a:r>
               </a:p>
               <a:p>
-                <a:pPr/>
                 <a:endParaRPr lang="en-US" dirty="0"/>
               </a:p>
               <a:p>
@@ -6042,7 +6046,6 @@
                 <a:endParaRPr lang="en-US" dirty="0"/>
               </a:p>
               <a:p>
-                <a:pPr/>
                 <a:r>
                   <a:rPr lang="en-US" dirty="0"/>
                   <a:t>Where </a:t>
@@ -6091,14 +6094,12 @@
                 </a:r>
               </a:p>
               <a:p>
-                <a:pPr/>
                 <a:r>
                   <a:rPr lang="en-US" dirty="0"/>
                   <a:t>Solving this differential system of equations gives us:</a:t>
                 </a:r>
               </a:p>
               <a:p>
-                <a:pPr/>
                 <a:endParaRPr lang="en-US" dirty="0"/>
               </a:p>
               <a:p>
@@ -6243,7 +6244,16 @@
                                       <a:rPr lang="en-US" b="0" i="0" smtClean="0">
                                         <a:latin typeface="Cambria Math" panose="02040503050406030204" pitchFamily="18" charset="0"/>
                                       </a:rPr>
-                                      <m:t>cos</m:t>
+                                      <m:t>c</m:t>
+                                    </m:r>
+                                    <m:r>
+                                      <m:rPr>
+                                        <m:sty m:val="p"/>
+                                      </m:rPr>
+                                      <a:rPr lang="en-US" b="0" i="0" smtClean="0">
+                                        <a:latin typeface="Cambria Math" panose="02040503050406030204" pitchFamily="18" charset="0"/>
+                                      </a:rPr>
+                                      <m:t>os</m:t>
                                     </m:r>
                                   </m:fName>
                                   <m:e>
@@ -6323,7 +6333,16 @@
                                   <a:rPr lang="en-US" b="0" i="0" smtClean="0">
                                     <a:latin typeface="Cambria Math" panose="02040503050406030204" pitchFamily="18" charset="0"/>
                                   </a:rPr>
-                                  <m:t>sin</m:t>
+                                  <m:t>s</m:t>
+                                </m:r>
+                                <m:r>
+                                  <m:rPr>
+                                    <m:sty m:val="p"/>
+                                  </m:rPr>
+                                  <a:rPr lang="en-US" b="0" i="0" smtClean="0">
+                                    <a:latin typeface="Cambria Math" panose="02040503050406030204" pitchFamily="18" charset="0"/>
+                                  </a:rPr>
+                                  <m:t>in</m:t>
                                 </m:r>
                                 <m:r>
                                   <m:rPr>
@@ -6332,7 +6351,13 @@
                                   <a:rPr lang="en-US" b="0" i="1" smtClean="0">
                                     <a:latin typeface="Cambria Math" panose="02040503050406030204" pitchFamily="18" charset="0"/>
                                   </a:rPr>
-                                  <m:t>⁡(2</m:t>
+                                  <m:t>⁡</m:t>
+                                </m:r>
+                                <m:r>
+                                  <a:rPr lang="en-US" b="0" i="1" smtClean="0">
+                                    <a:latin typeface="Cambria Math" panose="02040503050406030204" pitchFamily="18" charset="0"/>
+                                  </a:rPr>
+                                  <m:t>(2</m:t>
                                 </m:r>
                                 <m:r>
                                   <a:rPr lang="en-US" b="0" i="1" smtClean="0">
@@ -6497,7 +6522,7 @@
             </p:txBody>
           </p:sp>
         </mc:Choice>
-        <mc:Fallback>
+        <mc:Fallback xmlns="">
           <p:sp>
             <p:nvSpPr>
               <p:cNvPr id="3" name="Content Placeholder 2">
@@ -6595,8 +6620,8 @@
           </a:p>
         </p:txBody>
       </p:sp>
-      <mc:AlternateContent xmlns:mc="http://schemas.openxmlformats.org/markup-compatibility/2006">
-        <mc:Choice xmlns:a14="http://schemas.microsoft.com/office/drawing/2010/main" Requires="a14">
+      <mc:AlternateContent xmlns:mc="http://schemas.openxmlformats.org/markup-compatibility/2006" xmlns:a14="http://schemas.microsoft.com/office/drawing/2010/main">
+        <mc:Choice Requires="a14">
           <p:sp>
             <p:nvSpPr>
               <p:cNvPr id="3" name="Content Placeholder 2">
@@ -7228,7 +7253,7 @@
             </p:txBody>
           </p:sp>
         </mc:Choice>
-        <mc:Fallback>
+        <mc:Fallback xmlns="">
           <p:sp>
             <p:nvSpPr>
               <p:cNvPr id="3" name="Content Placeholder 2">
@@ -7326,8 +7351,8 @@
           </a:p>
         </p:txBody>
       </p:sp>
-      <mc:AlternateContent xmlns:mc="http://schemas.openxmlformats.org/markup-compatibility/2006">
-        <mc:Choice xmlns:a14="http://schemas.microsoft.com/office/drawing/2010/main" Requires="a14">
+      <mc:AlternateContent xmlns:mc="http://schemas.openxmlformats.org/markup-compatibility/2006" xmlns:a14="http://schemas.microsoft.com/office/drawing/2010/main">
+        <mc:Choice Requires="a14">
           <p:sp>
             <p:nvSpPr>
               <p:cNvPr id="3" name="Content Placeholder 2">
@@ -8215,7 +8240,7 @@
             </p:txBody>
           </p:sp>
         </mc:Choice>
-        <mc:Fallback>
+        <mc:Fallback xmlns="">
           <p:sp>
             <p:nvSpPr>
               <p:cNvPr id="3" name="Content Placeholder 2">
@@ -8313,8 +8338,8 @@
           </a:p>
         </p:txBody>
       </p:sp>
-      <mc:AlternateContent xmlns:mc="http://schemas.openxmlformats.org/markup-compatibility/2006">
-        <mc:Choice xmlns:a14="http://schemas.microsoft.com/office/drawing/2010/main" Requires="a14">
+      <mc:AlternateContent xmlns:mc="http://schemas.openxmlformats.org/markup-compatibility/2006" xmlns:a14="http://schemas.microsoft.com/office/drawing/2010/main">
+        <mc:Choice Requires="a14">
           <p:sp>
             <p:nvSpPr>
               <p:cNvPr id="3" name="Content Placeholder 2">
@@ -9420,7 +9445,7 @@
             </p:txBody>
           </p:sp>
         </mc:Choice>
-        <mc:Fallback>
+        <mc:Fallback xmlns="">
           <p:sp>
             <p:nvSpPr>
               <p:cNvPr id="3" name="Content Placeholder 2">
@@ -9604,8 +9629,8 @@
           </p:sp>
         </mc:Fallback>
       </mc:AlternateContent>
-      <mc:AlternateContent xmlns:mc="http://schemas.openxmlformats.org/markup-compatibility/2006">
-        <mc:Choice xmlns:a14="http://schemas.microsoft.com/office/drawing/2010/main" Requires="a14">
+      <mc:AlternateContent xmlns:mc="http://schemas.openxmlformats.org/markup-compatibility/2006" xmlns:a14="http://schemas.microsoft.com/office/drawing/2010/main">
+        <mc:Choice Requires="a14">
           <p:sp>
             <p:nvSpPr>
               <p:cNvPr id="3" name="Content Placeholder 2">
@@ -9895,7 +9920,7 @@
             </p:txBody>
           </p:sp>
         </mc:Choice>
-        <mc:Fallback>
+        <mc:Fallback xmlns="">
           <p:sp>
             <p:nvSpPr>
               <p:cNvPr id="3" name="Content Placeholder 2">
@@ -9965,8 +9990,8 @@
           <a:chExt cx="0" cy="0"/>
         </a:xfrm>
       </p:grpSpPr>
-      <mc:AlternateContent xmlns:mc="http://schemas.openxmlformats.org/markup-compatibility/2006">
-        <mc:Choice xmlns:a14="http://schemas.microsoft.com/office/drawing/2010/main" Requires="a14">
+      <mc:AlternateContent xmlns:mc="http://schemas.openxmlformats.org/markup-compatibility/2006" xmlns:a14="http://schemas.microsoft.com/office/drawing/2010/main">
+        <mc:Choice Requires="a14">
           <p:sp>
             <p:nvSpPr>
               <p:cNvPr id="2" name="Title 1">
@@ -10039,7 +10064,7 @@
             </p:txBody>
           </p:sp>
         </mc:Choice>
-        <mc:Fallback>
+        <mc:Fallback xmlns="">
           <p:sp>
             <p:nvSpPr>
               <p:cNvPr id="2" name="Title 1">
@@ -10079,8 +10104,8 @@
           </p:sp>
         </mc:Fallback>
       </mc:AlternateContent>
-      <mc:AlternateContent xmlns:mc="http://schemas.openxmlformats.org/markup-compatibility/2006">
-        <mc:Choice xmlns:a14="http://schemas.microsoft.com/office/drawing/2010/main" Requires="a14">
+      <mc:AlternateContent xmlns:mc="http://schemas.openxmlformats.org/markup-compatibility/2006" xmlns:a14="http://schemas.microsoft.com/office/drawing/2010/main">
+        <mc:Choice Requires="a14">
           <p:sp>
             <p:nvSpPr>
               <p:cNvPr id="3" name="Content Placeholder 2">
@@ -10207,25 +10232,13 @@
                                 <a:rPr lang="en-US" i="1">
                                   <a:latin typeface="Cambria Math" panose="02040503050406030204" pitchFamily="18" charset="0"/>
                                 </a:rPr>
-                                <m:t>1</m:t>
+                                <m:t>1+</m:t>
                               </m:r>
                               <m:r>
                                 <a:rPr lang="en-US" i="1">
                                   <a:latin typeface="Cambria Math" panose="02040503050406030204" pitchFamily="18" charset="0"/>
                                 </a:rPr>
-                                <m:t>+</m:t>
-                              </m:r>
-                              <m:r>
-                                <a:rPr lang="en-US" i="1">
-                                  <a:latin typeface="Cambria Math" panose="02040503050406030204" pitchFamily="18" charset="0"/>
-                                </a:rPr>
-                                <m:t>𝑖</m:t>
-                              </m:r>
-                              <m:r>
-                                <a:rPr lang="en-US" i="1">
-                                  <a:latin typeface="Cambria Math" panose="02040503050406030204" pitchFamily="18" charset="0"/>
-                                </a:rPr>
-                                <m:t>𝑧</m:t>
+                                <m:t>𝑖𝑧</m:t>
                               </m:r>
                             </m:den>
                           </m:f>
@@ -10663,7 +10676,7 @@
             </p:txBody>
           </p:sp>
         </mc:Choice>
-        <mc:Fallback>
+        <mc:Fallback xmlns="">
           <p:sp>
             <p:nvSpPr>
               <p:cNvPr id="3" name="Content Placeholder 2">
@@ -10818,8 +10831,8 @@
           </p:sp>
         </mc:Fallback>
       </mc:AlternateContent>
-      <mc:AlternateContent xmlns:mc="http://schemas.openxmlformats.org/markup-compatibility/2006">
-        <mc:Choice xmlns:a14="http://schemas.microsoft.com/office/drawing/2010/main" Requires="a14">
+      <mc:AlternateContent xmlns:mc="http://schemas.openxmlformats.org/markup-compatibility/2006" xmlns:a14="http://schemas.microsoft.com/office/drawing/2010/main">
+        <mc:Choice Requires="a14">
           <p:sp>
             <p:nvSpPr>
               <p:cNvPr id="3" name="Content Placeholder 2">
@@ -11199,7 +11212,7 @@
             </p:txBody>
           </p:sp>
         </mc:Choice>
-        <mc:Fallback>
+        <mc:Fallback xmlns="">
           <p:sp>
             <p:nvSpPr>
               <p:cNvPr id="3" name="Content Placeholder 2">
@@ -11269,8 +11282,8 @@
           <a:chExt cx="0" cy="0"/>
         </a:xfrm>
       </p:grpSpPr>
-      <mc:AlternateContent xmlns:mc="http://schemas.openxmlformats.org/markup-compatibility/2006">
-        <mc:Choice xmlns:a14="http://schemas.microsoft.com/office/drawing/2010/main" Requires="a14">
+      <mc:AlternateContent xmlns:mc="http://schemas.openxmlformats.org/markup-compatibility/2006" xmlns:a14="http://schemas.microsoft.com/office/drawing/2010/main">
+        <mc:Choice Requires="a14">
           <p:sp>
             <p:nvSpPr>
               <p:cNvPr id="2" name="Title 1">
@@ -11314,7 +11327,7 @@
             </p:txBody>
           </p:sp>
         </mc:Choice>
-        <mc:Fallback>
+        <mc:Fallback xmlns="">
           <p:sp>
             <p:nvSpPr>
               <p:cNvPr id="2" name="Title 1">
@@ -11354,8 +11367,8 @@
           </p:sp>
         </mc:Fallback>
       </mc:AlternateContent>
-      <mc:AlternateContent xmlns:mc="http://schemas.openxmlformats.org/markup-compatibility/2006">
-        <mc:Choice xmlns:a14="http://schemas.microsoft.com/office/drawing/2010/main" Requires="a14">
+      <mc:AlternateContent xmlns:mc="http://schemas.openxmlformats.org/markup-compatibility/2006" xmlns:a14="http://schemas.microsoft.com/office/drawing/2010/main">
+        <mc:Choice Requires="a14">
           <p:sp>
             <p:nvSpPr>
               <p:cNvPr id="3" name="Content Placeholder 2">
@@ -11460,13 +11473,7 @@
                                 <a:rPr lang="en-US" i="1">
                                   <a:latin typeface="Cambria Math" panose="02040503050406030204" pitchFamily="18" charset="0"/>
                                 </a:rPr>
-                                <m:t>1</m:t>
-                              </m:r>
-                              <m:r>
-                                <a:rPr lang="en-US" i="1">
-                                  <a:latin typeface="Cambria Math" panose="02040503050406030204" pitchFamily="18" charset="0"/>
-                                </a:rPr>
-                                <m:t>+</m:t>
+                                <m:t>1+</m:t>
                               </m:r>
                               <m:r>
                                 <a:rPr lang="en-US" i="1">
@@ -11816,7 +11823,7 @@
             </p:txBody>
           </p:sp>
         </mc:Choice>
-        <mc:Fallback>
+        <mc:Fallback xmlns="">
           <p:sp>
             <p:nvSpPr>
               <p:cNvPr id="3" name="Content Placeholder 2">
@@ -12024,8 +12031,8 @@
           </a:p>
         </p:txBody>
       </p:sp>
-      <mc:AlternateContent xmlns:mc="http://schemas.openxmlformats.org/markup-compatibility/2006">
-        <mc:Choice xmlns:a14="http://schemas.microsoft.com/office/drawing/2010/main" Requires="a14">
+      <mc:AlternateContent xmlns:mc="http://schemas.openxmlformats.org/markup-compatibility/2006" xmlns:a14="http://schemas.microsoft.com/office/drawing/2010/main">
+        <mc:Choice Requires="a14">
           <p:sp>
             <p:nvSpPr>
               <p:cNvPr id="3" name="Content Placeholder 2">
@@ -12078,10 +12085,16 @@
                   <a:t>Make trajectories by changing values accordingly</a:t>
                 </a:r>
               </a:p>
+              <a:p>
+                <a:r>
+                  <a:rPr lang="en-US" dirty="0"/>
+                  <a:t>Try a numerical simulation</a:t>
+                </a:r>
+              </a:p>
             </p:txBody>
           </p:sp>
         </mc:Choice>
-        <mc:Fallback>
+        <mc:Fallback xmlns="">
           <p:sp>
             <p:nvSpPr>
               <p:cNvPr id="3" name="Content Placeholder 2">
@@ -12102,7 +12115,7 @@
               <a:blipFill>
                 <a:blip r:embed="rId3"/>
                 <a:stretch>
-                  <a:fillRect l="-1043" t="-2241"/>
+                  <a:fillRect l="-965" t="-2632"/>
                 </a:stretch>
               </a:blipFill>
             </p:spPr>
@@ -12179,8 +12192,8 @@
           </a:p>
         </p:txBody>
       </p:sp>
-      <mc:AlternateContent xmlns:mc="http://schemas.openxmlformats.org/markup-compatibility/2006">
-        <mc:Choice xmlns:a14="http://schemas.microsoft.com/office/drawing/2010/main" Requires="a14">
+      <mc:AlternateContent xmlns:mc="http://schemas.openxmlformats.org/markup-compatibility/2006" xmlns:a14="http://schemas.microsoft.com/office/drawing/2010/main">
+        <mc:Choice Requires="a14">
           <p:sp>
             <p:nvSpPr>
               <p:cNvPr id="3" name="Content Placeholder 2">
@@ -12506,7 +12519,7 @@
             </p:txBody>
           </p:sp>
         </mc:Choice>
-        <mc:Fallback>
+        <mc:Fallback xmlns="">
           <p:sp>
             <p:nvSpPr>
               <p:cNvPr id="3" name="Content Placeholder 2">
@@ -13620,10 +13633,10 @@
       </mc:AlternateContent>
       <p:pic>
         <p:nvPicPr>
-          <p:cNvPr id="16" name="Content Placeholder 15">
+          <p:cNvPr id="7" name="Content Placeholder 6" descr="A screenshot of a cell phone&#10;&#10;Description automatically generated">
             <a:extLst>
               <a:ext uri="{FF2B5EF4-FFF2-40B4-BE49-F238E27FC236}">
-                <a16:creationId xmlns:a16="http://schemas.microsoft.com/office/drawing/2014/main" id="{BB2158DA-7B7C-2141-8896-853BD457D82C}"/>
+                <a16:creationId xmlns:a16="http://schemas.microsoft.com/office/drawing/2014/main" id="{66D69E0E-C19F-724E-A99D-28167CE2A763}"/>
               </a:ext>
             </a:extLst>
           </p:cNvPr>
@@ -13642,8 +13655,8 @@
         </p:blipFill>
         <p:spPr>
           <a:xfrm>
-            <a:off x="4388982" y="2100649"/>
-            <a:ext cx="7223002" cy="3138616"/>
+            <a:off x="4402223" y="1690688"/>
+            <a:ext cx="6951577" cy="3683370"/>
           </a:xfrm>
         </p:spPr>
       </p:pic>

--- a/Presentation1.pptx
+++ b/Presentation1.pptx
@@ -5,7 +5,7 @@
     <p:sldMasterId id="2147483648" r:id="rId1"/>
   </p:sldMasterIdLst>
   <p:notesMasterIdLst>
-    <p:notesMasterId r:id="rId22"/>
+    <p:notesMasterId r:id="rId23"/>
   </p:notesMasterIdLst>
   <p:sldIdLst>
     <p:sldId id="256" r:id="rId2"/>
@@ -28,6 +28,7 @@
     <p:sldId id="273" r:id="rId19"/>
     <p:sldId id="279" r:id="rId20"/>
     <p:sldId id="274" r:id="rId21"/>
+    <p:sldId id="280" r:id="rId22"/>
   </p:sldIdLst>
   <p:sldSz cx="12192000" cy="6858000"/>
   <p:notesSz cx="6858000" cy="9144000"/>
@@ -151,6 +152,7 @@
             <p14:sldId id="273"/>
             <p14:sldId id="279"/>
             <p14:sldId id="274"/>
+            <p14:sldId id="280"/>
           </p14:sldIdLst>
         </p14:section>
       </p14:sectionLst>
@@ -244,7 +246,7 @@
           <a:p>
             <a:fld id="{8C1AF027-6745-4D46-8E2B-37781D0CEB22}" type="datetimeFigureOut">
               <a:rPr lang="en-US" smtClean="0"/>
-              <a:t>4/20/20</a:t>
+              <a:t>4/20/2020</a:t>
             </a:fld>
             <a:endParaRPr lang="en-US"/>
           </a:p>
@@ -1789,7 +1791,7 @@
           <a:p>
             <a:fld id="{D4880492-2AE4-A845-89A9-1CF766BF2D5C}" type="datetimeFigureOut">
               <a:rPr lang="en-US" smtClean="0"/>
-              <a:t>4/20/20</a:t>
+              <a:t>4/20/2020</a:t>
             </a:fld>
             <a:endParaRPr lang="en-US"/>
           </a:p>
@@ -1987,7 +1989,7 @@
           <a:p>
             <a:fld id="{D4880492-2AE4-A845-89A9-1CF766BF2D5C}" type="datetimeFigureOut">
               <a:rPr lang="en-US" smtClean="0"/>
-              <a:t>4/20/20</a:t>
+              <a:t>4/20/2020</a:t>
             </a:fld>
             <a:endParaRPr lang="en-US"/>
           </a:p>
@@ -2195,7 +2197,7 @@
           <a:p>
             <a:fld id="{D4880492-2AE4-A845-89A9-1CF766BF2D5C}" type="datetimeFigureOut">
               <a:rPr lang="en-US" smtClean="0"/>
-              <a:t>4/20/20</a:t>
+              <a:t>4/20/2020</a:t>
             </a:fld>
             <a:endParaRPr lang="en-US"/>
           </a:p>
@@ -2393,7 +2395,7 @@
           <a:p>
             <a:fld id="{D4880492-2AE4-A845-89A9-1CF766BF2D5C}" type="datetimeFigureOut">
               <a:rPr lang="en-US" smtClean="0"/>
-              <a:t>4/20/20</a:t>
+              <a:t>4/20/2020</a:t>
             </a:fld>
             <a:endParaRPr lang="en-US"/>
           </a:p>
@@ -2668,7 +2670,7 @@
           <a:p>
             <a:fld id="{D4880492-2AE4-A845-89A9-1CF766BF2D5C}" type="datetimeFigureOut">
               <a:rPr lang="en-US" smtClean="0"/>
-              <a:t>4/20/20</a:t>
+              <a:t>4/20/2020</a:t>
             </a:fld>
             <a:endParaRPr lang="en-US"/>
           </a:p>
@@ -2933,7 +2935,7 @@
           <a:p>
             <a:fld id="{D4880492-2AE4-A845-89A9-1CF766BF2D5C}" type="datetimeFigureOut">
               <a:rPr lang="en-US" smtClean="0"/>
-              <a:t>4/20/20</a:t>
+              <a:t>4/20/2020</a:t>
             </a:fld>
             <a:endParaRPr lang="en-US"/>
           </a:p>
@@ -3345,7 +3347,7 @@
           <a:p>
             <a:fld id="{D4880492-2AE4-A845-89A9-1CF766BF2D5C}" type="datetimeFigureOut">
               <a:rPr lang="en-US" smtClean="0"/>
-              <a:t>4/20/20</a:t>
+              <a:t>4/20/2020</a:t>
             </a:fld>
             <a:endParaRPr lang="en-US"/>
           </a:p>
@@ -3486,7 +3488,7 @@
           <a:p>
             <a:fld id="{D4880492-2AE4-A845-89A9-1CF766BF2D5C}" type="datetimeFigureOut">
               <a:rPr lang="en-US" smtClean="0"/>
-              <a:t>4/20/20</a:t>
+              <a:t>4/20/2020</a:t>
             </a:fld>
             <a:endParaRPr lang="en-US"/>
           </a:p>
@@ -3599,7 +3601,7 @@
           <a:p>
             <a:fld id="{D4880492-2AE4-A845-89A9-1CF766BF2D5C}" type="datetimeFigureOut">
               <a:rPr lang="en-US" smtClean="0"/>
-              <a:t>4/20/20</a:t>
+              <a:t>4/20/2020</a:t>
             </a:fld>
             <a:endParaRPr lang="en-US"/>
           </a:p>
@@ -3910,7 +3912,7 @@
           <a:p>
             <a:fld id="{D4880492-2AE4-A845-89A9-1CF766BF2D5C}" type="datetimeFigureOut">
               <a:rPr lang="en-US" smtClean="0"/>
-              <a:t>4/20/20</a:t>
+              <a:t>4/20/2020</a:t>
             </a:fld>
             <a:endParaRPr lang="en-US"/>
           </a:p>
@@ -4198,7 +4200,7 @@
           <a:p>
             <a:fld id="{D4880492-2AE4-A845-89A9-1CF766BF2D5C}" type="datetimeFigureOut">
               <a:rPr lang="en-US" smtClean="0"/>
-              <a:t>4/20/20</a:t>
+              <a:t>4/20/2020</a:t>
             </a:fld>
             <a:endParaRPr lang="en-US"/>
           </a:p>
@@ -4439,7 +4441,7 @@
           <a:p>
             <a:fld id="{D4880492-2AE4-A845-89A9-1CF766BF2D5C}" type="datetimeFigureOut">
               <a:rPr lang="en-US" smtClean="0"/>
-              <a:t>4/20/20</a:t>
+              <a:t>4/20/2020</a:t>
             </a:fld>
             <a:endParaRPr lang="en-US"/>
           </a:p>
@@ -4874,12 +4876,14 @@
         </p:nvSpPr>
         <p:spPr/>
         <p:txBody>
-          <a:bodyPr/>
+          <a:bodyPr>
+            <a:normAutofit/>
+          </a:bodyPr>
           <a:lstStyle/>
           <a:p>
             <a:r>
               <a:rPr lang="en-US" dirty="0"/>
-              <a:t>Math 492: Quantum Group</a:t>
+              <a:t>Dynamics of Two-Level Quantum Systems</a:t>
             </a:r>
           </a:p>
         </p:txBody>
@@ -8338,8 +8342,8 @@
           </a:p>
         </p:txBody>
       </p:sp>
-      <mc:AlternateContent xmlns:mc="http://schemas.openxmlformats.org/markup-compatibility/2006" xmlns:a14="http://schemas.microsoft.com/office/drawing/2010/main">
-        <mc:Choice Requires="a14">
+      <mc:AlternateContent xmlns:mc="http://schemas.openxmlformats.org/markup-compatibility/2006">
+        <mc:Choice xmlns:a14="http://schemas.microsoft.com/office/drawing/2010/main" Requires="a14">
           <p:sp>
             <p:nvSpPr>
               <p:cNvPr id="3" name="Content Placeholder 2">
@@ -8893,6 +8897,12 @@
                       </a:rPr>
                       <m:t>=</m:t>
                     </m:r>
+                    <m:r>
+                      <a:rPr lang="en-US" b="0" i="1" smtClean="0">
+                        <a:latin typeface="Cambria Math" panose="02040503050406030204" pitchFamily="18" charset="0"/>
+                      </a:rPr>
+                      <m:t>|</m:t>
+                    </m:r>
                     <m:f>
                       <m:fPr>
                         <m:ctrlPr>
@@ -9057,6 +9067,12 @@
                       </m:den>
                     </m:f>
                     <m:r>
+                      <a:rPr lang="en-US" b="0" i="1" dirty="0" smtClean="0">
+                        <a:latin typeface="Cambria Math" panose="02040503050406030204" pitchFamily="18" charset="0"/>
+                      </a:rPr>
+                      <m:t>|</m:t>
+                    </m:r>
+                    <m:r>
                       <a:rPr lang="en-US" b="0" i="0" smtClean="0">
                         <a:latin typeface="Cambria Math" panose="02040503050406030204" pitchFamily="18" charset="0"/>
                       </a:rPr>
@@ -9066,7 +9082,7 @@
                 </a14:m>
                 <a:r>
                   <a:rPr lang="en-US" dirty="0"/>
-                  <a:t> </a:t>
+                  <a:t> |</a:t>
                 </a:r>
                 <a14:m>
                   <m:oMath xmlns:m="http://schemas.openxmlformats.org/officeDocument/2006/math">
@@ -9258,6 +9274,12 @@
                       </m:den>
                     </m:f>
                     <m:r>
+                      <a:rPr lang="en-US" b="0" i="1" smtClean="0">
+                        <a:latin typeface="Cambria Math" panose="02040503050406030204" pitchFamily="18" charset="0"/>
+                      </a:rPr>
+                      <m:t>|</m:t>
+                    </m:r>
+                    <m:r>
                       <a:rPr lang="en-US" b="0" i="1" dirty="0" smtClean="0">
                         <a:latin typeface="Cambria Math" panose="02040503050406030204" pitchFamily="18" charset="0"/>
                       </a:rPr>
@@ -9267,7 +9289,7 @@
                 </a14:m>
                 <a:r>
                   <a:rPr lang="en-US" dirty="0"/>
-                  <a:t> </a:t>
+                  <a:t>| </a:t>
                 </a:r>
                 <a14:m>
                   <m:oMath xmlns:m="http://schemas.openxmlformats.org/officeDocument/2006/math">
@@ -9412,6 +9434,12 @@
                       <a:rPr lang="en-US" b="0" i="1" smtClean="0">
                         <a:latin typeface="Cambria Math" panose="02040503050406030204" pitchFamily="18" charset="0"/>
                       </a:rPr>
+                      <m:t>|</m:t>
+                    </m:r>
+                    <m:r>
+                      <a:rPr lang="en-US" b="0" i="1" smtClean="0">
+                        <a:latin typeface="Cambria Math" panose="02040503050406030204" pitchFamily="18" charset="0"/>
+                      </a:rPr>
                       <m:t>=</m:t>
                     </m:r>
                     <m:r>
@@ -9445,7 +9473,7 @@
             </p:txBody>
           </p:sp>
         </mc:Choice>
-        <mc:Fallback xmlns="">
+        <mc:Fallback>
           <p:sp>
             <p:nvSpPr>
               <p:cNvPr id="3" name="Content Placeholder 2">
@@ -11962,17 +11990,38 @@
             </a:pPr>
             <a:endParaRPr lang="en-US" dirty="0"/>
           </a:p>
-          <a:p>
-            <a:pPr marL="0" indent="0">
-              <a:buNone/>
-            </a:pPr>
-            <a:r>
-              <a:rPr lang="en-US" dirty="0"/>
-              <a:t>Add picture to emphasize trajectory and ode</a:t>
-            </a:r>
-          </a:p>
         </p:txBody>
       </p:sp>
+      <p:pic>
+        <p:nvPicPr>
+          <p:cNvPr id="7" name="Picture 6">
+            <a:extLst>
+              <a:ext uri="{FF2B5EF4-FFF2-40B4-BE49-F238E27FC236}">
+                <a16:creationId xmlns:a16="http://schemas.microsoft.com/office/drawing/2014/main" id="{53C09ED3-F092-4E30-BA34-FF758EC106C5}"/>
+              </a:ext>
+            </a:extLst>
+          </p:cNvPr>
+          <p:cNvPicPr>
+            <a:picLocks noChangeAspect="1"/>
+          </p:cNvPicPr>
+          <p:nvPr/>
+        </p:nvPicPr>
+        <p:blipFill>
+          <a:blip r:embed="rId3"/>
+          <a:stretch>
+            <a:fillRect/>
+          </a:stretch>
+        </p:blipFill>
+        <p:spPr>
+          <a:xfrm>
+            <a:off x="3750564" y="3066684"/>
+            <a:ext cx="4424172" cy="3426191"/>
+          </a:xfrm>
+          <a:prstGeom prst="rect">
+            <a:avLst/>
+          </a:prstGeom>
+        </p:spPr>
+      </p:pic>
     </p:spTree>
     <p:extLst>
       <p:ext uri="{BB962C8B-B14F-4D97-AF65-F5344CB8AC3E}">
@@ -12031,8 +12080,8 @@
           </a:p>
         </p:txBody>
       </p:sp>
-      <mc:AlternateContent xmlns:mc="http://schemas.openxmlformats.org/markup-compatibility/2006" xmlns:a14="http://schemas.microsoft.com/office/drawing/2010/main">
-        <mc:Choice Requires="a14">
+      <mc:AlternateContent xmlns:mc="http://schemas.openxmlformats.org/markup-compatibility/2006">
+        <mc:Choice xmlns:a14="http://schemas.microsoft.com/office/drawing/2010/main" Requires="a14">
           <p:sp>
             <p:nvSpPr>
               <p:cNvPr id="3" name="Content Placeholder 2">
@@ -12082,19 +12131,13 @@
               <a:p>
                 <a:r>
                   <a:rPr lang="en-US" dirty="0"/>
-                  <a:t>Make trajectories by changing values accordingly</a:t>
-                </a:r>
-              </a:p>
-              <a:p>
-                <a:r>
-                  <a:rPr lang="en-US" dirty="0"/>
                   <a:t>Try a numerical simulation</a:t>
                 </a:r>
               </a:p>
             </p:txBody>
           </p:sp>
         </mc:Choice>
-        <mc:Fallback xmlns="">
+        <mc:Fallback>
           <p:sp>
             <p:nvSpPr>
               <p:cNvPr id="3" name="Content Placeholder 2">
@@ -12115,7 +12158,7 @@
               <a:blipFill>
                 <a:blip r:embed="rId3"/>
                 <a:stretch>
-                  <a:fillRect l="-965" t="-2632"/>
+                  <a:fillRect l="-1043" t="-2241"/>
                 </a:stretch>
               </a:blipFill>
             </p:spPr>
@@ -12138,6 +12181,94 @@
     <p:extLst>
       <p:ext uri="{BB962C8B-B14F-4D97-AF65-F5344CB8AC3E}">
         <p14:creationId xmlns:p14="http://schemas.microsoft.com/office/powerpoint/2010/main" val="836067812"/>
+      </p:ext>
+    </p:extLst>
+  </p:cSld>
+  <p:clrMapOvr>
+    <a:masterClrMapping/>
+  </p:clrMapOvr>
+</p:sld>
+</file>
+
+<file path=ppt/slides/slide21.xml><?xml version="1.0" encoding="utf-8"?>
+<p:sld xmlns:a="http://schemas.openxmlformats.org/drawingml/2006/main" xmlns:r="http://schemas.openxmlformats.org/officeDocument/2006/relationships" xmlns:p="http://schemas.openxmlformats.org/presentationml/2006/main">
+  <p:cSld>
+    <p:spTree>
+      <p:nvGrpSpPr>
+        <p:cNvPr id="1" name=""/>
+        <p:cNvGrpSpPr/>
+        <p:nvPr/>
+      </p:nvGrpSpPr>
+      <p:grpSpPr>
+        <a:xfrm>
+          <a:off x="0" y="0"/>
+          <a:ext cx="0" cy="0"/>
+          <a:chOff x="0" y="0"/>
+          <a:chExt cx="0" cy="0"/>
+        </a:xfrm>
+      </p:grpSpPr>
+      <p:sp>
+        <p:nvSpPr>
+          <p:cNvPr id="2" name="Title 1">
+            <a:extLst>
+              <a:ext uri="{FF2B5EF4-FFF2-40B4-BE49-F238E27FC236}">
+                <a16:creationId xmlns:a16="http://schemas.microsoft.com/office/drawing/2014/main" id="{AD9E2441-4E13-4AA1-952A-C556629D2991}"/>
+              </a:ext>
+            </a:extLst>
+          </p:cNvPr>
+          <p:cNvSpPr>
+            <a:spLocks noGrp="1"/>
+          </p:cNvSpPr>
+          <p:nvPr>
+            <p:ph type="title"/>
+          </p:nvPr>
+        </p:nvSpPr>
+        <p:spPr/>
+        <p:txBody>
+          <a:bodyPr/>
+          <a:lstStyle/>
+          <a:p>
+            <a:r>
+              <a:rPr lang="en-US" dirty="0"/>
+              <a:t>References</a:t>
+            </a:r>
+          </a:p>
+        </p:txBody>
+      </p:sp>
+      <p:sp>
+        <p:nvSpPr>
+          <p:cNvPr id="3" name="Content Placeholder 2">
+            <a:extLst>
+              <a:ext uri="{FF2B5EF4-FFF2-40B4-BE49-F238E27FC236}">
+                <a16:creationId xmlns:a16="http://schemas.microsoft.com/office/drawing/2014/main" id="{0B30941A-6F81-470A-A4E5-1C331CE84F6E}"/>
+              </a:ext>
+            </a:extLst>
+          </p:cNvPr>
+          <p:cNvSpPr>
+            <a:spLocks noGrp="1"/>
+          </p:cNvSpPr>
+          <p:nvPr>
+            <p:ph idx="1"/>
+          </p:nvPr>
+        </p:nvSpPr>
+        <p:spPr/>
+        <p:txBody>
+          <a:bodyPr>
+            <a:normAutofit/>
+          </a:bodyPr>
+          <a:lstStyle/>
+          <a:p>
+            <a:r>
+              <a:rPr lang="en-US" sz="3600" dirty="0"/>
+              <a:t>Dr. D’Alessandro </a:t>
+            </a:r>
+          </a:p>
+        </p:txBody>
+      </p:sp>
+    </p:spTree>
+    <p:extLst>
+      <p:ext uri="{BB962C8B-B14F-4D97-AF65-F5344CB8AC3E}">
+        <p14:creationId xmlns:p14="http://schemas.microsoft.com/office/powerpoint/2010/main" val="2371736756"/>
       </p:ext>
     </p:extLst>
   </p:cSld>
